--- a/Yijie Guo - Presentation.pptx
+++ b/Yijie Guo - Presentation.pptx
@@ -5,18 +5,19 @@
     <p:sldMasterId id="2147483660" r:id="rId1"/>
   </p:sldMasterIdLst>
   <p:notesMasterIdLst>
-    <p:notesMasterId r:id="rId11"/>
+    <p:notesMasterId r:id="rId12"/>
   </p:notesMasterIdLst>
   <p:sldIdLst>
     <p:sldId id="256" r:id="rId2"/>
     <p:sldId id="263" r:id="rId3"/>
     <p:sldId id="264" r:id="rId4"/>
     <p:sldId id="260" r:id="rId5"/>
-    <p:sldId id="262" r:id="rId6"/>
-    <p:sldId id="258" r:id="rId7"/>
-    <p:sldId id="268" r:id="rId8"/>
-    <p:sldId id="265" r:id="rId9"/>
-    <p:sldId id="267" r:id="rId10"/>
+    <p:sldId id="270" r:id="rId6"/>
+    <p:sldId id="262" r:id="rId7"/>
+    <p:sldId id="258" r:id="rId8"/>
+    <p:sldId id="268" r:id="rId9"/>
+    <p:sldId id="265" r:id="rId10"/>
+    <p:sldId id="267" r:id="rId11"/>
   </p:sldIdLst>
   <p:sldSz cx="12192000" cy="6858000"/>
   <p:notesSz cx="6858000" cy="9144000"/>
@@ -205,7 +206,7 @@
           <a:p>
             <a:fld id="{23E7CD85-A6B2-4983-82B4-50AF3BAA5D53}" type="datetimeFigureOut">
               <a:rPr lang="en-US" smtClean="0"/>
-              <a:t>8/27/2018</a:t>
+              <a:t>8/29/2018</a:t>
             </a:fld>
             <a:endParaRPr lang="en-US"/>
           </a:p>
@@ -974,7 +975,7 @@
           <a:p>
             <a:fld id="{398ED7EA-4498-44B6-B814-1049D92D5CC5}" type="datetime1">
               <a:rPr lang="en-US" smtClean="0"/>
-              <a:t>8/27/2018</a:t>
+              <a:t>8/29/2018</a:t>
             </a:fld>
             <a:endParaRPr lang="en-US"/>
           </a:p>
@@ -1274,7 +1275,7 @@
           <a:p>
             <a:fld id="{E70A32BE-F074-4A60-9CAD-C64343780D72}" type="datetime1">
               <a:rPr lang="en-US" smtClean="0"/>
-              <a:t>8/27/2018</a:t>
+              <a:t>8/29/2018</a:t>
             </a:fld>
             <a:endParaRPr lang="en-US"/>
           </a:p>
@@ -1526,7 +1527,7 @@
           <a:p>
             <a:fld id="{3DD174CB-3F8F-4BE9-93D7-91C1C404D451}" type="datetime1">
               <a:rPr lang="en-US" smtClean="0"/>
-              <a:t>8/27/2018</a:t>
+              <a:t>8/29/2018</a:t>
             </a:fld>
             <a:endParaRPr lang="en-US"/>
           </a:p>
@@ -2070,7 +2071,7 @@
           <a:p>
             <a:fld id="{98E1259F-1B9B-432F-B479-58B9D61D3D3F}" type="datetime1">
               <a:rPr lang="en-US" smtClean="0"/>
-              <a:t>8/27/2018</a:t>
+              <a:t>8/29/2018</a:t>
             </a:fld>
             <a:endParaRPr lang="en-US"/>
           </a:p>
@@ -2322,7 +2323,7 @@
           <a:p>
             <a:fld id="{2453CE9A-B59D-415A-B864-DB26265E637C}" type="datetime1">
               <a:rPr lang="en-US" smtClean="0"/>
-              <a:t>8/27/2018</a:t>
+              <a:t>8/29/2018</a:t>
             </a:fld>
             <a:endParaRPr lang="en-US"/>
           </a:p>
@@ -2858,7 +2859,7 @@
           <a:p>
             <a:fld id="{B1F3233D-F0AE-4B6B-8B4A-E6FB85670E3C}" type="datetime1">
               <a:rPr lang="en-US" smtClean="0"/>
-              <a:t>8/27/2018</a:t>
+              <a:t>8/29/2018</a:t>
             </a:fld>
             <a:endParaRPr lang="en-US"/>
           </a:p>
@@ -3159,7 +3160,7 @@
           <a:p>
             <a:fld id="{B9E691C5-2AE5-46BA-88C3-55AC65958114}" type="datetime1">
               <a:rPr lang="en-US" smtClean="0"/>
-              <a:t>8/27/2018</a:t>
+              <a:t>8/29/2018</a:t>
             </a:fld>
             <a:endParaRPr lang="en-US"/>
           </a:p>
@@ -3337,7 +3338,7 @@
           <a:p>
             <a:fld id="{2DB04936-086B-480F-90C5-5CD4773098D9}" type="datetime1">
               <a:rPr lang="en-US" smtClean="0"/>
-              <a:t>8/27/2018</a:t>
+              <a:t>8/29/2018</a:t>
             </a:fld>
             <a:endParaRPr lang="en-US"/>
           </a:p>
@@ -3521,7 +3522,7 @@
           <a:p>
             <a:fld id="{F20F614A-558D-48CF-B422-72AB3B95302F}" type="datetime1">
               <a:rPr lang="en-US" smtClean="0"/>
-              <a:t>8/27/2018</a:t>
+              <a:t>8/29/2018</a:t>
             </a:fld>
             <a:endParaRPr lang="en-US"/>
           </a:p>
@@ -3695,7 +3696,7 @@
           <a:p>
             <a:fld id="{1C3FAAD2-7894-477F-BE25-8C00C1339DD3}" type="datetime1">
               <a:rPr lang="en-US" smtClean="0"/>
-              <a:t>8/27/2018</a:t>
+              <a:t>8/29/2018</a:t>
             </a:fld>
             <a:endParaRPr lang="en-US"/>
           </a:p>
@@ -3950,7 +3951,7 @@
           <a:p>
             <a:fld id="{3A8F301D-62BE-417F-AC3E-43AF4641F4E5}" type="datetime1">
               <a:rPr lang="en-US" smtClean="0"/>
-              <a:t>8/27/2018</a:t>
+              <a:t>8/29/2018</a:t>
             </a:fld>
             <a:endParaRPr lang="en-US"/>
           </a:p>
@@ -4251,7 +4252,7 @@
           <a:p>
             <a:fld id="{A10F8050-8F81-47C1-A68F-499A8FEA0A59}" type="datetime1">
               <a:rPr lang="en-US" smtClean="0"/>
-              <a:t>8/27/2018</a:t>
+              <a:t>8/29/2018</a:t>
             </a:fld>
             <a:endParaRPr lang="en-US"/>
           </a:p>
@@ -4697,7 +4698,7 @@
           <a:p>
             <a:fld id="{2D553D70-A307-4348-9055-8DFCCD17F08E}" type="datetime1">
               <a:rPr lang="en-US" smtClean="0"/>
-              <a:t>8/27/2018</a:t>
+              <a:t>8/29/2018</a:t>
             </a:fld>
             <a:endParaRPr lang="en-US"/>
           </a:p>
@@ -4819,7 +4820,7 @@
           <a:p>
             <a:fld id="{045E44CA-71B9-4A8C-91F9-F9093D09C208}" type="datetime1">
               <a:rPr lang="en-US" smtClean="0"/>
-              <a:t>8/27/2018</a:t>
+              <a:t>8/29/2018</a:t>
             </a:fld>
             <a:endParaRPr lang="en-US"/>
           </a:p>
@@ -4918,7 +4919,7 @@
           <a:p>
             <a:fld id="{FA15C4D1-93B8-46CD-B0BF-EF97E640258A}" type="datetime1">
               <a:rPr lang="en-US" smtClean="0"/>
-              <a:t>8/27/2018</a:t>
+              <a:t>8/29/2018</a:t>
             </a:fld>
             <a:endParaRPr lang="en-US"/>
           </a:p>
@@ -5205,7 +5206,7 @@
           <a:p>
             <a:fld id="{9276146F-B3B1-478C-8D8E-EA1796862990}" type="datetime1">
               <a:rPr lang="en-US" smtClean="0"/>
-              <a:t>8/27/2018</a:t>
+              <a:t>8/29/2018</a:t>
             </a:fld>
             <a:endParaRPr lang="en-US"/>
           </a:p>
@@ -5500,7 +5501,7 @@
           <a:p>
             <a:fld id="{C1E93A08-97AD-4568-B021-159870FF4B51}" type="datetime1">
               <a:rPr lang="en-US" smtClean="0"/>
-              <a:t>8/27/2018</a:t>
+              <a:t>8/29/2018</a:t>
             </a:fld>
             <a:endParaRPr lang="en-US"/>
           </a:p>
@@ -6034,7 +6035,7 @@
           <a:p>
             <a:fld id="{3BA7DC75-38DD-4B23-8CA3-441B073278B6}" type="datetime1">
               <a:rPr lang="en-US" smtClean="0"/>
-              <a:t>8/27/2018</a:t>
+              <a:t>8/29/2018</a:t>
             </a:fld>
             <a:endParaRPr lang="en-US"/>
           </a:p>
@@ -6556,6 +6557,14 @@
 <file path=ppt/slides/slide1.xml><?xml version="1.0" encoding="utf-8"?>
 <p:sld xmlns:a="http://schemas.openxmlformats.org/drawingml/2006/main" xmlns:r="http://schemas.openxmlformats.org/officeDocument/2006/relationships" xmlns:p="http://schemas.openxmlformats.org/presentationml/2006/main">
   <p:cSld>
+    <p:bg>
+      <p:bgPr>
+        <a:solidFill>
+          <a:schemeClr val="bg2"/>
+        </a:solidFill>
+        <a:effectLst/>
+      </p:bgPr>
+    </p:bg>
     <p:spTree>
       <p:nvGrpSpPr>
         <p:cNvPr id="1" name=""/>
@@ -6570,6 +6579,477 @@
           <a:chExt cx="0" cy="0"/>
         </a:xfrm>
       </p:grpSpPr>
+      <p:sp useBgFill="1">
+        <p:nvSpPr>
+          <p:cNvPr id="18" name="Rectangle 8">
+            <a:extLst>
+              <a:ext uri="{FF2B5EF4-FFF2-40B4-BE49-F238E27FC236}">
+                <a16:creationId xmlns:a16="http://schemas.microsoft.com/office/drawing/2014/main" id="{E5A92FE9-DB05-4D0D-AF5A-BE8664B9FFB4}"/>
+              </a:ext>
+              <a:ext uri="{C183D7F6-B498-43B3-948B-1728B52AA6E4}">
+                <adec:decorative xmlns:adec="http://schemas.microsoft.com/office/drawing/2017/decorative" val="1"/>
+              </a:ext>
+            </a:extLst>
+          </p:cNvPr>
+          <p:cNvSpPr>
+            <a:spLocks noGrp="1" noRot="1" noChangeAspect="1" noMove="1" noResize="1" noEditPoints="1" noAdjustHandles="1" noChangeArrowheads="1" noChangeShapeType="1" noTextEdit="1"/>
+          </p:cNvSpPr>
+          <p:nvPr>
+            <p:extLst>
+              <p:ext uri="{386F3935-93C4-4BCD-93E2-E3B085C9AB24}">
+                <p16:designElem xmlns:p16="http://schemas.microsoft.com/office/powerpoint/2015/main" val="1"/>
+              </p:ext>
+            </p:extLst>
+          </p:nvPr>
+        </p:nvSpPr>
+        <p:spPr>
+          <a:xfrm>
+            <a:off x="0" y="0"/>
+            <a:ext cx="12192000" cy="6858000"/>
+          </a:xfrm>
+          <a:prstGeom prst="rect">
+            <a:avLst/>
+          </a:prstGeom>
+          <a:ln>
+            <a:noFill/>
+          </a:ln>
+        </p:spPr>
+        <p:style>
+          <a:lnRef idx="2">
+            <a:schemeClr val="accent1">
+              <a:shade val="50000"/>
+            </a:schemeClr>
+          </a:lnRef>
+          <a:fillRef idx="1">
+            <a:schemeClr val="accent1"/>
+          </a:fillRef>
+          <a:effectRef idx="0">
+            <a:schemeClr val="accent1"/>
+          </a:effectRef>
+          <a:fontRef idx="minor">
+            <a:schemeClr val="lt1"/>
+          </a:fontRef>
+        </p:style>
+        <p:txBody>
+          <a:bodyPr rtlCol="0" anchor="ctr"/>
+          <a:lstStyle/>
+          <a:p>
+            <a:pPr algn="ctr"/>
+            <a:endParaRPr lang="en-US" dirty="0"/>
+          </a:p>
+        </p:txBody>
+      </p:sp>
+      <p:grpSp>
+        <p:nvGrpSpPr>
+          <p:cNvPr id="19" name="Group 10">
+            <a:extLst>
+              <a:ext uri="{FF2B5EF4-FFF2-40B4-BE49-F238E27FC236}">
+                <a16:creationId xmlns:a16="http://schemas.microsoft.com/office/drawing/2014/main" id="{53D9B26A-5143-49A7-BA98-D871D5BD719A}"/>
+              </a:ext>
+              <a:ext uri="{C183D7F6-B498-43B3-948B-1728B52AA6E4}">
+                <adec:decorative xmlns:adec="http://schemas.microsoft.com/office/drawing/2017/decorative" val="1"/>
+              </a:ext>
+            </a:extLst>
+          </p:cNvPr>
+          <p:cNvGrpSpPr>
+            <a:grpSpLocks noGrp="1" noUngrp="1" noRot="1" noChangeAspect="1" noMove="1" noResize="1"/>
+          </p:cNvGrpSpPr>
+          <p:nvPr>
+            <p:extLst>
+              <p:ext uri="{386F3935-93C4-4BCD-93E2-E3B085C9AB24}">
+                <p16:designElem xmlns:p16="http://schemas.microsoft.com/office/powerpoint/2015/main" val="1"/>
+              </p:ext>
+            </p:extLst>
+          </p:nvPr>
+        </p:nvGrpSpPr>
+        <p:grpSpPr>
+          <a:xfrm flipH="1">
+            <a:off x="6526211" y="1"/>
+            <a:ext cx="5014912" cy="6857999"/>
+            <a:chOff x="2928938" y="-4763"/>
+            <a:chExt cx="5014912" cy="6862763"/>
+          </a:xfrm>
+        </p:grpSpPr>
+        <p:sp>
+          <p:nvSpPr>
+            <p:cNvPr id="12" name="Freeform 6">
+              <a:extLst>
+                <a:ext uri="{FF2B5EF4-FFF2-40B4-BE49-F238E27FC236}">
+                  <a16:creationId xmlns:a16="http://schemas.microsoft.com/office/drawing/2014/main" id="{68B85E55-A2A1-4682-B891-F201358A92D5}"/>
+                </a:ext>
+                <a:ext uri="{C183D7F6-B498-43B3-948B-1728B52AA6E4}">
+                  <adec:decorative xmlns:adec="http://schemas.microsoft.com/office/drawing/2017/decorative" val="1"/>
+                </a:ext>
+              </a:extLst>
+            </p:cNvPr>
+            <p:cNvSpPr/>
+            <p:nvPr>
+              <p:extLst>
+                <p:ext uri="{386F3935-93C4-4BCD-93E2-E3B085C9AB24}">
+                  <p16:designElem xmlns:p16="http://schemas.microsoft.com/office/powerpoint/2015/main" val="1"/>
+                </p:ext>
+              </p:extLst>
+            </p:nvPr>
+          </p:nvSpPr>
+          <p:spPr bwMode="auto">
+            <a:xfrm>
+              <a:off x="3367088" y="-4763"/>
+              <a:ext cx="1063625" cy="2782888"/>
+            </a:xfrm>
+            <a:custGeom>
+              <a:avLst/>
+              <a:gdLst/>
+              <a:ahLst/>
+              <a:cxnLst/>
+              <a:rect l="0" t="0" r="r" b="b"/>
+              <a:pathLst>
+                <a:path w="670" h="1753">
+                  <a:moveTo>
+                    <a:pt x="0" y="1696"/>
+                  </a:moveTo>
+                  <a:lnTo>
+                    <a:pt x="225" y="1753"/>
+                  </a:lnTo>
+                  <a:lnTo>
+                    <a:pt x="670" y="0"/>
+                  </a:lnTo>
+                  <a:lnTo>
+                    <a:pt x="430" y="0"/>
+                  </a:lnTo>
+                  <a:lnTo>
+                    <a:pt x="0" y="1696"/>
+                  </a:lnTo>
+                  <a:close/>
+                </a:path>
+              </a:pathLst>
+            </a:custGeom>
+            <a:solidFill>
+              <a:schemeClr val="accent1"/>
+            </a:solidFill>
+            <a:ln>
+              <a:noFill/>
+            </a:ln>
+          </p:spPr>
+        </p:sp>
+        <p:sp>
+          <p:nvSpPr>
+            <p:cNvPr id="20" name="Freeform 7">
+              <a:extLst>
+                <a:ext uri="{FF2B5EF4-FFF2-40B4-BE49-F238E27FC236}">
+                  <a16:creationId xmlns:a16="http://schemas.microsoft.com/office/drawing/2014/main" id="{45EF6EDB-9B5D-49E9-96FA-1AE08BF95E57}"/>
+                </a:ext>
+                <a:ext uri="{C183D7F6-B498-43B3-948B-1728B52AA6E4}">
+                  <adec:decorative xmlns:adec="http://schemas.microsoft.com/office/drawing/2017/decorative" val="1"/>
+                </a:ext>
+              </a:extLst>
+            </p:cNvPr>
+            <p:cNvSpPr/>
+            <p:nvPr>
+              <p:extLst>
+                <p:ext uri="{386F3935-93C4-4BCD-93E2-E3B085C9AB24}">
+                  <p16:designElem xmlns:p16="http://schemas.microsoft.com/office/powerpoint/2015/main" val="1"/>
+                </p:ext>
+              </p:extLst>
+            </p:nvPr>
+          </p:nvSpPr>
+          <p:spPr bwMode="auto">
+            <a:xfrm>
+              <a:off x="2928938" y="-4763"/>
+              <a:ext cx="1035050" cy="2673350"/>
+            </a:xfrm>
+            <a:custGeom>
+              <a:avLst/>
+              <a:gdLst/>
+              <a:ahLst/>
+              <a:cxnLst/>
+              <a:rect l="0" t="0" r="r" b="b"/>
+              <a:pathLst>
+                <a:path w="652" h="1684">
+                  <a:moveTo>
+                    <a:pt x="225" y="1684"/>
+                  </a:moveTo>
+                  <a:lnTo>
+                    <a:pt x="652" y="0"/>
+                  </a:lnTo>
+                  <a:lnTo>
+                    <a:pt x="411" y="0"/>
+                  </a:lnTo>
+                  <a:lnTo>
+                    <a:pt x="0" y="1627"/>
+                  </a:lnTo>
+                  <a:lnTo>
+                    <a:pt x="219" y="1681"/>
+                  </a:lnTo>
+                  <a:lnTo>
+                    <a:pt x="225" y="1684"/>
+                  </a:lnTo>
+                  <a:close/>
+                </a:path>
+              </a:pathLst>
+            </a:custGeom>
+            <a:solidFill>
+              <a:srgbClr val="595959"/>
+            </a:solidFill>
+            <a:ln>
+              <a:noFill/>
+            </a:ln>
+          </p:spPr>
+        </p:sp>
+        <p:sp>
+          <p:nvSpPr>
+            <p:cNvPr id="14" name="Freeform 12">
+              <a:extLst>
+                <a:ext uri="{FF2B5EF4-FFF2-40B4-BE49-F238E27FC236}">
+                  <a16:creationId xmlns:a16="http://schemas.microsoft.com/office/drawing/2014/main" id="{38338226-D6E2-4EEE-B271-DB4BD096DBA1}"/>
+                </a:ext>
+                <a:ext uri="{C183D7F6-B498-43B3-948B-1728B52AA6E4}">
+                  <adec:decorative xmlns:adec="http://schemas.microsoft.com/office/drawing/2017/decorative" val="1"/>
+                </a:ext>
+              </a:extLst>
+            </p:cNvPr>
+            <p:cNvSpPr/>
+            <p:nvPr>
+              <p:extLst>
+                <p:ext uri="{386F3935-93C4-4BCD-93E2-E3B085C9AB24}">
+                  <p16:designElem xmlns:p16="http://schemas.microsoft.com/office/powerpoint/2015/main" val="1"/>
+                </p:ext>
+              </p:extLst>
+            </p:nvPr>
+          </p:nvSpPr>
+          <p:spPr bwMode="auto">
+            <a:xfrm>
+              <a:off x="2928938" y="2582862"/>
+              <a:ext cx="2693987" cy="4275138"/>
+            </a:xfrm>
+            <a:custGeom>
+              <a:avLst/>
+              <a:gdLst/>
+              <a:ahLst/>
+              <a:cxnLst/>
+              <a:rect l="0" t="0" r="r" b="b"/>
+              <a:pathLst>
+                <a:path w="1697" h="2693">
+                  <a:moveTo>
+                    <a:pt x="0" y="0"/>
+                  </a:moveTo>
+                  <a:lnTo>
+                    <a:pt x="1622" y="2693"/>
+                  </a:lnTo>
+                  <a:lnTo>
+                    <a:pt x="1697" y="2693"/>
+                  </a:lnTo>
+                  <a:lnTo>
+                    <a:pt x="0" y="0"/>
+                  </a:lnTo>
+                  <a:close/>
+                </a:path>
+              </a:pathLst>
+            </a:custGeom>
+            <a:solidFill>
+              <a:srgbClr val="262626"/>
+            </a:solidFill>
+            <a:ln>
+              <a:noFill/>
+            </a:ln>
+          </p:spPr>
+        </p:sp>
+        <p:sp>
+          <p:nvSpPr>
+            <p:cNvPr id="15" name="Freeform 13">
+              <a:extLst>
+                <a:ext uri="{FF2B5EF4-FFF2-40B4-BE49-F238E27FC236}">
+                  <a16:creationId xmlns:a16="http://schemas.microsoft.com/office/drawing/2014/main" id="{4878FB48-17B3-4A11-8025-DE0945CD4E71}"/>
+                </a:ext>
+                <a:ext uri="{C183D7F6-B498-43B3-948B-1728B52AA6E4}">
+                  <adec:decorative xmlns:adec="http://schemas.microsoft.com/office/drawing/2017/decorative" val="1"/>
+                </a:ext>
+              </a:extLst>
+            </p:cNvPr>
+            <p:cNvSpPr/>
+            <p:nvPr>
+              <p:extLst>
+                <p:ext uri="{386F3935-93C4-4BCD-93E2-E3B085C9AB24}">
+                  <p16:designElem xmlns:p16="http://schemas.microsoft.com/office/powerpoint/2015/main" val="1"/>
+                </p:ext>
+              </p:extLst>
+            </p:nvPr>
+          </p:nvSpPr>
+          <p:spPr bwMode="auto">
+            <a:xfrm>
+              <a:off x="3371850" y="2692400"/>
+              <a:ext cx="3332162" cy="4165600"/>
+            </a:xfrm>
+            <a:custGeom>
+              <a:avLst/>
+              <a:gdLst/>
+              <a:ahLst/>
+              <a:cxnLst/>
+              <a:rect l="0" t="0" r="r" b="b"/>
+              <a:pathLst>
+                <a:path w="2099" h="2624">
+                  <a:moveTo>
+                    <a:pt x="2099" y="2624"/>
+                  </a:moveTo>
+                  <a:lnTo>
+                    <a:pt x="0" y="0"/>
+                  </a:lnTo>
+                  <a:lnTo>
+                    <a:pt x="2021" y="2624"/>
+                  </a:lnTo>
+                  <a:lnTo>
+                    <a:pt x="2099" y="2624"/>
+                  </a:lnTo>
+                  <a:close/>
+                </a:path>
+              </a:pathLst>
+            </a:custGeom>
+            <a:solidFill>
+              <a:schemeClr val="accent1">
+                <a:lumMod val="50000"/>
+              </a:schemeClr>
+            </a:solidFill>
+            <a:ln>
+              <a:noFill/>
+            </a:ln>
+          </p:spPr>
+        </p:sp>
+        <p:sp>
+          <p:nvSpPr>
+            <p:cNvPr id="16" name="Freeform 14">
+              <a:extLst>
+                <a:ext uri="{FF2B5EF4-FFF2-40B4-BE49-F238E27FC236}">
+                  <a16:creationId xmlns:a16="http://schemas.microsoft.com/office/drawing/2014/main" id="{4150A21C-DD6D-4D3C-9E95-7A3CA263BEB9}"/>
+                </a:ext>
+                <a:ext uri="{C183D7F6-B498-43B3-948B-1728B52AA6E4}">
+                  <adec:decorative xmlns:adec="http://schemas.microsoft.com/office/drawing/2017/decorative" val="1"/>
+                </a:ext>
+              </a:extLst>
+            </p:cNvPr>
+            <p:cNvSpPr/>
+            <p:nvPr>
+              <p:extLst>
+                <p:ext uri="{386F3935-93C4-4BCD-93E2-E3B085C9AB24}">
+                  <p16:designElem xmlns:p16="http://schemas.microsoft.com/office/powerpoint/2015/main" val="1"/>
+                </p:ext>
+              </p:extLst>
+            </p:nvPr>
+          </p:nvSpPr>
+          <p:spPr bwMode="auto">
+            <a:xfrm>
+              <a:off x="3367088" y="2687637"/>
+              <a:ext cx="4576762" cy="4170363"/>
+            </a:xfrm>
+            <a:custGeom>
+              <a:avLst/>
+              <a:gdLst/>
+              <a:ahLst/>
+              <a:cxnLst/>
+              <a:rect l="0" t="0" r="r" b="b"/>
+              <a:pathLst>
+                <a:path w="2883" h="2627">
+                  <a:moveTo>
+                    <a:pt x="0" y="0"/>
+                  </a:moveTo>
+                  <a:lnTo>
+                    <a:pt x="3" y="3"/>
+                  </a:lnTo>
+                  <a:lnTo>
+                    <a:pt x="2102" y="2627"/>
+                  </a:lnTo>
+                  <a:lnTo>
+                    <a:pt x="2883" y="2627"/>
+                  </a:lnTo>
+                  <a:lnTo>
+                    <a:pt x="225" y="57"/>
+                  </a:lnTo>
+                  <a:lnTo>
+                    <a:pt x="0" y="0"/>
+                  </a:lnTo>
+                  <a:close/>
+                </a:path>
+              </a:pathLst>
+            </a:custGeom>
+            <a:solidFill>
+              <a:schemeClr val="accent1">
+                <a:lumMod val="75000"/>
+              </a:schemeClr>
+            </a:solidFill>
+            <a:ln>
+              <a:noFill/>
+            </a:ln>
+          </p:spPr>
+        </p:sp>
+        <p:sp>
+          <p:nvSpPr>
+            <p:cNvPr id="17" name="Freeform 15">
+              <a:extLst>
+                <a:ext uri="{FF2B5EF4-FFF2-40B4-BE49-F238E27FC236}">
+                  <a16:creationId xmlns:a16="http://schemas.microsoft.com/office/drawing/2014/main" id="{7505BF04-104D-4180-A284-42FCD6B04DD6}"/>
+                </a:ext>
+                <a:ext uri="{C183D7F6-B498-43B3-948B-1728B52AA6E4}">
+                  <adec:decorative xmlns:adec="http://schemas.microsoft.com/office/drawing/2017/decorative" val="1"/>
+                </a:ext>
+              </a:extLst>
+            </p:cNvPr>
+            <p:cNvSpPr/>
+            <p:nvPr>
+              <p:extLst>
+                <p:ext uri="{386F3935-93C4-4BCD-93E2-E3B085C9AB24}">
+                  <p16:designElem xmlns:p16="http://schemas.microsoft.com/office/powerpoint/2015/main" val="1"/>
+                </p:ext>
+              </p:extLst>
+            </p:nvPr>
+          </p:nvSpPr>
+          <p:spPr bwMode="auto">
+            <a:xfrm>
+              <a:off x="2928938" y="2578100"/>
+              <a:ext cx="3584575" cy="4279900"/>
+            </a:xfrm>
+            <a:custGeom>
+              <a:avLst/>
+              <a:gdLst/>
+              <a:ahLst/>
+              <a:cxnLst/>
+              <a:rect l="0" t="0" r="r" b="b"/>
+              <a:pathLst>
+                <a:path w="2258" h="2696">
+                  <a:moveTo>
+                    <a:pt x="2258" y="2696"/>
+                  </a:moveTo>
+                  <a:lnTo>
+                    <a:pt x="264" y="111"/>
+                  </a:lnTo>
+                  <a:lnTo>
+                    <a:pt x="228" y="60"/>
+                  </a:lnTo>
+                  <a:lnTo>
+                    <a:pt x="225" y="57"/>
+                  </a:lnTo>
+                  <a:lnTo>
+                    <a:pt x="0" y="0"/>
+                  </a:lnTo>
+                  <a:lnTo>
+                    <a:pt x="0" y="3"/>
+                  </a:lnTo>
+                  <a:lnTo>
+                    <a:pt x="1697" y="2696"/>
+                  </a:lnTo>
+                  <a:lnTo>
+                    <a:pt x="2258" y="2696"/>
+                  </a:lnTo>
+                  <a:close/>
+                </a:path>
+              </a:pathLst>
+            </a:custGeom>
+            <a:solidFill>
+              <a:srgbClr val="404040"/>
+            </a:solidFill>
+            <a:ln>
+              <a:noFill/>
+            </a:ln>
+          </p:spPr>
+        </p:sp>
+      </p:grpSp>
       <p:sp>
         <p:nvSpPr>
           <p:cNvPr id="2" name="Title 1">
@@ -6588,8 +7068,8 @@
         </p:nvSpPr>
         <p:spPr>
           <a:xfrm>
-            <a:off x="2928400" y="432418"/>
-            <a:ext cx="8574622" cy="2616199"/>
+            <a:off x="1018190" y="1829547"/>
+            <a:ext cx="8583008" cy="1519566"/>
           </a:xfrm>
         </p:spPr>
         <p:txBody>
@@ -6598,9 +7078,10 @@
           </a:bodyPr>
           <a:lstStyle/>
           <a:p>
-            <a:r>
-              <a:rPr lang="en-US" sz="9600" dirty="0"/>
-              <a:t>Willing to Fight</a:t>
+            <a:pPr algn="l"/>
+            <a:r>
+              <a:rPr lang="en-US" sz="5400" dirty="0"/>
+              <a:t>What Is Worth Fighting For</a:t>
             </a:r>
           </a:p>
         </p:txBody>
@@ -6623,8 +7104,8 @@
         </p:nvSpPr>
         <p:spPr>
           <a:xfrm>
-            <a:off x="4515377" y="3429000"/>
-            <a:ext cx="6987645" cy="1388534"/>
+            <a:off x="1049147" y="3368150"/>
+            <a:ext cx="7178070" cy="863348"/>
           </a:xfrm>
         </p:spPr>
         <p:txBody>
@@ -6633,13 +7114,15 @@
           </a:bodyPr>
           <a:lstStyle/>
           <a:p>
-            <a:r>
-              <a:rPr lang="en-US" sz="4800" dirty="0"/>
+            <a:pPr algn="l"/>
+            <a:r>
+              <a:rPr lang="en-US"/>
               <a:t>Yijie Guo</a:t>
             </a:r>
           </a:p>
           <a:p>
-            <a:endParaRPr lang="en-US" sz="4800" dirty="0"/>
+            <a:pPr algn="l"/>
+            <a:endParaRPr lang="en-US"/>
           </a:p>
         </p:txBody>
       </p:sp>
@@ -6659,21 +7142,32 @@
             <p:ph type="ftr" sz="quarter" idx="11"/>
           </p:nvPr>
         </p:nvSpPr>
-        <p:spPr/>
-        <p:txBody>
-          <a:bodyPr/>
+        <p:spPr>
+          <a:xfrm>
+            <a:off x="1018190" y="5883275"/>
+            <a:ext cx="5775900" cy="365125"/>
+          </a:xfrm>
+        </p:spPr>
+        <p:txBody>
+          <a:bodyPr>
+            <a:normAutofit/>
+          </a:bodyPr>
           <a:lstStyle/>
           <a:p>
-            <a:pPr algn="r"/>
-            <a:r>
-              <a:rPr lang="es-ES" sz="2000" dirty="0" err="1"/>
+            <a:pPr>
+              <a:spcAft>
+                <a:spcPts val="600"/>
+              </a:spcAft>
+            </a:pPr>
+            <a:r>
+              <a:rPr lang="es-ES" err="1"/>
               <a:t>EJay</a:t>
             </a:r>
             <a:r>
-              <a:rPr lang="es-ES" sz="2000" dirty="0"/>
+              <a:rPr lang="es-ES"/>
               <a:t> Guo          ejay.guo@gmail.com</a:t>
             </a:r>
-            <a:endParaRPr lang="en-US" sz="2000" dirty="0"/>
+            <a:endParaRPr lang="en-US"/>
           </a:p>
         </p:txBody>
       </p:sp>
@@ -6685,14 +7179,22 @@
     </p:extLst>
   </p:cSld>
   <p:clrMapOvr>
-    <a:masterClrMapping/>
+    <a:overrideClrMapping bg1="dk1" tx1="lt1" bg2="dk2" tx2="lt2" accent1="accent1" accent2="accent2" accent3="accent3" accent4="accent4" accent5="accent5" accent6="accent6" hlink="hlink" folHlink="folHlink"/>
   </p:clrMapOvr>
 </p:sld>
 </file>
 
-<file path=ppt/slides/slide2.xml><?xml version="1.0" encoding="utf-8"?>
+<file path=ppt/slides/slide10.xml><?xml version="1.0" encoding="utf-8"?>
 <p:sld xmlns:a="http://schemas.openxmlformats.org/drawingml/2006/main" xmlns:r="http://schemas.openxmlformats.org/officeDocument/2006/relationships" xmlns:p="http://schemas.openxmlformats.org/presentationml/2006/main">
   <p:cSld>
+    <p:bg>
+      <p:bgPr>
+        <a:solidFill>
+          <a:schemeClr val="bg2"/>
+        </a:solidFill>
+        <a:effectLst/>
+      </p:bgPr>
+    </p:bg>
     <p:spTree>
       <p:nvGrpSpPr>
         <p:cNvPr id="1" name=""/>
@@ -6707,12 +7209,483 @@
           <a:chExt cx="0" cy="0"/>
         </a:xfrm>
       </p:grpSpPr>
+      <p:sp useBgFill="1">
+        <p:nvSpPr>
+          <p:cNvPr id="9" name="Rectangle 8">
+            <a:extLst>
+              <a:ext uri="{FF2B5EF4-FFF2-40B4-BE49-F238E27FC236}">
+                <a16:creationId xmlns:a16="http://schemas.microsoft.com/office/drawing/2014/main" id="{E5A92FE9-DB05-4D0D-AF5A-BE8664B9FFB4}"/>
+              </a:ext>
+              <a:ext uri="{C183D7F6-B498-43B3-948B-1728B52AA6E4}">
+                <adec:decorative xmlns:adec="http://schemas.microsoft.com/office/drawing/2017/decorative" val="1"/>
+              </a:ext>
+            </a:extLst>
+          </p:cNvPr>
+          <p:cNvSpPr>
+            <a:spLocks noGrp="1" noRot="1" noChangeAspect="1" noMove="1" noResize="1" noEditPoints="1" noAdjustHandles="1" noChangeArrowheads="1" noChangeShapeType="1" noTextEdit="1"/>
+          </p:cNvSpPr>
+          <p:nvPr>
+            <p:extLst>
+              <p:ext uri="{386F3935-93C4-4BCD-93E2-E3B085C9AB24}">
+                <p16:designElem xmlns:p16="http://schemas.microsoft.com/office/powerpoint/2015/main" val="1"/>
+              </p:ext>
+            </p:extLst>
+          </p:nvPr>
+        </p:nvSpPr>
+        <p:spPr>
+          <a:xfrm>
+            <a:off x="0" y="0"/>
+            <a:ext cx="12192000" cy="6858000"/>
+          </a:xfrm>
+          <a:prstGeom prst="rect">
+            <a:avLst/>
+          </a:prstGeom>
+          <a:ln>
+            <a:noFill/>
+          </a:ln>
+        </p:spPr>
+        <p:style>
+          <a:lnRef idx="2">
+            <a:schemeClr val="accent1">
+              <a:shade val="50000"/>
+            </a:schemeClr>
+          </a:lnRef>
+          <a:fillRef idx="1">
+            <a:schemeClr val="accent1"/>
+          </a:fillRef>
+          <a:effectRef idx="0">
+            <a:schemeClr val="accent1"/>
+          </a:effectRef>
+          <a:fontRef idx="minor">
+            <a:schemeClr val="lt1"/>
+          </a:fontRef>
+        </p:style>
+        <p:txBody>
+          <a:bodyPr rtlCol="0" anchor="ctr"/>
+          <a:lstStyle/>
+          <a:p>
+            <a:pPr algn="ctr"/>
+            <a:endParaRPr lang="en-US" dirty="0"/>
+          </a:p>
+        </p:txBody>
+      </p:sp>
+      <p:grpSp>
+        <p:nvGrpSpPr>
+          <p:cNvPr id="11" name="Group 10">
+            <a:extLst>
+              <a:ext uri="{FF2B5EF4-FFF2-40B4-BE49-F238E27FC236}">
+                <a16:creationId xmlns:a16="http://schemas.microsoft.com/office/drawing/2014/main" id="{53D9B26A-5143-49A7-BA98-D871D5BD719A}"/>
+              </a:ext>
+              <a:ext uri="{C183D7F6-B498-43B3-948B-1728B52AA6E4}">
+                <adec:decorative xmlns:adec="http://schemas.microsoft.com/office/drawing/2017/decorative" val="1"/>
+              </a:ext>
+            </a:extLst>
+          </p:cNvPr>
+          <p:cNvGrpSpPr>
+            <a:grpSpLocks noGrp="1" noUngrp="1" noRot="1" noChangeAspect="1" noMove="1" noResize="1"/>
+          </p:cNvGrpSpPr>
+          <p:nvPr>
+            <p:extLst>
+              <p:ext uri="{386F3935-93C4-4BCD-93E2-E3B085C9AB24}">
+                <p16:designElem xmlns:p16="http://schemas.microsoft.com/office/powerpoint/2015/main" val="1"/>
+              </p:ext>
+            </p:extLst>
+          </p:nvPr>
+        </p:nvGrpSpPr>
+        <p:grpSpPr>
+          <a:xfrm flipH="1">
+            <a:off x="6526211" y="1"/>
+            <a:ext cx="5014912" cy="6857999"/>
+            <a:chOff x="2928938" y="-4763"/>
+            <a:chExt cx="5014912" cy="6862763"/>
+          </a:xfrm>
+        </p:grpSpPr>
+        <p:sp>
+          <p:nvSpPr>
+            <p:cNvPr id="12" name="Freeform 6">
+              <a:extLst>
+                <a:ext uri="{FF2B5EF4-FFF2-40B4-BE49-F238E27FC236}">
+                  <a16:creationId xmlns:a16="http://schemas.microsoft.com/office/drawing/2014/main" id="{68B85E55-A2A1-4682-B891-F201358A92D5}"/>
+                </a:ext>
+                <a:ext uri="{C183D7F6-B498-43B3-948B-1728B52AA6E4}">
+                  <adec:decorative xmlns:adec="http://schemas.microsoft.com/office/drawing/2017/decorative" val="1"/>
+                </a:ext>
+              </a:extLst>
+            </p:cNvPr>
+            <p:cNvSpPr/>
+            <p:nvPr>
+              <p:extLst>
+                <p:ext uri="{386F3935-93C4-4BCD-93E2-E3B085C9AB24}">
+                  <p16:designElem xmlns:p16="http://schemas.microsoft.com/office/powerpoint/2015/main" val="1"/>
+                </p:ext>
+              </p:extLst>
+            </p:nvPr>
+          </p:nvSpPr>
+          <p:spPr bwMode="auto">
+            <a:xfrm>
+              <a:off x="3367088" y="-4763"/>
+              <a:ext cx="1063625" cy="2782888"/>
+            </a:xfrm>
+            <a:custGeom>
+              <a:avLst/>
+              <a:gdLst/>
+              <a:ahLst/>
+              <a:cxnLst/>
+              <a:rect l="0" t="0" r="r" b="b"/>
+              <a:pathLst>
+                <a:path w="670" h="1753">
+                  <a:moveTo>
+                    <a:pt x="0" y="1696"/>
+                  </a:moveTo>
+                  <a:lnTo>
+                    <a:pt x="225" y="1753"/>
+                  </a:lnTo>
+                  <a:lnTo>
+                    <a:pt x="670" y="0"/>
+                  </a:lnTo>
+                  <a:lnTo>
+                    <a:pt x="430" y="0"/>
+                  </a:lnTo>
+                  <a:lnTo>
+                    <a:pt x="0" y="1696"/>
+                  </a:lnTo>
+                  <a:close/>
+                </a:path>
+              </a:pathLst>
+            </a:custGeom>
+            <a:solidFill>
+              <a:schemeClr val="accent1"/>
+            </a:solidFill>
+            <a:ln>
+              <a:noFill/>
+            </a:ln>
+          </p:spPr>
+        </p:sp>
+        <p:sp>
+          <p:nvSpPr>
+            <p:cNvPr id="13" name="Freeform 7">
+              <a:extLst>
+                <a:ext uri="{FF2B5EF4-FFF2-40B4-BE49-F238E27FC236}">
+                  <a16:creationId xmlns:a16="http://schemas.microsoft.com/office/drawing/2014/main" id="{45EF6EDB-9B5D-49E9-96FA-1AE08BF95E57}"/>
+                </a:ext>
+                <a:ext uri="{C183D7F6-B498-43B3-948B-1728B52AA6E4}">
+                  <adec:decorative xmlns:adec="http://schemas.microsoft.com/office/drawing/2017/decorative" val="1"/>
+                </a:ext>
+              </a:extLst>
+            </p:cNvPr>
+            <p:cNvSpPr/>
+            <p:nvPr>
+              <p:extLst>
+                <p:ext uri="{386F3935-93C4-4BCD-93E2-E3B085C9AB24}">
+                  <p16:designElem xmlns:p16="http://schemas.microsoft.com/office/powerpoint/2015/main" val="1"/>
+                </p:ext>
+              </p:extLst>
+            </p:nvPr>
+          </p:nvSpPr>
+          <p:spPr bwMode="auto">
+            <a:xfrm>
+              <a:off x="2928938" y="-4763"/>
+              <a:ext cx="1035050" cy="2673350"/>
+            </a:xfrm>
+            <a:custGeom>
+              <a:avLst/>
+              <a:gdLst/>
+              <a:ahLst/>
+              <a:cxnLst/>
+              <a:rect l="0" t="0" r="r" b="b"/>
+              <a:pathLst>
+                <a:path w="652" h="1684">
+                  <a:moveTo>
+                    <a:pt x="225" y="1684"/>
+                  </a:moveTo>
+                  <a:lnTo>
+                    <a:pt x="652" y="0"/>
+                  </a:lnTo>
+                  <a:lnTo>
+                    <a:pt x="411" y="0"/>
+                  </a:lnTo>
+                  <a:lnTo>
+                    <a:pt x="0" y="1627"/>
+                  </a:lnTo>
+                  <a:lnTo>
+                    <a:pt x="219" y="1681"/>
+                  </a:lnTo>
+                  <a:lnTo>
+                    <a:pt x="225" y="1684"/>
+                  </a:lnTo>
+                  <a:close/>
+                </a:path>
+              </a:pathLst>
+            </a:custGeom>
+            <a:solidFill>
+              <a:srgbClr val="595959"/>
+            </a:solidFill>
+            <a:ln>
+              <a:noFill/>
+            </a:ln>
+          </p:spPr>
+        </p:sp>
+        <p:sp>
+          <p:nvSpPr>
+            <p:cNvPr id="14" name="Freeform 12">
+              <a:extLst>
+                <a:ext uri="{FF2B5EF4-FFF2-40B4-BE49-F238E27FC236}">
+                  <a16:creationId xmlns:a16="http://schemas.microsoft.com/office/drawing/2014/main" id="{38338226-D6E2-4EEE-B271-DB4BD096DBA1}"/>
+                </a:ext>
+                <a:ext uri="{C183D7F6-B498-43B3-948B-1728B52AA6E4}">
+                  <adec:decorative xmlns:adec="http://schemas.microsoft.com/office/drawing/2017/decorative" val="1"/>
+                </a:ext>
+              </a:extLst>
+            </p:cNvPr>
+            <p:cNvSpPr/>
+            <p:nvPr>
+              <p:extLst>
+                <p:ext uri="{386F3935-93C4-4BCD-93E2-E3B085C9AB24}">
+                  <p16:designElem xmlns:p16="http://schemas.microsoft.com/office/powerpoint/2015/main" val="1"/>
+                </p:ext>
+              </p:extLst>
+            </p:nvPr>
+          </p:nvSpPr>
+          <p:spPr bwMode="auto">
+            <a:xfrm>
+              <a:off x="2928938" y="2582862"/>
+              <a:ext cx="2693987" cy="4275138"/>
+            </a:xfrm>
+            <a:custGeom>
+              <a:avLst/>
+              <a:gdLst/>
+              <a:ahLst/>
+              <a:cxnLst/>
+              <a:rect l="0" t="0" r="r" b="b"/>
+              <a:pathLst>
+                <a:path w="1697" h="2693">
+                  <a:moveTo>
+                    <a:pt x="0" y="0"/>
+                  </a:moveTo>
+                  <a:lnTo>
+                    <a:pt x="1622" y="2693"/>
+                  </a:lnTo>
+                  <a:lnTo>
+                    <a:pt x="1697" y="2693"/>
+                  </a:lnTo>
+                  <a:lnTo>
+                    <a:pt x="0" y="0"/>
+                  </a:lnTo>
+                  <a:close/>
+                </a:path>
+              </a:pathLst>
+            </a:custGeom>
+            <a:solidFill>
+              <a:srgbClr val="262626"/>
+            </a:solidFill>
+            <a:ln>
+              <a:noFill/>
+            </a:ln>
+          </p:spPr>
+        </p:sp>
+        <p:sp>
+          <p:nvSpPr>
+            <p:cNvPr id="15" name="Freeform 13">
+              <a:extLst>
+                <a:ext uri="{FF2B5EF4-FFF2-40B4-BE49-F238E27FC236}">
+                  <a16:creationId xmlns:a16="http://schemas.microsoft.com/office/drawing/2014/main" id="{4878FB48-17B3-4A11-8025-DE0945CD4E71}"/>
+                </a:ext>
+                <a:ext uri="{C183D7F6-B498-43B3-948B-1728B52AA6E4}">
+                  <adec:decorative xmlns:adec="http://schemas.microsoft.com/office/drawing/2017/decorative" val="1"/>
+                </a:ext>
+              </a:extLst>
+            </p:cNvPr>
+            <p:cNvSpPr/>
+            <p:nvPr>
+              <p:extLst>
+                <p:ext uri="{386F3935-93C4-4BCD-93E2-E3B085C9AB24}">
+                  <p16:designElem xmlns:p16="http://schemas.microsoft.com/office/powerpoint/2015/main" val="1"/>
+                </p:ext>
+              </p:extLst>
+            </p:nvPr>
+          </p:nvSpPr>
+          <p:spPr bwMode="auto">
+            <a:xfrm>
+              <a:off x="3371850" y="2692400"/>
+              <a:ext cx="3332162" cy="4165600"/>
+            </a:xfrm>
+            <a:custGeom>
+              <a:avLst/>
+              <a:gdLst/>
+              <a:ahLst/>
+              <a:cxnLst/>
+              <a:rect l="0" t="0" r="r" b="b"/>
+              <a:pathLst>
+                <a:path w="2099" h="2624">
+                  <a:moveTo>
+                    <a:pt x="2099" y="2624"/>
+                  </a:moveTo>
+                  <a:lnTo>
+                    <a:pt x="0" y="0"/>
+                  </a:lnTo>
+                  <a:lnTo>
+                    <a:pt x="2021" y="2624"/>
+                  </a:lnTo>
+                  <a:lnTo>
+                    <a:pt x="2099" y="2624"/>
+                  </a:lnTo>
+                  <a:close/>
+                </a:path>
+              </a:pathLst>
+            </a:custGeom>
+            <a:solidFill>
+              <a:schemeClr val="accent1">
+                <a:lumMod val="50000"/>
+              </a:schemeClr>
+            </a:solidFill>
+            <a:ln>
+              <a:noFill/>
+            </a:ln>
+          </p:spPr>
+        </p:sp>
+        <p:sp>
+          <p:nvSpPr>
+            <p:cNvPr id="16" name="Freeform 14">
+              <a:extLst>
+                <a:ext uri="{FF2B5EF4-FFF2-40B4-BE49-F238E27FC236}">
+                  <a16:creationId xmlns:a16="http://schemas.microsoft.com/office/drawing/2014/main" id="{4150A21C-DD6D-4D3C-9E95-7A3CA263BEB9}"/>
+                </a:ext>
+                <a:ext uri="{C183D7F6-B498-43B3-948B-1728B52AA6E4}">
+                  <adec:decorative xmlns:adec="http://schemas.microsoft.com/office/drawing/2017/decorative" val="1"/>
+                </a:ext>
+              </a:extLst>
+            </p:cNvPr>
+            <p:cNvSpPr/>
+            <p:nvPr>
+              <p:extLst>
+                <p:ext uri="{386F3935-93C4-4BCD-93E2-E3B085C9AB24}">
+                  <p16:designElem xmlns:p16="http://schemas.microsoft.com/office/powerpoint/2015/main" val="1"/>
+                </p:ext>
+              </p:extLst>
+            </p:nvPr>
+          </p:nvSpPr>
+          <p:spPr bwMode="auto">
+            <a:xfrm>
+              <a:off x="3367088" y="2687637"/>
+              <a:ext cx="4576762" cy="4170363"/>
+            </a:xfrm>
+            <a:custGeom>
+              <a:avLst/>
+              <a:gdLst/>
+              <a:ahLst/>
+              <a:cxnLst/>
+              <a:rect l="0" t="0" r="r" b="b"/>
+              <a:pathLst>
+                <a:path w="2883" h="2627">
+                  <a:moveTo>
+                    <a:pt x="0" y="0"/>
+                  </a:moveTo>
+                  <a:lnTo>
+                    <a:pt x="3" y="3"/>
+                  </a:lnTo>
+                  <a:lnTo>
+                    <a:pt x="2102" y="2627"/>
+                  </a:lnTo>
+                  <a:lnTo>
+                    <a:pt x="2883" y="2627"/>
+                  </a:lnTo>
+                  <a:lnTo>
+                    <a:pt x="225" y="57"/>
+                  </a:lnTo>
+                  <a:lnTo>
+                    <a:pt x="0" y="0"/>
+                  </a:lnTo>
+                  <a:close/>
+                </a:path>
+              </a:pathLst>
+            </a:custGeom>
+            <a:solidFill>
+              <a:schemeClr val="accent1">
+                <a:lumMod val="75000"/>
+              </a:schemeClr>
+            </a:solidFill>
+            <a:ln>
+              <a:noFill/>
+            </a:ln>
+          </p:spPr>
+        </p:sp>
+        <p:sp>
+          <p:nvSpPr>
+            <p:cNvPr id="17" name="Freeform 15">
+              <a:extLst>
+                <a:ext uri="{FF2B5EF4-FFF2-40B4-BE49-F238E27FC236}">
+                  <a16:creationId xmlns:a16="http://schemas.microsoft.com/office/drawing/2014/main" id="{7505BF04-104D-4180-A284-42FCD6B04DD6}"/>
+                </a:ext>
+                <a:ext uri="{C183D7F6-B498-43B3-948B-1728B52AA6E4}">
+                  <adec:decorative xmlns:adec="http://schemas.microsoft.com/office/drawing/2017/decorative" val="1"/>
+                </a:ext>
+              </a:extLst>
+            </p:cNvPr>
+            <p:cNvSpPr/>
+            <p:nvPr>
+              <p:extLst>
+                <p:ext uri="{386F3935-93C4-4BCD-93E2-E3B085C9AB24}">
+                  <p16:designElem xmlns:p16="http://schemas.microsoft.com/office/powerpoint/2015/main" val="1"/>
+                </p:ext>
+              </p:extLst>
+            </p:nvPr>
+          </p:nvSpPr>
+          <p:spPr bwMode="auto">
+            <a:xfrm>
+              <a:off x="2928938" y="2578100"/>
+              <a:ext cx="3584575" cy="4279900"/>
+            </a:xfrm>
+            <a:custGeom>
+              <a:avLst/>
+              <a:gdLst/>
+              <a:ahLst/>
+              <a:cxnLst/>
+              <a:rect l="0" t="0" r="r" b="b"/>
+              <a:pathLst>
+                <a:path w="2258" h="2696">
+                  <a:moveTo>
+                    <a:pt x="2258" y="2696"/>
+                  </a:moveTo>
+                  <a:lnTo>
+                    <a:pt x="264" y="111"/>
+                  </a:lnTo>
+                  <a:lnTo>
+                    <a:pt x="228" y="60"/>
+                  </a:lnTo>
+                  <a:lnTo>
+                    <a:pt x="225" y="57"/>
+                  </a:lnTo>
+                  <a:lnTo>
+                    <a:pt x="0" y="0"/>
+                  </a:lnTo>
+                  <a:lnTo>
+                    <a:pt x="0" y="3"/>
+                  </a:lnTo>
+                  <a:lnTo>
+                    <a:pt x="1697" y="2696"/>
+                  </a:lnTo>
+                  <a:lnTo>
+                    <a:pt x="2258" y="2696"/>
+                  </a:lnTo>
+                  <a:close/>
+                </a:path>
+              </a:pathLst>
+            </a:custGeom>
+            <a:solidFill>
+              <a:srgbClr val="404040"/>
+            </a:solidFill>
+            <a:ln>
+              <a:noFill/>
+            </a:ln>
+          </p:spPr>
+        </p:sp>
+      </p:grpSp>
       <p:sp>
         <p:nvSpPr>
           <p:cNvPr id="2" name="Title 1">
             <a:extLst>
               <a:ext uri="{FF2B5EF4-FFF2-40B4-BE49-F238E27FC236}">
-                <a16:creationId xmlns:a16="http://schemas.microsoft.com/office/drawing/2014/main" id="{606624FE-6298-4185-AEB1-6D37EEFB3453}"/>
+                <a16:creationId xmlns:a16="http://schemas.microsoft.com/office/drawing/2014/main" id="{86063046-0AC8-4601-99BA-7B530994A14F}"/>
               </a:ext>
             </a:extLst>
           </p:cNvPr>
@@ -6720,13 +7693,13 @@
             <a:spLocks noGrp="1"/>
           </p:cNvSpPr>
           <p:nvPr>
-            <p:ph type="title"/>
+            <p:ph type="ctrTitle"/>
           </p:nvPr>
         </p:nvSpPr>
         <p:spPr>
           <a:xfrm>
-            <a:off x="1484311" y="685800"/>
-            <a:ext cx="10018713" cy="1237211"/>
+            <a:off x="924553" y="1726706"/>
+            <a:ext cx="8174971" cy="1778625"/>
           </a:xfrm>
         </p:spPr>
         <p:txBody>
@@ -6735,19 +7708,20 @@
           </a:bodyPr>
           <a:lstStyle/>
           <a:p>
-            <a:r>
-              <a:rPr lang="en-US" sz="7200" dirty="0"/>
-              <a:t>Interest Area</a:t>
+            <a:pPr algn="l"/>
+            <a:r>
+              <a:rPr lang="en-US" sz="6200" dirty="0"/>
+              <a:t>Thank you</a:t>
             </a:r>
           </a:p>
         </p:txBody>
       </p:sp>
       <p:sp>
         <p:nvSpPr>
-          <p:cNvPr id="3" name="Content Placeholder 2">
+          <p:cNvPr id="3" name="Subtitle 2">
             <a:extLst>
               <a:ext uri="{FF2B5EF4-FFF2-40B4-BE49-F238E27FC236}">
-                <a16:creationId xmlns:a16="http://schemas.microsoft.com/office/drawing/2014/main" id="{BF9E8292-8C19-421B-AD55-5F8615C6163F}"/>
+                <a16:creationId xmlns:a16="http://schemas.microsoft.com/office/drawing/2014/main" id="{6D8E64F1-EFD3-4AB4-875F-0AFE190F3DDB}"/>
               </a:ext>
             </a:extLst>
           </p:cNvPr>
@@ -6755,13 +7729,13 @@
             <a:spLocks noGrp="1"/>
           </p:cNvSpPr>
           <p:nvPr>
-            <p:ph idx="1"/>
+            <p:ph type="subTitle" idx="1"/>
           </p:nvPr>
         </p:nvSpPr>
         <p:spPr>
           <a:xfrm>
-            <a:off x="1484310" y="1995055"/>
-            <a:ext cx="10018713" cy="3796145"/>
+            <a:off x="1018189" y="3535998"/>
+            <a:ext cx="7178070" cy="863348"/>
           </a:xfrm>
         </p:spPr>
         <p:txBody>
@@ -6770,47 +7744,15 @@
           </a:bodyPr>
           <a:lstStyle/>
           <a:p>
-            <a:r>
-              <a:rPr lang="en-US" sz="2800" dirty="0"/>
-              <a:t>Machine Learning</a:t>
-            </a:r>
-          </a:p>
-          <a:p>
-            <a:r>
-              <a:rPr lang="en-US" sz="2800" dirty="0"/>
-              <a:t>Artificial Intelligence</a:t>
-            </a:r>
-          </a:p>
-          <a:p>
-            <a:r>
-              <a:rPr lang="en-US" sz="2800" dirty="0"/>
-              <a:t>Computer Graphics</a:t>
-            </a:r>
-          </a:p>
-          <a:p>
-            <a:r>
-              <a:rPr lang="en-US" sz="2800" dirty="0"/>
-              <a:t>Scientific Computation</a:t>
-            </a:r>
-          </a:p>
-          <a:p>
-            <a:pPr marL="0" indent="0">
-              <a:buNone/>
-            </a:pPr>
-            <a:endParaRPr lang="en-US" sz="2800" dirty="0"/>
-          </a:p>
-          <a:p>
-            <a:pPr marL="0" indent="0">
-              <a:buNone/>
-            </a:pPr>
-            <a:r>
-              <a:rPr lang="en-US" sz="2800" b="1" dirty="0"/>
-              <a:t>Courses: </a:t>
-            </a:r>
-            <a:r>
-              <a:rPr lang="en-US" sz="2800" dirty="0"/>
-              <a:t>Machine Learning, Computer Graphics, Image Processing</a:t>
-            </a:r>
+            <a:pPr algn="l"/>
+            <a:r>
+              <a:rPr lang="en-US" dirty="0"/>
+              <a:t>Yijie Guo</a:t>
+            </a:r>
+          </a:p>
+          <a:p>
+            <a:pPr algn="l"/>
+            <a:endParaRPr lang="en-US" dirty="0"/>
           </a:p>
         </p:txBody>
       </p:sp>
@@ -6819,7 +7761,7 @@
           <p:cNvPr id="4" name="Footer Placeholder 3">
             <a:extLst>
               <a:ext uri="{FF2B5EF4-FFF2-40B4-BE49-F238E27FC236}">
-                <a16:creationId xmlns:a16="http://schemas.microsoft.com/office/drawing/2014/main" id="{B34F72D6-7C25-49D8-AE59-539BC0BC2836}"/>
+                <a16:creationId xmlns:a16="http://schemas.microsoft.com/office/drawing/2014/main" id="{7F582B72-41D3-4DDD-9EA6-F0D7BB763D7C}"/>
               </a:ext>
             </a:extLst>
           </p:cNvPr>
@@ -6830,40 +7772,59 @@
             <p:ph type="ftr" sz="quarter" idx="11"/>
           </p:nvPr>
         </p:nvSpPr>
-        <p:spPr/>
-        <p:txBody>
-          <a:bodyPr/>
+        <p:spPr>
+          <a:xfrm>
+            <a:off x="1018190" y="5883275"/>
+            <a:ext cx="5775900" cy="365125"/>
+          </a:xfrm>
+        </p:spPr>
+        <p:txBody>
+          <a:bodyPr>
+            <a:normAutofit/>
+          </a:bodyPr>
           <a:lstStyle/>
           <a:p>
-            <a:pPr algn="r"/>
-            <a:r>
-              <a:rPr lang="es-ES" sz="2000" dirty="0" err="1"/>
+            <a:pPr>
+              <a:spcAft>
+                <a:spcPts val="600"/>
+              </a:spcAft>
+            </a:pPr>
+            <a:r>
+              <a:rPr lang="es-ES" err="1"/>
               <a:t>EJay</a:t>
             </a:r>
             <a:r>
-              <a:rPr lang="es-ES" sz="2000" dirty="0"/>
+              <a:rPr lang="es-ES"/>
               <a:t> Guo          ejay.guo@gmail.com</a:t>
             </a:r>
-            <a:endParaRPr lang="en-US" sz="2000" dirty="0"/>
+            <a:endParaRPr lang="en-US"/>
           </a:p>
         </p:txBody>
       </p:sp>
     </p:spTree>
     <p:extLst>
       <p:ext uri="{BB962C8B-B14F-4D97-AF65-F5344CB8AC3E}">
-        <p14:creationId xmlns:p14="http://schemas.microsoft.com/office/powerpoint/2010/main" val="761157155"/>
+        <p14:creationId xmlns:p14="http://schemas.microsoft.com/office/powerpoint/2010/main" val="2740818297"/>
       </p:ext>
     </p:extLst>
   </p:cSld>
   <p:clrMapOvr>
-    <a:masterClrMapping/>
+    <a:overrideClrMapping bg1="dk1" tx1="lt1" bg2="dk2" tx2="lt2" accent1="accent1" accent2="accent2" accent3="accent3" accent4="accent4" accent5="accent5" accent6="accent6" hlink="hlink" folHlink="folHlink"/>
   </p:clrMapOvr>
 </p:sld>
 </file>
 
-<file path=ppt/slides/slide3.xml><?xml version="1.0" encoding="utf-8"?>
+<file path=ppt/slides/slide2.xml><?xml version="1.0" encoding="utf-8"?>
 <p:sld xmlns:a="http://schemas.openxmlformats.org/drawingml/2006/main" xmlns:r="http://schemas.openxmlformats.org/officeDocument/2006/relationships" xmlns:p="http://schemas.openxmlformats.org/presentationml/2006/main">
   <p:cSld>
+    <p:bg>
+      <p:bgPr>
+        <a:solidFill>
+          <a:schemeClr val="bg2"/>
+        </a:solidFill>
+        <a:effectLst/>
+      </p:bgPr>
+    </p:bg>
     <p:spTree>
       <p:nvGrpSpPr>
         <p:cNvPr id="1" name=""/>
@@ -6878,6 +7839,66 @@
           <a:chExt cx="0" cy="0"/>
         </a:xfrm>
       </p:grpSpPr>
+      <p:sp useBgFill="1">
+        <p:nvSpPr>
+          <p:cNvPr id="9" name="Rectangle 8">
+            <a:extLst>
+              <a:ext uri="{FF2B5EF4-FFF2-40B4-BE49-F238E27FC236}">
+                <a16:creationId xmlns:a16="http://schemas.microsoft.com/office/drawing/2014/main" id="{99CAC3B1-4879-424D-8F15-206277196159}"/>
+              </a:ext>
+              <a:ext uri="{C183D7F6-B498-43B3-948B-1728B52AA6E4}">
+                <adec:decorative xmlns:adec="http://schemas.microsoft.com/office/drawing/2017/decorative" val="1"/>
+              </a:ext>
+            </a:extLst>
+          </p:cNvPr>
+          <p:cNvSpPr>
+            <a:spLocks noGrp="1" noRot="1" noChangeAspect="1" noMove="1" noResize="1" noEditPoints="1" noAdjustHandles="1" noChangeArrowheads="1" noChangeShapeType="1" noTextEdit="1"/>
+          </p:cNvSpPr>
+          <p:nvPr>
+            <p:extLst>
+              <p:ext uri="{386F3935-93C4-4BCD-93E2-E3B085C9AB24}">
+                <p16:designElem xmlns:p16="http://schemas.microsoft.com/office/powerpoint/2015/main" val="1"/>
+              </p:ext>
+            </p:extLst>
+          </p:nvPr>
+        </p:nvSpPr>
+        <p:spPr>
+          <a:xfrm>
+            <a:off x="0" y="0"/>
+            <a:ext cx="12192000" cy="6858000"/>
+          </a:xfrm>
+          <a:prstGeom prst="rect">
+            <a:avLst/>
+          </a:prstGeom>
+          <a:ln>
+            <a:noFill/>
+          </a:ln>
+        </p:spPr>
+        <p:style>
+          <a:lnRef idx="2">
+            <a:schemeClr val="accent1">
+              <a:shade val="50000"/>
+            </a:schemeClr>
+          </a:lnRef>
+          <a:fillRef idx="1">
+            <a:schemeClr val="accent1"/>
+          </a:fillRef>
+          <a:effectRef idx="0">
+            <a:schemeClr val="accent1"/>
+          </a:effectRef>
+          <a:fontRef idx="minor">
+            <a:schemeClr val="lt1"/>
+          </a:fontRef>
+        </p:style>
+        <p:txBody>
+          <a:bodyPr rtlCol="0" anchor="ctr"/>
+          <a:lstStyle/>
+          <a:p>
+            <a:pPr algn="ctr"/>
+            <a:endParaRPr lang="en-US"/>
+          </a:p>
+        </p:txBody>
+      </p:sp>
       <p:sp>
         <p:nvSpPr>
           <p:cNvPr id="2" name="Title 1">
@@ -6896,8 +7917,8 @@
         </p:nvSpPr>
         <p:spPr>
           <a:xfrm>
-            <a:off x="1484311" y="685800"/>
-            <a:ext cx="10018713" cy="1237211"/>
+            <a:off x="1018191" y="685800"/>
+            <a:ext cx="7411825" cy="1752599"/>
           </a:xfrm>
         </p:spPr>
         <p:txBody>
@@ -6906,9 +7927,10 @@
           </a:bodyPr>
           <a:lstStyle/>
           <a:p>
-            <a:r>
-              <a:rPr lang="en-US" sz="7200" dirty="0"/>
-              <a:t>Skills and Strength</a:t>
+            <a:pPr algn="l"/>
+            <a:r>
+              <a:rPr lang="en-US"/>
+              <a:t>Interest Area</a:t>
             </a:r>
           </a:p>
         </p:txBody>
@@ -6931,95 +7953,63 @@
         </p:nvSpPr>
         <p:spPr>
           <a:xfrm>
-            <a:off x="1484310" y="1995055"/>
-            <a:ext cx="10018713" cy="3796145"/>
+            <a:off x="1018190" y="1960419"/>
+            <a:ext cx="7243603" cy="3425774"/>
           </a:xfrm>
         </p:spPr>
         <p:txBody>
-          <a:bodyPr>
-            <a:normAutofit fontScale="92500" lnSpcReduction="10000"/>
+          <a:bodyPr anchor="t">
+            <a:normAutofit/>
           </a:bodyPr>
           <a:lstStyle/>
           <a:p>
             <a:r>
-              <a:rPr lang="en-US" sz="2800" b="1" dirty="0"/>
-              <a:t>Skills</a:t>
+              <a:rPr lang="en-US" sz="2000" dirty="0"/>
+              <a:t>Machine Learning</a:t>
+            </a:r>
+          </a:p>
+          <a:p>
+            <a:r>
+              <a:rPr lang="en-US" sz="2000" dirty="0"/>
+              <a:t>Artificial Intelligence</a:t>
+            </a:r>
+          </a:p>
+          <a:p>
+            <a:r>
+              <a:rPr lang="en-US" sz="2000" dirty="0"/>
+              <a:t>Computer Graphics</a:t>
+            </a:r>
+          </a:p>
+          <a:p>
+            <a:r>
+              <a:rPr lang="en-US" sz="2000" dirty="0"/>
+              <a:t>Scientific Computation</a:t>
             </a:r>
           </a:p>
           <a:p>
             <a:pPr marL="0" indent="0">
               <a:buNone/>
             </a:pPr>
-            <a:r>
-              <a:rPr lang="en-US" sz="2800" dirty="0"/>
-              <a:t>	[1] Programming Language: C++, </a:t>
-            </a:r>
-            <a:r>
-              <a:rPr lang="en-US" sz="2800" dirty="0" err="1"/>
-              <a:t>Matlab</a:t>
-            </a:r>
-            <a:r>
-              <a:rPr lang="en-US" sz="2800" dirty="0"/>
-              <a:t>, Python, </a:t>
-            </a:r>
-            <a:r>
-              <a:rPr lang="en-US" sz="2800" dirty="0" err="1"/>
-              <a:t>etc</a:t>
-            </a:r>
-            <a:endParaRPr lang="en-US" sz="2800" dirty="0"/>
+            <a:endParaRPr lang="en-US" sz="2000" dirty="0"/>
           </a:p>
           <a:p>
             <a:pPr marL="0" indent="0">
               <a:buNone/>
             </a:pPr>
             <a:r>
-              <a:rPr lang="en-US" sz="2800" dirty="0"/>
-              <a:t>	[2] Tools: VS, XCode, Cocos2d-x, Unreal, Unity</a:t>
-            </a:r>
-          </a:p>
-          <a:p>
-            <a:r>
-              <a:rPr lang="en-US" sz="2800" b="1" dirty="0"/>
-              <a:t>Strength</a:t>
-            </a:r>
-          </a:p>
-          <a:p>
-            <a:pPr marL="0" indent="0">
-              <a:buNone/>
-            </a:pPr>
-            <a:r>
-              <a:rPr lang="en-US" sz="2800" b="1" dirty="0"/>
-              <a:t>	</a:t>
-            </a:r>
-            <a:r>
-              <a:rPr lang="en-US" sz="2800" dirty="0"/>
-              <a:t>[1] Quick Learner, Strong Responsibility</a:t>
-            </a:r>
-          </a:p>
-          <a:p>
-            <a:pPr marL="0" indent="0">
-              <a:buNone/>
-            </a:pPr>
-            <a:r>
-              <a:rPr lang="en-US" sz="2800" dirty="0"/>
-              <a:t>	[2] Professional Coding, Fast Prototyping, Excellent Debugging Skills </a:t>
-            </a:r>
-          </a:p>
-          <a:p>
-            <a:pPr marL="0" indent="0">
-              <a:buNone/>
-            </a:pPr>
-            <a:r>
-              <a:rPr lang="en-US" sz="2800" dirty="0"/>
-              <a:t>	[3] Outstanding </a:t>
-            </a:r>
-            <a:r>
-              <a:rPr lang="en-US" sz="2800" dirty="0">
-                <a:solidFill>
-                  <a:srgbClr val="FF0000"/>
-                </a:solidFill>
-              </a:rPr>
-              <a:t>Communications !!!</a:t>
+              <a:rPr lang="en-US" sz="2000" b="1" dirty="0"/>
+              <a:t>Courses: </a:t>
+            </a:r>
+            <a:r>
+              <a:rPr lang="en-US" sz="2000" dirty="0"/>
+              <a:t>Machine Learning, Data Mining </a:t>
+            </a:r>
+            <a:br>
+              <a:rPr lang="en-US" sz="2000" dirty="0"/>
+            </a:br>
+            <a:r>
+              <a:rPr lang="en-US" sz="2000" dirty="0"/>
+              <a:t>                    Computer Graphics, Image Processing</a:t>
             </a:r>
           </a:p>
         </p:txBody>
@@ -7029,7 +8019,7 @@
           <p:cNvPr id="4" name="Footer Placeholder 3">
             <a:extLst>
               <a:ext uri="{FF2B5EF4-FFF2-40B4-BE49-F238E27FC236}">
-                <a16:creationId xmlns:a16="http://schemas.microsoft.com/office/drawing/2014/main" id="{95412F77-C902-44FD-B747-83C0C35CE69E}"/>
+                <a16:creationId xmlns:a16="http://schemas.microsoft.com/office/drawing/2014/main" id="{B34F72D6-7C25-49D8-AE59-539BC0BC2836}"/>
               </a:ext>
             </a:extLst>
           </p:cNvPr>
@@ -7040,40 +8030,470 @@
             <p:ph type="ftr" sz="quarter" idx="11"/>
           </p:nvPr>
         </p:nvSpPr>
-        <p:spPr/>
-        <p:txBody>
-          <a:bodyPr/>
+        <p:spPr>
+          <a:xfrm>
+            <a:off x="1018190" y="5883275"/>
+            <a:ext cx="5775900" cy="365125"/>
+          </a:xfrm>
+        </p:spPr>
+        <p:txBody>
+          <a:bodyPr>
+            <a:normAutofit/>
+          </a:bodyPr>
           <a:lstStyle/>
           <a:p>
-            <a:pPr algn="r"/>
-            <a:r>
-              <a:rPr lang="es-ES" sz="2000" dirty="0" err="1"/>
+            <a:pPr>
+              <a:spcAft>
+                <a:spcPts val="600"/>
+              </a:spcAft>
+            </a:pPr>
+            <a:r>
+              <a:rPr lang="es-ES" err="1"/>
               <a:t>EJay</a:t>
             </a:r>
             <a:r>
-              <a:rPr lang="es-ES" sz="2000" dirty="0"/>
+              <a:rPr lang="es-ES"/>
               <a:t> Guo          ejay.guo@gmail.com</a:t>
             </a:r>
-            <a:endParaRPr lang="en-US" sz="2000" dirty="0"/>
-          </a:p>
-        </p:txBody>
-      </p:sp>
+            <a:endParaRPr lang="en-US"/>
+          </a:p>
+        </p:txBody>
+      </p:sp>
+      <p:grpSp>
+        <p:nvGrpSpPr>
+          <p:cNvPr id="11" name="Group 10">
+            <a:extLst>
+              <a:ext uri="{FF2B5EF4-FFF2-40B4-BE49-F238E27FC236}">
+                <a16:creationId xmlns:a16="http://schemas.microsoft.com/office/drawing/2014/main" id="{4B8492CB-DFBA-4A82-9778-F21493DA36C1}"/>
+              </a:ext>
+              <a:ext uri="{C183D7F6-B498-43B3-948B-1728B52AA6E4}">
+                <adec:decorative xmlns:adec="http://schemas.microsoft.com/office/drawing/2017/decorative" val="1"/>
+              </a:ext>
+            </a:extLst>
+          </p:cNvPr>
+          <p:cNvGrpSpPr>
+            <a:grpSpLocks noGrp="1" noUngrp="1" noRot="1" noChangeAspect="1" noMove="1" noResize="1"/>
+          </p:cNvGrpSpPr>
+          <p:nvPr>
+            <p:extLst>
+              <p:ext uri="{386F3935-93C4-4BCD-93E2-E3B085C9AB24}">
+                <p16:designElem xmlns:p16="http://schemas.microsoft.com/office/powerpoint/2015/main" val="1"/>
+              </p:ext>
+            </p:extLst>
+          </p:nvPr>
+        </p:nvGrpSpPr>
+        <p:grpSpPr>
+          <a:xfrm flipH="1">
+            <a:off x="6526211" y="0"/>
+            <a:ext cx="5014912" cy="6862763"/>
+            <a:chOff x="2928938" y="-4763"/>
+            <a:chExt cx="5014912" cy="6862763"/>
+          </a:xfrm>
+        </p:grpSpPr>
+        <p:sp>
+          <p:nvSpPr>
+            <p:cNvPr id="12" name="Freeform 6">
+              <a:extLst>
+                <a:ext uri="{FF2B5EF4-FFF2-40B4-BE49-F238E27FC236}">
+                  <a16:creationId xmlns:a16="http://schemas.microsoft.com/office/drawing/2014/main" id="{E34CC1C8-EBDD-4AEA-83E6-B27575B62E2E}"/>
+                </a:ext>
+                <a:ext uri="{C183D7F6-B498-43B3-948B-1728B52AA6E4}">
+                  <adec:decorative xmlns:adec="http://schemas.microsoft.com/office/drawing/2017/decorative" val="1"/>
+                </a:ext>
+              </a:extLst>
+            </p:cNvPr>
+            <p:cNvSpPr/>
+            <p:nvPr>
+              <p:extLst>
+                <p:ext uri="{386F3935-93C4-4BCD-93E2-E3B085C9AB24}">
+                  <p16:designElem xmlns:p16="http://schemas.microsoft.com/office/powerpoint/2015/main" val="1"/>
+                </p:ext>
+              </p:extLst>
+            </p:nvPr>
+          </p:nvSpPr>
+          <p:spPr bwMode="auto">
+            <a:xfrm>
+              <a:off x="3367088" y="-4763"/>
+              <a:ext cx="1063625" cy="2782888"/>
+            </a:xfrm>
+            <a:custGeom>
+              <a:avLst/>
+              <a:gdLst/>
+              <a:ahLst/>
+              <a:cxnLst/>
+              <a:rect l="0" t="0" r="r" b="b"/>
+              <a:pathLst>
+                <a:path w="670" h="1753">
+                  <a:moveTo>
+                    <a:pt x="0" y="1696"/>
+                  </a:moveTo>
+                  <a:lnTo>
+                    <a:pt x="225" y="1753"/>
+                  </a:lnTo>
+                  <a:lnTo>
+                    <a:pt x="670" y="0"/>
+                  </a:lnTo>
+                  <a:lnTo>
+                    <a:pt x="430" y="0"/>
+                  </a:lnTo>
+                  <a:lnTo>
+                    <a:pt x="0" y="1696"/>
+                  </a:lnTo>
+                  <a:close/>
+                </a:path>
+              </a:pathLst>
+            </a:custGeom>
+            <a:solidFill>
+              <a:schemeClr val="accent1"/>
+            </a:solidFill>
+            <a:ln>
+              <a:noFill/>
+            </a:ln>
+          </p:spPr>
+        </p:sp>
+        <p:sp>
+          <p:nvSpPr>
+            <p:cNvPr id="13" name="Freeform 7">
+              <a:extLst>
+                <a:ext uri="{FF2B5EF4-FFF2-40B4-BE49-F238E27FC236}">
+                  <a16:creationId xmlns:a16="http://schemas.microsoft.com/office/drawing/2014/main" id="{D6B38644-B85D-4211-9526-5B4C2A662BF7}"/>
+                </a:ext>
+                <a:ext uri="{C183D7F6-B498-43B3-948B-1728B52AA6E4}">
+                  <adec:decorative xmlns:adec="http://schemas.microsoft.com/office/drawing/2017/decorative" val="1"/>
+                </a:ext>
+              </a:extLst>
+            </p:cNvPr>
+            <p:cNvSpPr/>
+            <p:nvPr>
+              <p:extLst>
+                <p:ext uri="{386F3935-93C4-4BCD-93E2-E3B085C9AB24}">
+                  <p16:designElem xmlns:p16="http://schemas.microsoft.com/office/powerpoint/2015/main" val="1"/>
+                </p:ext>
+              </p:extLst>
+            </p:nvPr>
+          </p:nvSpPr>
+          <p:spPr bwMode="auto">
+            <a:xfrm>
+              <a:off x="2928938" y="-4763"/>
+              <a:ext cx="1035050" cy="2673350"/>
+            </a:xfrm>
+            <a:custGeom>
+              <a:avLst/>
+              <a:gdLst/>
+              <a:ahLst/>
+              <a:cxnLst/>
+              <a:rect l="0" t="0" r="r" b="b"/>
+              <a:pathLst>
+                <a:path w="652" h="1684">
+                  <a:moveTo>
+                    <a:pt x="225" y="1684"/>
+                  </a:moveTo>
+                  <a:lnTo>
+                    <a:pt x="652" y="0"/>
+                  </a:lnTo>
+                  <a:lnTo>
+                    <a:pt x="411" y="0"/>
+                  </a:lnTo>
+                  <a:lnTo>
+                    <a:pt x="0" y="1627"/>
+                  </a:lnTo>
+                  <a:lnTo>
+                    <a:pt x="219" y="1681"/>
+                  </a:lnTo>
+                  <a:lnTo>
+                    <a:pt x="225" y="1684"/>
+                  </a:lnTo>
+                  <a:close/>
+                </a:path>
+              </a:pathLst>
+            </a:custGeom>
+            <a:solidFill>
+              <a:srgbClr val="595959"/>
+            </a:solidFill>
+            <a:ln>
+              <a:noFill/>
+            </a:ln>
+          </p:spPr>
+        </p:sp>
+        <p:sp>
+          <p:nvSpPr>
+            <p:cNvPr id="14" name="Freeform 12">
+              <a:extLst>
+                <a:ext uri="{FF2B5EF4-FFF2-40B4-BE49-F238E27FC236}">
+                  <a16:creationId xmlns:a16="http://schemas.microsoft.com/office/drawing/2014/main" id="{8A8B2820-6B8F-4C19-BFC5-D28EE44E54CB}"/>
+                </a:ext>
+                <a:ext uri="{C183D7F6-B498-43B3-948B-1728B52AA6E4}">
+                  <adec:decorative xmlns:adec="http://schemas.microsoft.com/office/drawing/2017/decorative" val="1"/>
+                </a:ext>
+              </a:extLst>
+            </p:cNvPr>
+            <p:cNvSpPr/>
+            <p:nvPr>
+              <p:extLst>
+                <p:ext uri="{386F3935-93C4-4BCD-93E2-E3B085C9AB24}">
+                  <p16:designElem xmlns:p16="http://schemas.microsoft.com/office/powerpoint/2015/main" val="1"/>
+                </p:ext>
+              </p:extLst>
+            </p:nvPr>
+          </p:nvSpPr>
+          <p:spPr bwMode="auto">
+            <a:xfrm>
+              <a:off x="2928938" y="2582862"/>
+              <a:ext cx="2693987" cy="4275138"/>
+            </a:xfrm>
+            <a:custGeom>
+              <a:avLst/>
+              <a:gdLst/>
+              <a:ahLst/>
+              <a:cxnLst/>
+              <a:rect l="0" t="0" r="r" b="b"/>
+              <a:pathLst>
+                <a:path w="1697" h="2693">
+                  <a:moveTo>
+                    <a:pt x="0" y="0"/>
+                  </a:moveTo>
+                  <a:lnTo>
+                    <a:pt x="1622" y="2693"/>
+                  </a:lnTo>
+                  <a:lnTo>
+                    <a:pt x="1697" y="2693"/>
+                  </a:lnTo>
+                  <a:lnTo>
+                    <a:pt x="0" y="0"/>
+                  </a:lnTo>
+                  <a:close/>
+                </a:path>
+              </a:pathLst>
+            </a:custGeom>
+            <a:solidFill>
+              <a:srgbClr val="262626"/>
+            </a:solidFill>
+            <a:ln>
+              <a:noFill/>
+            </a:ln>
+          </p:spPr>
+        </p:sp>
+        <p:sp>
+          <p:nvSpPr>
+            <p:cNvPr id="15" name="Freeform 13">
+              <a:extLst>
+                <a:ext uri="{FF2B5EF4-FFF2-40B4-BE49-F238E27FC236}">
+                  <a16:creationId xmlns:a16="http://schemas.microsoft.com/office/drawing/2014/main" id="{773528ED-4D37-4A77-A8CA-86B6221C5E82}"/>
+                </a:ext>
+                <a:ext uri="{C183D7F6-B498-43B3-948B-1728B52AA6E4}">
+                  <adec:decorative xmlns:adec="http://schemas.microsoft.com/office/drawing/2017/decorative" val="1"/>
+                </a:ext>
+              </a:extLst>
+            </p:cNvPr>
+            <p:cNvSpPr/>
+            <p:nvPr>
+              <p:extLst>
+                <p:ext uri="{386F3935-93C4-4BCD-93E2-E3B085C9AB24}">
+                  <p16:designElem xmlns:p16="http://schemas.microsoft.com/office/powerpoint/2015/main" val="1"/>
+                </p:ext>
+              </p:extLst>
+            </p:nvPr>
+          </p:nvSpPr>
+          <p:spPr bwMode="auto">
+            <a:xfrm>
+              <a:off x="3371850" y="2692400"/>
+              <a:ext cx="3332162" cy="4165600"/>
+            </a:xfrm>
+            <a:custGeom>
+              <a:avLst/>
+              <a:gdLst/>
+              <a:ahLst/>
+              <a:cxnLst/>
+              <a:rect l="0" t="0" r="r" b="b"/>
+              <a:pathLst>
+                <a:path w="2099" h="2624">
+                  <a:moveTo>
+                    <a:pt x="2099" y="2624"/>
+                  </a:moveTo>
+                  <a:lnTo>
+                    <a:pt x="0" y="0"/>
+                  </a:lnTo>
+                  <a:lnTo>
+                    <a:pt x="2021" y="2624"/>
+                  </a:lnTo>
+                  <a:lnTo>
+                    <a:pt x="2099" y="2624"/>
+                  </a:lnTo>
+                  <a:close/>
+                </a:path>
+              </a:pathLst>
+            </a:custGeom>
+            <a:solidFill>
+              <a:schemeClr val="accent1">
+                <a:lumMod val="50000"/>
+              </a:schemeClr>
+            </a:solidFill>
+            <a:ln>
+              <a:noFill/>
+            </a:ln>
+          </p:spPr>
+        </p:sp>
+        <p:sp>
+          <p:nvSpPr>
+            <p:cNvPr id="16" name="Freeform 14">
+              <a:extLst>
+                <a:ext uri="{FF2B5EF4-FFF2-40B4-BE49-F238E27FC236}">
+                  <a16:creationId xmlns:a16="http://schemas.microsoft.com/office/drawing/2014/main" id="{8A58A902-E944-4399-9A93-A91A6A82B166}"/>
+                </a:ext>
+                <a:ext uri="{C183D7F6-B498-43B3-948B-1728B52AA6E4}">
+                  <adec:decorative xmlns:adec="http://schemas.microsoft.com/office/drawing/2017/decorative" val="1"/>
+                </a:ext>
+              </a:extLst>
+            </p:cNvPr>
+            <p:cNvSpPr/>
+            <p:nvPr>
+              <p:extLst>
+                <p:ext uri="{386F3935-93C4-4BCD-93E2-E3B085C9AB24}">
+                  <p16:designElem xmlns:p16="http://schemas.microsoft.com/office/powerpoint/2015/main" val="1"/>
+                </p:ext>
+              </p:extLst>
+            </p:nvPr>
+          </p:nvSpPr>
+          <p:spPr bwMode="auto">
+            <a:xfrm>
+              <a:off x="3367088" y="2687637"/>
+              <a:ext cx="4576762" cy="4170363"/>
+            </a:xfrm>
+            <a:custGeom>
+              <a:avLst/>
+              <a:gdLst/>
+              <a:ahLst/>
+              <a:cxnLst/>
+              <a:rect l="0" t="0" r="r" b="b"/>
+              <a:pathLst>
+                <a:path w="2883" h="2627">
+                  <a:moveTo>
+                    <a:pt x="0" y="0"/>
+                  </a:moveTo>
+                  <a:lnTo>
+                    <a:pt x="3" y="3"/>
+                  </a:lnTo>
+                  <a:lnTo>
+                    <a:pt x="2102" y="2627"/>
+                  </a:lnTo>
+                  <a:lnTo>
+                    <a:pt x="2883" y="2627"/>
+                  </a:lnTo>
+                  <a:lnTo>
+                    <a:pt x="225" y="57"/>
+                  </a:lnTo>
+                  <a:lnTo>
+                    <a:pt x="0" y="0"/>
+                  </a:lnTo>
+                  <a:close/>
+                </a:path>
+              </a:pathLst>
+            </a:custGeom>
+            <a:solidFill>
+              <a:schemeClr val="accent1">
+                <a:lumMod val="75000"/>
+              </a:schemeClr>
+            </a:solidFill>
+            <a:ln>
+              <a:noFill/>
+            </a:ln>
+          </p:spPr>
+        </p:sp>
+        <p:sp>
+          <p:nvSpPr>
+            <p:cNvPr id="17" name="Freeform 15">
+              <a:extLst>
+                <a:ext uri="{FF2B5EF4-FFF2-40B4-BE49-F238E27FC236}">
+                  <a16:creationId xmlns:a16="http://schemas.microsoft.com/office/drawing/2014/main" id="{4EDB1155-2E8E-4FB8-AD42-101FE4383231}"/>
+                </a:ext>
+                <a:ext uri="{C183D7F6-B498-43B3-948B-1728B52AA6E4}">
+                  <adec:decorative xmlns:adec="http://schemas.microsoft.com/office/drawing/2017/decorative" val="1"/>
+                </a:ext>
+              </a:extLst>
+            </p:cNvPr>
+            <p:cNvSpPr/>
+            <p:nvPr>
+              <p:extLst>
+                <p:ext uri="{386F3935-93C4-4BCD-93E2-E3B085C9AB24}">
+                  <p16:designElem xmlns:p16="http://schemas.microsoft.com/office/powerpoint/2015/main" val="1"/>
+                </p:ext>
+              </p:extLst>
+            </p:nvPr>
+          </p:nvSpPr>
+          <p:spPr bwMode="auto">
+            <a:xfrm>
+              <a:off x="2928938" y="2578100"/>
+              <a:ext cx="3584575" cy="4279900"/>
+            </a:xfrm>
+            <a:custGeom>
+              <a:avLst/>
+              <a:gdLst/>
+              <a:ahLst/>
+              <a:cxnLst/>
+              <a:rect l="0" t="0" r="r" b="b"/>
+              <a:pathLst>
+                <a:path w="2258" h="2696">
+                  <a:moveTo>
+                    <a:pt x="2258" y="2696"/>
+                  </a:moveTo>
+                  <a:lnTo>
+                    <a:pt x="264" y="111"/>
+                  </a:lnTo>
+                  <a:lnTo>
+                    <a:pt x="228" y="60"/>
+                  </a:lnTo>
+                  <a:lnTo>
+                    <a:pt x="225" y="57"/>
+                  </a:lnTo>
+                  <a:lnTo>
+                    <a:pt x="0" y="0"/>
+                  </a:lnTo>
+                  <a:lnTo>
+                    <a:pt x="0" y="3"/>
+                  </a:lnTo>
+                  <a:lnTo>
+                    <a:pt x="1697" y="2696"/>
+                  </a:lnTo>
+                  <a:lnTo>
+                    <a:pt x="2258" y="2696"/>
+                  </a:lnTo>
+                  <a:close/>
+                </a:path>
+              </a:pathLst>
+            </a:custGeom>
+            <a:solidFill>
+              <a:srgbClr val="404040"/>
+            </a:solidFill>
+            <a:ln>
+              <a:noFill/>
+            </a:ln>
+          </p:spPr>
+        </p:sp>
+      </p:grpSp>
     </p:spTree>
     <p:extLst>
       <p:ext uri="{BB962C8B-B14F-4D97-AF65-F5344CB8AC3E}">
-        <p14:creationId xmlns:p14="http://schemas.microsoft.com/office/powerpoint/2010/main" val="57059727"/>
+        <p14:creationId xmlns:p14="http://schemas.microsoft.com/office/powerpoint/2010/main" val="761157155"/>
       </p:ext>
     </p:extLst>
   </p:cSld>
   <p:clrMapOvr>
-    <a:masterClrMapping/>
+    <a:overrideClrMapping bg1="dk1" tx1="lt1" bg2="dk2" tx2="lt2" accent1="accent1" accent2="accent2" accent3="accent3" accent4="accent4" accent5="accent5" accent6="accent6" hlink="hlink" folHlink="folHlink"/>
   </p:clrMapOvr>
 </p:sld>
 </file>
 
-<file path=ppt/slides/slide4.xml><?xml version="1.0" encoding="utf-8"?>
+<file path=ppt/slides/slide3.xml><?xml version="1.0" encoding="utf-8"?>
 <p:sld xmlns:a="http://schemas.openxmlformats.org/drawingml/2006/main" xmlns:r="http://schemas.openxmlformats.org/officeDocument/2006/relationships" xmlns:p="http://schemas.openxmlformats.org/presentationml/2006/main">
   <p:cSld>
+    <p:bg>
+      <p:bgPr>
+        <a:solidFill>
+          <a:schemeClr val="bg2"/>
+        </a:solidFill>
+        <a:effectLst/>
+      </p:bgPr>
+    </p:bg>
     <p:spTree>
       <p:nvGrpSpPr>
         <p:cNvPr id="1" name=""/>
@@ -7088,6 +8508,66 @@
           <a:chExt cx="0" cy="0"/>
         </a:xfrm>
       </p:grpSpPr>
+      <p:sp useBgFill="1">
+        <p:nvSpPr>
+          <p:cNvPr id="9" name="Rectangle 8">
+            <a:extLst>
+              <a:ext uri="{FF2B5EF4-FFF2-40B4-BE49-F238E27FC236}">
+                <a16:creationId xmlns:a16="http://schemas.microsoft.com/office/drawing/2014/main" id="{99CAC3B1-4879-424D-8F15-206277196159}"/>
+              </a:ext>
+              <a:ext uri="{C183D7F6-B498-43B3-948B-1728B52AA6E4}">
+                <adec:decorative xmlns:adec="http://schemas.microsoft.com/office/drawing/2017/decorative" val="1"/>
+              </a:ext>
+            </a:extLst>
+          </p:cNvPr>
+          <p:cNvSpPr>
+            <a:spLocks noGrp="1" noRot="1" noChangeAspect="1" noMove="1" noResize="1" noEditPoints="1" noAdjustHandles="1" noChangeArrowheads="1" noChangeShapeType="1" noTextEdit="1"/>
+          </p:cNvSpPr>
+          <p:nvPr>
+            <p:extLst>
+              <p:ext uri="{386F3935-93C4-4BCD-93E2-E3B085C9AB24}">
+                <p16:designElem xmlns:p16="http://schemas.microsoft.com/office/powerpoint/2015/main" val="1"/>
+              </p:ext>
+            </p:extLst>
+          </p:nvPr>
+        </p:nvSpPr>
+        <p:spPr>
+          <a:xfrm>
+            <a:off x="0" y="0"/>
+            <a:ext cx="12192000" cy="6858000"/>
+          </a:xfrm>
+          <a:prstGeom prst="rect">
+            <a:avLst/>
+          </a:prstGeom>
+          <a:ln>
+            <a:noFill/>
+          </a:ln>
+        </p:spPr>
+        <p:style>
+          <a:lnRef idx="2">
+            <a:schemeClr val="accent1">
+              <a:shade val="50000"/>
+            </a:schemeClr>
+          </a:lnRef>
+          <a:fillRef idx="1">
+            <a:schemeClr val="accent1"/>
+          </a:fillRef>
+          <a:effectRef idx="0">
+            <a:schemeClr val="accent1"/>
+          </a:effectRef>
+          <a:fontRef idx="minor">
+            <a:schemeClr val="lt1"/>
+          </a:fontRef>
+        </p:style>
+        <p:txBody>
+          <a:bodyPr rtlCol="0" anchor="ctr"/>
+          <a:lstStyle/>
+          <a:p>
+            <a:pPr algn="ctr"/>
+            <a:endParaRPr lang="en-US"/>
+          </a:p>
+        </p:txBody>
+      </p:sp>
       <p:sp>
         <p:nvSpPr>
           <p:cNvPr id="2" name="Title 1">
@@ -7106,8 +8586,8 @@
         </p:nvSpPr>
         <p:spPr>
           <a:xfrm>
-            <a:off x="1484311" y="685800"/>
-            <a:ext cx="10018713" cy="1237211"/>
+            <a:off x="1018191" y="685800"/>
+            <a:ext cx="7411825" cy="1752599"/>
           </a:xfrm>
         </p:spPr>
         <p:txBody>
@@ -7116,9 +8596,10 @@
           </a:bodyPr>
           <a:lstStyle/>
           <a:p>
-            <a:r>
-              <a:rPr lang="en-US" sz="7200" dirty="0"/>
-              <a:t>Work Experiences</a:t>
+            <a:pPr algn="l"/>
+            <a:r>
+              <a:rPr lang="en-US"/>
+              <a:t>Skills and Strength</a:t>
             </a:r>
           </a:p>
         </p:txBody>
@@ -7141,8 +8622,136 @@
         </p:nvSpPr>
         <p:spPr>
           <a:xfrm>
-            <a:off x="1484310" y="1995055"/>
-            <a:ext cx="10018713" cy="3796145"/>
+            <a:off x="1018190" y="2029691"/>
+            <a:ext cx="7878551" cy="3356501"/>
+          </a:xfrm>
+        </p:spPr>
+        <p:txBody>
+          <a:bodyPr anchor="t">
+            <a:normAutofit/>
+          </a:bodyPr>
+          <a:lstStyle/>
+          <a:p>
+            <a:pPr>
+              <a:lnSpc>
+                <a:spcPct val="90000"/>
+              </a:lnSpc>
+            </a:pPr>
+            <a:r>
+              <a:rPr lang="en-US" sz="2000" b="1" dirty="0"/>
+              <a:t>Skills</a:t>
+            </a:r>
+          </a:p>
+          <a:p>
+            <a:pPr marL="0" indent="0">
+              <a:lnSpc>
+                <a:spcPct val="90000"/>
+              </a:lnSpc>
+              <a:buNone/>
+            </a:pPr>
+            <a:r>
+              <a:rPr lang="en-US" sz="2000" dirty="0"/>
+              <a:t>	[1] Programming Language: C++, </a:t>
+            </a:r>
+            <a:r>
+              <a:rPr lang="en-US" sz="2000" dirty="0" err="1"/>
+              <a:t>Matlab</a:t>
+            </a:r>
+            <a:r>
+              <a:rPr lang="en-US" sz="2000" dirty="0"/>
+              <a:t>, Python, </a:t>
+            </a:r>
+            <a:r>
+              <a:rPr lang="en-US" sz="2000" dirty="0" err="1"/>
+              <a:t>etc</a:t>
+            </a:r>
+            <a:endParaRPr lang="en-US" sz="2000" dirty="0"/>
+          </a:p>
+          <a:p>
+            <a:pPr marL="0" indent="0">
+              <a:lnSpc>
+                <a:spcPct val="90000"/>
+              </a:lnSpc>
+              <a:buNone/>
+            </a:pPr>
+            <a:r>
+              <a:rPr lang="en-US" sz="2000" dirty="0"/>
+              <a:t>	[2] Tools: VS, XCode, Cocos2d-x, Unreal, Unity</a:t>
+            </a:r>
+          </a:p>
+          <a:p>
+            <a:pPr>
+              <a:lnSpc>
+                <a:spcPct val="90000"/>
+              </a:lnSpc>
+            </a:pPr>
+            <a:r>
+              <a:rPr lang="en-US" sz="2000" b="1" dirty="0"/>
+              <a:t>Strength</a:t>
+            </a:r>
+          </a:p>
+          <a:p>
+            <a:pPr marL="0" indent="0">
+              <a:lnSpc>
+                <a:spcPct val="90000"/>
+              </a:lnSpc>
+              <a:buNone/>
+            </a:pPr>
+            <a:r>
+              <a:rPr lang="en-US" sz="2000" b="1" dirty="0"/>
+              <a:t>	</a:t>
+            </a:r>
+            <a:r>
+              <a:rPr lang="en-US" sz="2000" dirty="0"/>
+              <a:t>[1] Quick Learner, Strong Responsibility</a:t>
+            </a:r>
+          </a:p>
+          <a:p>
+            <a:pPr marL="0" indent="0">
+              <a:lnSpc>
+                <a:spcPct val="90000"/>
+              </a:lnSpc>
+              <a:buNone/>
+            </a:pPr>
+            <a:r>
+              <a:rPr lang="en-US" sz="2000" dirty="0"/>
+              <a:t>	[2] Professional Coding, Fast Prototyping, Excellent Debugging Skills </a:t>
+            </a:r>
+          </a:p>
+          <a:p>
+            <a:pPr marL="0" indent="0">
+              <a:lnSpc>
+                <a:spcPct val="90000"/>
+              </a:lnSpc>
+              <a:buNone/>
+            </a:pPr>
+            <a:r>
+              <a:rPr lang="en-US" sz="2000" dirty="0"/>
+              <a:t>	[3] Outstanding Communications !!!</a:t>
+            </a:r>
+          </a:p>
+        </p:txBody>
+      </p:sp>
+      <p:sp>
+        <p:nvSpPr>
+          <p:cNvPr id="4" name="Footer Placeholder 3">
+            <a:extLst>
+              <a:ext uri="{FF2B5EF4-FFF2-40B4-BE49-F238E27FC236}">
+                <a16:creationId xmlns:a16="http://schemas.microsoft.com/office/drawing/2014/main" id="{95412F77-C902-44FD-B747-83C0C35CE69E}"/>
+              </a:ext>
+            </a:extLst>
+          </p:cNvPr>
+          <p:cNvSpPr>
+            <a:spLocks noGrp="1"/>
+          </p:cNvSpPr>
+          <p:nvPr>
+            <p:ph type="ftr" sz="quarter" idx="11"/>
+          </p:nvPr>
+        </p:nvSpPr>
+        <p:spPr>
+          <a:xfrm>
+            <a:off x="1018190" y="5883275"/>
+            <a:ext cx="5775900" cy="365125"/>
           </a:xfrm>
         </p:spPr>
         <p:txBody>
@@ -7151,90 +8760,458 @@
           </a:bodyPr>
           <a:lstStyle/>
           <a:p>
-            <a:r>
-              <a:rPr lang="en-US" sz="2800" dirty="0"/>
-              <a:t>Research Assistant</a:t>
-            </a:r>
-          </a:p>
-          <a:p>
-            <a:pPr marL="0" indent="0">
-              <a:buNone/>
+            <a:pPr>
+              <a:spcAft>
+                <a:spcPts val="600"/>
+              </a:spcAft>
             </a:pPr>
             <a:r>
-              <a:rPr lang="en-US" sz="2800" dirty="0"/>
-              <a:t>		[1] Markov Logic Network</a:t>
-            </a:r>
-          </a:p>
-          <a:p>
-            <a:pPr marL="0" indent="0">
-              <a:buNone/>
-            </a:pPr>
-            <a:r>
-              <a:rPr lang="en-US" sz="2800" dirty="0"/>
-              <a:t>		[2] Probabilistic Logic and Satisfaction</a:t>
-            </a:r>
-          </a:p>
-          <a:p>
-            <a:pPr marL="0" indent="0">
-              <a:buNone/>
-            </a:pPr>
-            <a:r>
-              <a:rPr lang="en-US" sz="2800" dirty="0"/>
-              <a:t>		[3] Video Analysis</a:t>
-            </a:r>
-          </a:p>
-        </p:txBody>
-      </p:sp>
-      <p:sp>
-        <p:nvSpPr>
-          <p:cNvPr id="4" name="Footer Placeholder 3">
+              <a:rPr lang="es-ES" err="1"/>
+              <a:t>EJay</a:t>
+            </a:r>
+            <a:r>
+              <a:rPr lang="es-ES"/>
+              <a:t> Guo          ejay.guo@gmail.com</a:t>
+            </a:r>
+            <a:endParaRPr lang="en-US"/>
+          </a:p>
+        </p:txBody>
+      </p:sp>
+      <p:grpSp>
+        <p:nvGrpSpPr>
+          <p:cNvPr id="11" name="Group 10">
             <a:extLst>
               <a:ext uri="{FF2B5EF4-FFF2-40B4-BE49-F238E27FC236}">
-                <a16:creationId xmlns:a16="http://schemas.microsoft.com/office/drawing/2014/main" id="{C4E48D0F-DE48-48F5-AF93-1FE9E488B8A1}"/>
+                <a16:creationId xmlns:a16="http://schemas.microsoft.com/office/drawing/2014/main" id="{4B8492CB-DFBA-4A82-9778-F21493DA36C1}"/>
+              </a:ext>
+              <a:ext uri="{C183D7F6-B498-43B3-948B-1728B52AA6E4}">
+                <adec:decorative xmlns:adec="http://schemas.microsoft.com/office/drawing/2017/decorative" val="1"/>
               </a:ext>
             </a:extLst>
           </p:cNvPr>
-          <p:cNvSpPr>
-            <a:spLocks noGrp="1"/>
-          </p:cNvSpPr>
-          <p:nvPr>
-            <p:ph type="ftr" sz="quarter" idx="11"/>
-          </p:nvPr>
-        </p:nvSpPr>
-        <p:spPr/>
-        <p:txBody>
-          <a:bodyPr/>
-          <a:lstStyle/>
-          <a:p>
-            <a:pPr algn="r"/>
-            <a:r>
-              <a:rPr lang="es-ES" sz="2000" dirty="0" err="1"/>
-              <a:t>EJay</a:t>
-            </a:r>
-            <a:r>
-              <a:rPr lang="es-ES" sz="2000" dirty="0"/>
-              <a:t> Guo          ejay.guo@gmail.com</a:t>
-            </a:r>
-            <a:endParaRPr lang="en-US" sz="2000" dirty="0"/>
-          </a:p>
-        </p:txBody>
-      </p:sp>
+          <p:cNvGrpSpPr>
+            <a:grpSpLocks noGrp="1" noUngrp="1" noRot="1" noChangeAspect="1" noMove="1" noResize="1"/>
+          </p:cNvGrpSpPr>
+          <p:nvPr>
+            <p:extLst>
+              <p:ext uri="{386F3935-93C4-4BCD-93E2-E3B085C9AB24}">
+                <p16:designElem xmlns:p16="http://schemas.microsoft.com/office/powerpoint/2015/main" val="1"/>
+              </p:ext>
+            </p:extLst>
+          </p:nvPr>
+        </p:nvGrpSpPr>
+        <p:grpSpPr>
+          <a:xfrm flipH="1">
+            <a:off x="6526211" y="0"/>
+            <a:ext cx="5014912" cy="6862763"/>
+            <a:chOff x="2928938" y="-4763"/>
+            <a:chExt cx="5014912" cy="6862763"/>
+          </a:xfrm>
+        </p:grpSpPr>
+        <p:sp>
+          <p:nvSpPr>
+            <p:cNvPr id="12" name="Freeform 6">
+              <a:extLst>
+                <a:ext uri="{FF2B5EF4-FFF2-40B4-BE49-F238E27FC236}">
+                  <a16:creationId xmlns:a16="http://schemas.microsoft.com/office/drawing/2014/main" id="{E34CC1C8-EBDD-4AEA-83E6-B27575B62E2E}"/>
+                </a:ext>
+                <a:ext uri="{C183D7F6-B498-43B3-948B-1728B52AA6E4}">
+                  <adec:decorative xmlns:adec="http://schemas.microsoft.com/office/drawing/2017/decorative" val="1"/>
+                </a:ext>
+              </a:extLst>
+            </p:cNvPr>
+            <p:cNvSpPr/>
+            <p:nvPr>
+              <p:extLst>
+                <p:ext uri="{386F3935-93C4-4BCD-93E2-E3B085C9AB24}">
+                  <p16:designElem xmlns:p16="http://schemas.microsoft.com/office/powerpoint/2015/main" val="1"/>
+                </p:ext>
+              </p:extLst>
+            </p:nvPr>
+          </p:nvSpPr>
+          <p:spPr bwMode="auto">
+            <a:xfrm>
+              <a:off x="3367088" y="-4763"/>
+              <a:ext cx="1063625" cy="2782888"/>
+            </a:xfrm>
+            <a:custGeom>
+              <a:avLst/>
+              <a:gdLst/>
+              <a:ahLst/>
+              <a:cxnLst/>
+              <a:rect l="0" t="0" r="r" b="b"/>
+              <a:pathLst>
+                <a:path w="670" h="1753">
+                  <a:moveTo>
+                    <a:pt x="0" y="1696"/>
+                  </a:moveTo>
+                  <a:lnTo>
+                    <a:pt x="225" y="1753"/>
+                  </a:lnTo>
+                  <a:lnTo>
+                    <a:pt x="670" y="0"/>
+                  </a:lnTo>
+                  <a:lnTo>
+                    <a:pt x="430" y="0"/>
+                  </a:lnTo>
+                  <a:lnTo>
+                    <a:pt x="0" y="1696"/>
+                  </a:lnTo>
+                  <a:close/>
+                </a:path>
+              </a:pathLst>
+            </a:custGeom>
+            <a:solidFill>
+              <a:schemeClr val="accent1"/>
+            </a:solidFill>
+            <a:ln>
+              <a:noFill/>
+            </a:ln>
+          </p:spPr>
+        </p:sp>
+        <p:sp>
+          <p:nvSpPr>
+            <p:cNvPr id="13" name="Freeform 7">
+              <a:extLst>
+                <a:ext uri="{FF2B5EF4-FFF2-40B4-BE49-F238E27FC236}">
+                  <a16:creationId xmlns:a16="http://schemas.microsoft.com/office/drawing/2014/main" id="{D6B38644-B85D-4211-9526-5B4C2A662BF7}"/>
+                </a:ext>
+                <a:ext uri="{C183D7F6-B498-43B3-948B-1728B52AA6E4}">
+                  <adec:decorative xmlns:adec="http://schemas.microsoft.com/office/drawing/2017/decorative" val="1"/>
+                </a:ext>
+              </a:extLst>
+            </p:cNvPr>
+            <p:cNvSpPr/>
+            <p:nvPr>
+              <p:extLst>
+                <p:ext uri="{386F3935-93C4-4BCD-93E2-E3B085C9AB24}">
+                  <p16:designElem xmlns:p16="http://schemas.microsoft.com/office/powerpoint/2015/main" val="1"/>
+                </p:ext>
+              </p:extLst>
+            </p:nvPr>
+          </p:nvSpPr>
+          <p:spPr bwMode="auto">
+            <a:xfrm>
+              <a:off x="2928938" y="-4763"/>
+              <a:ext cx="1035050" cy="2673350"/>
+            </a:xfrm>
+            <a:custGeom>
+              <a:avLst/>
+              <a:gdLst/>
+              <a:ahLst/>
+              <a:cxnLst/>
+              <a:rect l="0" t="0" r="r" b="b"/>
+              <a:pathLst>
+                <a:path w="652" h="1684">
+                  <a:moveTo>
+                    <a:pt x="225" y="1684"/>
+                  </a:moveTo>
+                  <a:lnTo>
+                    <a:pt x="652" y="0"/>
+                  </a:lnTo>
+                  <a:lnTo>
+                    <a:pt x="411" y="0"/>
+                  </a:lnTo>
+                  <a:lnTo>
+                    <a:pt x="0" y="1627"/>
+                  </a:lnTo>
+                  <a:lnTo>
+                    <a:pt x="219" y="1681"/>
+                  </a:lnTo>
+                  <a:lnTo>
+                    <a:pt x="225" y="1684"/>
+                  </a:lnTo>
+                  <a:close/>
+                </a:path>
+              </a:pathLst>
+            </a:custGeom>
+            <a:solidFill>
+              <a:srgbClr val="595959"/>
+            </a:solidFill>
+            <a:ln>
+              <a:noFill/>
+            </a:ln>
+          </p:spPr>
+        </p:sp>
+        <p:sp>
+          <p:nvSpPr>
+            <p:cNvPr id="14" name="Freeform 12">
+              <a:extLst>
+                <a:ext uri="{FF2B5EF4-FFF2-40B4-BE49-F238E27FC236}">
+                  <a16:creationId xmlns:a16="http://schemas.microsoft.com/office/drawing/2014/main" id="{8A8B2820-6B8F-4C19-BFC5-D28EE44E54CB}"/>
+                </a:ext>
+                <a:ext uri="{C183D7F6-B498-43B3-948B-1728B52AA6E4}">
+                  <adec:decorative xmlns:adec="http://schemas.microsoft.com/office/drawing/2017/decorative" val="1"/>
+                </a:ext>
+              </a:extLst>
+            </p:cNvPr>
+            <p:cNvSpPr/>
+            <p:nvPr>
+              <p:extLst>
+                <p:ext uri="{386F3935-93C4-4BCD-93E2-E3B085C9AB24}">
+                  <p16:designElem xmlns:p16="http://schemas.microsoft.com/office/powerpoint/2015/main" val="1"/>
+                </p:ext>
+              </p:extLst>
+            </p:nvPr>
+          </p:nvSpPr>
+          <p:spPr bwMode="auto">
+            <a:xfrm>
+              <a:off x="2928938" y="2582862"/>
+              <a:ext cx="2693987" cy="4275138"/>
+            </a:xfrm>
+            <a:custGeom>
+              <a:avLst/>
+              <a:gdLst/>
+              <a:ahLst/>
+              <a:cxnLst/>
+              <a:rect l="0" t="0" r="r" b="b"/>
+              <a:pathLst>
+                <a:path w="1697" h="2693">
+                  <a:moveTo>
+                    <a:pt x="0" y="0"/>
+                  </a:moveTo>
+                  <a:lnTo>
+                    <a:pt x="1622" y="2693"/>
+                  </a:lnTo>
+                  <a:lnTo>
+                    <a:pt x="1697" y="2693"/>
+                  </a:lnTo>
+                  <a:lnTo>
+                    <a:pt x="0" y="0"/>
+                  </a:lnTo>
+                  <a:close/>
+                </a:path>
+              </a:pathLst>
+            </a:custGeom>
+            <a:solidFill>
+              <a:srgbClr val="262626"/>
+            </a:solidFill>
+            <a:ln>
+              <a:noFill/>
+            </a:ln>
+          </p:spPr>
+        </p:sp>
+        <p:sp>
+          <p:nvSpPr>
+            <p:cNvPr id="15" name="Freeform 13">
+              <a:extLst>
+                <a:ext uri="{FF2B5EF4-FFF2-40B4-BE49-F238E27FC236}">
+                  <a16:creationId xmlns:a16="http://schemas.microsoft.com/office/drawing/2014/main" id="{773528ED-4D37-4A77-A8CA-86B6221C5E82}"/>
+                </a:ext>
+                <a:ext uri="{C183D7F6-B498-43B3-948B-1728B52AA6E4}">
+                  <adec:decorative xmlns:adec="http://schemas.microsoft.com/office/drawing/2017/decorative" val="1"/>
+                </a:ext>
+              </a:extLst>
+            </p:cNvPr>
+            <p:cNvSpPr/>
+            <p:nvPr>
+              <p:extLst>
+                <p:ext uri="{386F3935-93C4-4BCD-93E2-E3B085C9AB24}">
+                  <p16:designElem xmlns:p16="http://schemas.microsoft.com/office/powerpoint/2015/main" val="1"/>
+                </p:ext>
+              </p:extLst>
+            </p:nvPr>
+          </p:nvSpPr>
+          <p:spPr bwMode="auto">
+            <a:xfrm>
+              <a:off x="3371850" y="2692400"/>
+              <a:ext cx="3332162" cy="4165600"/>
+            </a:xfrm>
+            <a:custGeom>
+              <a:avLst/>
+              <a:gdLst/>
+              <a:ahLst/>
+              <a:cxnLst/>
+              <a:rect l="0" t="0" r="r" b="b"/>
+              <a:pathLst>
+                <a:path w="2099" h="2624">
+                  <a:moveTo>
+                    <a:pt x="2099" y="2624"/>
+                  </a:moveTo>
+                  <a:lnTo>
+                    <a:pt x="0" y="0"/>
+                  </a:lnTo>
+                  <a:lnTo>
+                    <a:pt x="2021" y="2624"/>
+                  </a:lnTo>
+                  <a:lnTo>
+                    <a:pt x="2099" y="2624"/>
+                  </a:lnTo>
+                  <a:close/>
+                </a:path>
+              </a:pathLst>
+            </a:custGeom>
+            <a:solidFill>
+              <a:schemeClr val="accent1">
+                <a:lumMod val="50000"/>
+              </a:schemeClr>
+            </a:solidFill>
+            <a:ln>
+              <a:noFill/>
+            </a:ln>
+          </p:spPr>
+        </p:sp>
+        <p:sp>
+          <p:nvSpPr>
+            <p:cNvPr id="16" name="Freeform 14">
+              <a:extLst>
+                <a:ext uri="{FF2B5EF4-FFF2-40B4-BE49-F238E27FC236}">
+                  <a16:creationId xmlns:a16="http://schemas.microsoft.com/office/drawing/2014/main" id="{8A58A902-E944-4399-9A93-A91A6A82B166}"/>
+                </a:ext>
+                <a:ext uri="{C183D7F6-B498-43B3-948B-1728B52AA6E4}">
+                  <adec:decorative xmlns:adec="http://schemas.microsoft.com/office/drawing/2017/decorative" val="1"/>
+                </a:ext>
+              </a:extLst>
+            </p:cNvPr>
+            <p:cNvSpPr/>
+            <p:nvPr>
+              <p:extLst>
+                <p:ext uri="{386F3935-93C4-4BCD-93E2-E3B085C9AB24}">
+                  <p16:designElem xmlns:p16="http://schemas.microsoft.com/office/powerpoint/2015/main" val="1"/>
+                </p:ext>
+              </p:extLst>
+            </p:nvPr>
+          </p:nvSpPr>
+          <p:spPr bwMode="auto">
+            <a:xfrm>
+              <a:off x="3367088" y="2687637"/>
+              <a:ext cx="4576762" cy="4170363"/>
+            </a:xfrm>
+            <a:custGeom>
+              <a:avLst/>
+              <a:gdLst/>
+              <a:ahLst/>
+              <a:cxnLst/>
+              <a:rect l="0" t="0" r="r" b="b"/>
+              <a:pathLst>
+                <a:path w="2883" h="2627">
+                  <a:moveTo>
+                    <a:pt x="0" y="0"/>
+                  </a:moveTo>
+                  <a:lnTo>
+                    <a:pt x="3" y="3"/>
+                  </a:lnTo>
+                  <a:lnTo>
+                    <a:pt x="2102" y="2627"/>
+                  </a:lnTo>
+                  <a:lnTo>
+                    <a:pt x="2883" y="2627"/>
+                  </a:lnTo>
+                  <a:lnTo>
+                    <a:pt x="225" y="57"/>
+                  </a:lnTo>
+                  <a:lnTo>
+                    <a:pt x="0" y="0"/>
+                  </a:lnTo>
+                  <a:close/>
+                </a:path>
+              </a:pathLst>
+            </a:custGeom>
+            <a:solidFill>
+              <a:schemeClr val="accent1">
+                <a:lumMod val="75000"/>
+              </a:schemeClr>
+            </a:solidFill>
+            <a:ln>
+              <a:noFill/>
+            </a:ln>
+          </p:spPr>
+        </p:sp>
+        <p:sp>
+          <p:nvSpPr>
+            <p:cNvPr id="17" name="Freeform 15">
+              <a:extLst>
+                <a:ext uri="{FF2B5EF4-FFF2-40B4-BE49-F238E27FC236}">
+                  <a16:creationId xmlns:a16="http://schemas.microsoft.com/office/drawing/2014/main" id="{4EDB1155-2E8E-4FB8-AD42-101FE4383231}"/>
+                </a:ext>
+                <a:ext uri="{C183D7F6-B498-43B3-948B-1728B52AA6E4}">
+                  <adec:decorative xmlns:adec="http://schemas.microsoft.com/office/drawing/2017/decorative" val="1"/>
+                </a:ext>
+              </a:extLst>
+            </p:cNvPr>
+            <p:cNvSpPr/>
+            <p:nvPr>
+              <p:extLst>
+                <p:ext uri="{386F3935-93C4-4BCD-93E2-E3B085C9AB24}">
+                  <p16:designElem xmlns:p16="http://schemas.microsoft.com/office/powerpoint/2015/main" val="1"/>
+                </p:ext>
+              </p:extLst>
+            </p:nvPr>
+          </p:nvSpPr>
+          <p:spPr bwMode="auto">
+            <a:xfrm>
+              <a:off x="2928938" y="2578100"/>
+              <a:ext cx="3584575" cy="4279900"/>
+            </a:xfrm>
+            <a:custGeom>
+              <a:avLst/>
+              <a:gdLst/>
+              <a:ahLst/>
+              <a:cxnLst/>
+              <a:rect l="0" t="0" r="r" b="b"/>
+              <a:pathLst>
+                <a:path w="2258" h="2696">
+                  <a:moveTo>
+                    <a:pt x="2258" y="2696"/>
+                  </a:moveTo>
+                  <a:lnTo>
+                    <a:pt x="264" y="111"/>
+                  </a:lnTo>
+                  <a:lnTo>
+                    <a:pt x="228" y="60"/>
+                  </a:lnTo>
+                  <a:lnTo>
+                    <a:pt x="225" y="57"/>
+                  </a:lnTo>
+                  <a:lnTo>
+                    <a:pt x="0" y="0"/>
+                  </a:lnTo>
+                  <a:lnTo>
+                    <a:pt x="0" y="3"/>
+                  </a:lnTo>
+                  <a:lnTo>
+                    <a:pt x="1697" y="2696"/>
+                  </a:lnTo>
+                  <a:lnTo>
+                    <a:pt x="2258" y="2696"/>
+                  </a:lnTo>
+                  <a:close/>
+                </a:path>
+              </a:pathLst>
+            </a:custGeom>
+            <a:solidFill>
+              <a:srgbClr val="404040"/>
+            </a:solidFill>
+            <a:ln>
+              <a:noFill/>
+            </a:ln>
+          </p:spPr>
+        </p:sp>
+      </p:grpSp>
     </p:spTree>
     <p:extLst>
       <p:ext uri="{BB962C8B-B14F-4D97-AF65-F5344CB8AC3E}">
-        <p14:creationId xmlns:p14="http://schemas.microsoft.com/office/powerpoint/2010/main" val="771378175"/>
+        <p14:creationId xmlns:p14="http://schemas.microsoft.com/office/powerpoint/2010/main" val="57059727"/>
       </p:ext>
     </p:extLst>
   </p:cSld>
   <p:clrMapOvr>
-    <a:masterClrMapping/>
+    <a:overrideClrMapping bg1="dk1" tx1="lt1" bg2="dk2" tx2="lt2" accent1="accent1" accent2="accent2" accent3="accent3" accent4="accent4" accent5="accent5" accent6="accent6" hlink="hlink" folHlink="folHlink"/>
   </p:clrMapOvr>
 </p:sld>
 </file>
 
-<file path=ppt/slides/slide5.xml><?xml version="1.0" encoding="utf-8"?>
+<file path=ppt/slides/slide4.xml><?xml version="1.0" encoding="utf-8"?>
 <p:sld xmlns:a="http://schemas.openxmlformats.org/drawingml/2006/main" xmlns:r="http://schemas.openxmlformats.org/officeDocument/2006/relationships" xmlns:p="http://schemas.openxmlformats.org/presentationml/2006/main">
   <p:cSld>
+    <p:bg>
+      <p:bgPr>
+        <a:solidFill>
+          <a:schemeClr val="bg2"/>
+        </a:solidFill>
+        <a:effectLst/>
+      </p:bgPr>
+    </p:bg>
     <p:spTree>
       <p:nvGrpSpPr>
         <p:cNvPr id="1" name=""/>
@@ -7249,6 +9226,66 @@
           <a:chExt cx="0" cy="0"/>
         </a:xfrm>
       </p:grpSpPr>
+      <p:sp useBgFill="1">
+        <p:nvSpPr>
+          <p:cNvPr id="9" name="Rectangle 8">
+            <a:extLst>
+              <a:ext uri="{FF2B5EF4-FFF2-40B4-BE49-F238E27FC236}">
+                <a16:creationId xmlns:a16="http://schemas.microsoft.com/office/drawing/2014/main" id="{99CAC3B1-4879-424D-8F15-206277196159}"/>
+              </a:ext>
+              <a:ext uri="{C183D7F6-B498-43B3-948B-1728B52AA6E4}">
+                <adec:decorative xmlns:adec="http://schemas.microsoft.com/office/drawing/2017/decorative" val="1"/>
+              </a:ext>
+            </a:extLst>
+          </p:cNvPr>
+          <p:cNvSpPr>
+            <a:spLocks noGrp="1" noRot="1" noChangeAspect="1" noMove="1" noResize="1" noEditPoints="1" noAdjustHandles="1" noChangeArrowheads="1" noChangeShapeType="1" noTextEdit="1"/>
+          </p:cNvSpPr>
+          <p:nvPr>
+            <p:extLst>
+              <p:ext uri="{386F3935-93C4-4BCD-93E2-E3B085C9AB24}">
+                <p16:designElem xmlns:p16="http://schemas.microsoft.com/office/powerpoint/2015/main" val="1"/>
+              </p:ext>
+            </p:extLst>
+          </p:nvPr>
+        </p:nvSpPr>
+        <p:spPr>
+          <a:xfrm>
+            <a:off x="0" y="0"/>
+            <a:ext cx="12192000" cy="6858000"/>
+          </a:xfrm>
+          <a:prstGeom prst="rect">
+            <a:avLst/>
+          </a:prstGeom>
+          <a:ln>
+            <a:noFill/>
+          </a:ln>
+        </p:spPr>
+        <p:style>
+          <a:lnRef idx="2">
+            <a:schemeClr val="accent1">
+              <a:shade val="50000"/>
+            </a:schemeClr>
+          </a:lnRef>
+          <a:fillRef idx="1">
+            <a:schemeClr val="accent1"/>
+          </a:fillRef>
+          <a:effectRef idx="0">
+            <a:schemeClr val="accent1"/>
+          </a:effectRef>
+          <a:fontRef idx="minor">
+            <a:schemeClr val="lt1"/>
+          </a:fontRef>
+        </p:style>
+        <p:txBody>
+          <a:bodyPr rtlCol="0" anchor="ctr"/>
+          <a:lstStyle/>
+          <a:p>
+            <a:pPr algn="ctr"/>
+            <a:endParaRPr lang="en-US"/>
+          </a:p>
+        </p:txBody>
+      </p:sp>
       <p:sp>
         <p:nvSpPr>
           <p:cNvPr id="2" name="Title 1">
@@ -7267,8 +9304,8 @@
         </p:nvSpPr>
         <p:spPr>
           <a:xfrm>
-            <a:off x="1484311" y="685800"/>
-            <a:ext cx="10018713" cy="1237211"/>
+            <a:off x="1018191" y="685800"/>
+            <a:ext cx="7411825" cy="1752599"/>
           </a:xfrm>
         </p:spPr>
         <p:txBody>
@@ -7277,8 +9314,9 @@
           </a:bodyPr>
           <a:lstStyle/>
           <a:p>
-            <a:r>
-              <a:rPr lang="en-US" sz="7200" dirty="0"/>
+            <a:pPr algn="l"/>
+            <a:r>
+              <a:rPr lang="en-US"/>
               <a:t>Work Experiences</a:t>
             </a:r>
           </a:p>
@@ -7302,8 +9340,70 @@
         </p:nvSpPr>
         <p:spPr>
           <a:xfrm>
-            <a:off x="1484310" y="1995055"/>
-            <a:ext cx="10018713" cy="3796145"/>
+            <a:off x="1018190" y="2098963"/>
+            <a:ext cx="7243603" cy="3287229"/>
+          </a:xfrm>
+        </p:spPr>
+        <p:txBody>
+          <a:bodyPr anchor="t">
+            <a:normAutofit/>
+          </a:bodyPr>
+          <a:lstStyle/>
+          <a:p>
+            <a:r>
+              <a:rPr lang="en-US" dirty="0"/>
+              <a:t>Research Assistant</a:t>
+            </a:r>
+          </a:p>
+          <a:p>
+            <a:pPr marL="0" indent="0">
+              <a:buNone/>
+            </a:pPr>
+            <a:r>
+              <a:rPr lang="en-US" dirty="0"/>
+              <a:t>		[1] Markov Logic Network</a:t>
+            </a:r>
+          </a:p>
+          <a:p>
+            <a:pPr marL="0" indent="0">
+              <a:buNone/>
+            </a:pPr>
+            <a:r>
+              <a:rPr lang="en-US" dirty="0"/>
+              <a:t>		[2] Probabilistic Logic and Satisfaction</a:t>
+            </a:r>
+          </a:p>
+          <a:p>
+            <a:pPr marL="0" indent="0">
+              <a:buNone/>
+            </a:pPr>
+            <a:r>
+              <a:rPr lang="en-US" dirty="0"/>
+              <a:t>		[3] Video Analysis</a:t>
+            </a:r>
+          </a:p>
+        </p:txBody>
+      </p:sp>
+      <p:sp>
+        <p:nvSpPr>
+          <p:cNvPr id="4" name="Footer Placeholder 3">
+            <a:extLst>
+              <a:ext uri="{FF2B5EF4-FFF2-40B4-BE49-F238E27FC236}">
+                <a16:creationId xmlns:a16="http://schemas.microsoft.com/office/drawing/2014/main" id="{C4E48D0F-DE48-48F5-AF93-1FE9E488B8A1}"/>
+              </a:ext>
+            </a:extLst>
+          </p:cNvPr>
+          <p:cNvSpPr>
+            <a:spLocks noGrp="1"/>
+          </p:cNvSpPr>
+          <p:nvPr>
+            <p:ph type="ftr" sz="quarter" idx="11"/>
+          </p:nvPr>
+        </p:nvSpPr>
+        <p:spPr>
+          <a:xfrm>
+            <a:off x="1018190" y="5883275"/>
+            <a:ext cx="5775900" cy="365125"/>
           </a:xfrm>
         </p:spPr>
         <p:txBody>
@@ -7312,100 +9412,458 @@
           </a:bodyPr>
           <a:lstStyle/>
           <a:p>
-            <a:r>
-              <a:rPr lang="en-US" sz="2800" dirty="0"/>
-              <a:t>Gameplay and Engine Programmer</a:t>
-            </a:r>
-          </a:p>
-          <a:p>
-            <a:pPr marL="0" indent="0">
-              <a:buNone/>
+            <a:pPr>
+              <a:spcAft>
+                <a:spcPts val="600"/>
+              </a:spcAft>
             </a:pPr>
             <a:r>
-              <a:rPr lang="en-US" sz="2800" dirty="0"/>
-              <a:t>		[1] Graphics, Physics, Event Dispatcher, </a:t>
-            </a:r>
-            <a:r>
-              <a:rPr lang="en-US" sz="2800" dirty="0" err="1"/>
-              <a:t>etc</a:t>
-            </a:r>
-            <a:endParaRPr lang="en-US" sz="2800" dirty="0"/>
-          </a:p>
-          <a:p>
-            <a:pPr marL="0" indent="0">
-              <a:buNone/>
-            </a:pPr>
-            <a:r>
-              <a:rPr lang="en-US" sz="2800" dirty="0"/>
-              <a:t>		[2] Gameplay, AI, UI, </a:t>
-            </a:r>
-            <a:r>
-              <a:rPr lang="en-US" sz="2800" dirty="0" err="1"/>
-              <a:t>etc</a:t>
-            </a:r>
-            <a:endParaRPr lang="en-US" sz="2800" dirty="0"/>
-          </a:p>
-          <a:p>
-            <a:pPr marL="0" indent="0">
-              <a:buNone/>
-            </a:pPr>
-            <a:r>
-              <a:rPr lang="en-US" sz="2800" dirty="0"/>
-              <a:t>		[3] Mobile Development</a:t>
-            </a:r>
-          </a:p>
-        </p:txBody>
-      </p:sp>
-      <p:sp>
-        <p:nvSpPr>
-          <p:cNvPr id="4" name="Footer Placeholder 3">
+              <a:rPr lang="es-ES" err="1"/>
+              <a:t>EJay</a:t>
+            </a:r>
+            <a:r>
+              <a:rPr lang="es-ES"/>
+              <a:t> Guo          ejay.guo@gmail.com</a:t>
+            </a:r>
+            <a:endParaRPr lang="en-US"/>
+          </a:p>
+        </p:txBody>
+      </p:sp>
+      <p:grpSp>
+        <p:nvGrpSpPr>
+          <p:cNvPr id="11" name="Group 10">
             <a:extLst>
               <a:ext uri="{FF2B5EF4-FFF2-40B4-BE49-F238E27FC236}">
-                <a16:creationId xmlns:a16="http://schemas.microsoft.com/office/drawing/2014/main" id="{0F3DFA93-9DF0-4B57-A99A-F370DD713E9A}"/>
+                <a16:creationId xmlns:a16="http://schemas.microsoft.com/office/drawing/2014/main" id="{4B8492CB-DFBA-4A82-9778-F21493DA36C1}"/>
+              </a:ext>
+              <a:ext uri="{C183D7F6-B498-43B3-948B-1728B52AA6E4}">
+                <adec:decorative xmlns:adec="http://schemas.microsoft.com/office/drawing/2017/decorative" val="1"/>
               </a:ext>
             </a:extLst>
           </p:cNvPr>
-          <p:cNvSpPr>
-            <a:spLocks noGrp="1"/>
-          </p:cNvSpPr>
-          <p:nvPr>
-            <p:ph type="ftr" sz="quarter" idx="11"/>
-          </p:nvPr>
-        </p:nvSpPr>
-        <p:spPr/>
-        <p:txBody>
-          <a:bodyPr/>
-          <a:lstStyle/>
-          <a:p>
-            <a:pPr algn="r"/>
-            <a:r>
-              <a:rPr lang="es-ES" sz="2000" dirty="0" err="1"/>
-              <a:t>EJay</a:t>
-            </a:r>
-            <a:r>
-              <a:rPr lang="es-ES" sz="2000" dirty="0"/>
-              <a:t> Guo          ejay.guo@gmail.com</a:t>
-            </a:r>
-            <a:endParaRPr lang="en-US" sz="2000" dirty="0"/>
-          </a:p>
-        </p:txBody>
-      </p:sp>
+          <p:cNvGrpSpPr>
+            <a:grpSpLocks noGrp="1" noUngrp="1" noRot="1" noChangeAspect="1" noMove="1" noResize="1"/>
+          </p:cNvGrpSpPr>
+          <p:nvPr>
+            <p:extLst>
+              <p:ext uri="{386F3935-93C4-4BCD-93E2-E3B085C9AB24}">
+                <p16:designElem xmlns:p16="http://schemas.microsoft.com/office/powerpoint/2015/main" val="1"/>
+              </p:ext>
+            </p:extLst>
+          </p:nvPr>
+        </p:nvGrpSpPr>
+        <p:grpSpPr>
+          <a:xfrm flipH="1">
+            <a:off x="6526211" y="0"/>
+            <a:ext cx="5014912" cy="6862763"/>
+            <a:chOff x="2928938" y="-4763"/>
+            <a:chExt cx="5014912" cy="6862763"/>
+          </a:xfrm>
+        </p:grpSpPr>
+        <p:sp>
+          <p:nvSpPr>
+            <p:cNvPr id="12" name="Freeform 6">
+              <a:extLst>
+                <a:ext uri="{FF2B5EF4-FFF2-40B4-BE49-F238E27FC236}">
+                  <a16:creationId xmlns:a16="http://schemas.microsoft.com/office/drawing/2014/main" id="{E34CC1C8-EBDD-4AEA-83E6-B27575B62E2E}"/>
+                </a:ext>
+                <a:ext uri="{C183D7F6-B498-43B3-948B-1728B52AA6E4}">
+                  <adec:decorative xmlns:adec="http://schemas.microsoft.com/office/drawing/2017/decorative" val="1"/>
+                </a:ext>
+              </a:extLst>
+            </p:cNvPr>
+            <p:cNvSpPr/>
+            <p:nvPr>
+              <p:extLst>
+                <p:ext uri="{386F3935-93C4-4BCD-93E2-E3B085C9AB24}">
+                  <p16:designElem xmlns:p16="http://schemas.microsoft.com/office/powerpoint/2015/main" val="1"/>
+                </p:ext>
+              </p:extLst>
+            </p:nvPr>
+          </p:nvSpPr>
+          <p:spPr bwMode="auto">
+            <a:xfrm>
+              <a:off x="3367088" y="-4763"/>
+              <a:ext cx="1063625" cy="2782888"/>
+            </a:xfrm>
+            <a:custGeom>
+              <a:avLst/>
+              <a:gdLst/>
+              <a:ahLst/>
+              <a:cxnLst/>
+              <a:rect l="0" t="0" r="r" b="b"/>
+              <a:pathLst>
+                <a:path w="670" h="1753">
+                  <a:moveTo>
+                    <a:pt x="0" y="1696"/>
+                  </a:moveTo>
+                  <a:lnTo>
+                    <a:pt x="225" y="1753"/>
+                  </a:lnTo>
+                  <a:lnTo>
+                    <a:pt x="670" y="0"/>
+                  </a:lnTo>
+                  <a:lnTo>
+                    <a:pt x="430" y="0"/>
+                  </a:lnTo>
+                  <a:lnTo>
+                    <a:pt x="0" y="1696"/>
+                  </a:lnTo>
+                  <a:close/>
+                </a:path>
+              </a:pathLst>
+            </a:custGeom>
+            <a:solidFill>
+              <a:schemeClr val="accent1"/>
+            </a:solidFill>
+            <a:ln>
+              <a:noFill/>
+            </a:ln>
+          </p:spPr>
+        </p:sp>
+        <p:sp>
+          <p:nvSpPr>
+            <p:cNvPr id="13" name="Freeform 7">
+              <a:extLst>
+                <a:ext uri="{FF2B5EF4-FFF2-40B4-BE49-F238E27FC236}">
+                  <a16:creationId xmlns:a16="http://schemas.microsoft.com/office/drawing/2014/main" id="{D6B38644-B85D-4211-9526-5B4C2A662BF7}"/>
+                </a:ext>
+                <a:ext uri="{C183D7F6-B498-43B3-948B-1728B52AA6E4}">
+                  <adec:decorative xmlns:adec="http://schemas.microsoft.com/office/drawing/2017/decorative" val="1"/>
+                </a:ext>
+              </a:extLst>
+            </p:cNvPr>
+            <p:cNvSpPr/>
+            <p:nvPr>
+              <p:extLst>
+                <p:ext uri="{386F3935-93C4-4BCD-93E2-E3B085C9AB24}">
+                  <p16:designElem xmlns:p16="http://schemas.microsoft.com/office/powerpoint/2015/main" val="1"/>
+                </p:ext>
+              </p:extLst>
+            </p:nvPr>
+          </p:nvSpPr>
+          <p:spPr bwMode="auto">
+            <a:xfrm>
+              <a:off x="2928938" y="-4763"/>
+              <a:ext cx="1035050" cy="2673350"/>
+            </a:xfrm>
+            <a:custGeom>
+              <a:avLst/>
+              <a:gdLst/>
+              <a:ahLst/>
+              <a:cxnLst/>
+              <a:rect l="0" t="0" r="r" b="b"/>
+              <a:pathLst>
+                <a:path w="652" h="1684">
+                  <a:moveTo>
+                    <a:pt x="225" y="1684"/>
+                  </a:moveTo>
+                  <a:lnTo>
+                    <a:pt x="652" y="0"/>
+                  </a:lnTo>
+                  <a:lnTo>
+                    <a:pt x="411" y="0"/>
+                  </a:lnTo>
+                  <a:lnTo>
+                    <a:pt x="0" y="1627"/>
+                  </a:lnTo>
+                  <a:lnTo>
+                    <a:pt x="219" y="1681"/>
+                  </a:lnTo>
+                  <a:lnTo>
+                    <a:pt x="225" y="1684"/>
+                  </a:lnTo>
+                  <a:close/>
+                </a:path>
+              </a:pathLst>
+            </a:custGeom>
+            <a:solidFill>
+              <a:srgbClr val="595959"/>
+            </a:solidFill>
+            <a:ln>
+              <a:noFill/>
+            </a:ln>
+          </p:spPr>
+        </p:sp>
+        <p:sp>
+          <p:nvSpPr>
+            <p:cNvPr id="14" name="Freeform 12">
+              <a:extLst>
+                <a:ext uri="{FF2B5EF4-FFF2-40B4-BE49-F238E27FC236}">
+                  <a16:creationId xmlns:a16="http://schemas.microsoft.com/office/drawing/2014/main" id="{8A8B2820-6B8F-4C19-BFC5-D28EE44E54CB}"/>
+                </a:ext>
+                <a:ext uri="{C183D7F6-B498-43B3-948B-1728B52AA6E4}">
+                  <adec:decorative xmlns:adec="http://schemas.microsoft.com/office/drawing/2017/decorative" val="1"/>
+                </a:ext>
+              </a:extLst>
+            </p:cNvPr>
+            <p:cNvSpPr/>
+            <p:nvPr>
+              <p:extLst>
+                <p:ext uri="{386F3935-93C4-4BCD-93E2-E3B085C9AB24}">
+                  <p16:designElem xmlns:p16="http://schemas.microsoft.com/office/powerpoint/2015/main" val="1"/>
+                </p:ext>
+              </p:extLst>
+            </p:nvPr>
+          </p:nvSpPr>
+          <p:spPr bwMode="auto">
+            <a:xfrm>
+              <a:off x="2928938" y="2582862"/>
+              <a:ext cx="2693987" cy="4275138"/>
+            </a:xfrm>
+            <a:custGeom>
+              <a:avLst/>
+              <a:gdLst/>
+              <a:ahLst/>
+              <a:cxnLst/>
+              <a:rect l="0" t="0" r="r" b="b"/>
+              <a:pathLst>
+                <a:path w="1697" h="2693">
+                  <a:moveTo>
+                    <a:pt x="0" y="0"/>
+                  </a:moveTo>
+                  <a:lnTo>
+                    <a:pt x="1622" y="2693"/>
+                  </a:lnTo>
+                  <a:lnTo>
+                    <a:pt x="1697" y="2693"/>
+                  </a:lnTo>
+                  <a:lnTo>
+                    <a:pt x="0" y="0"/>
+                  </a:lnTo>
+                  <a:close/>
+                </a:path>
+              </a:pathLst>
+            </a:custGeom>
+            <a:solidFill>
+              <a:srgbClr val="262626"/>
+            </a:solidFill>
+            <a:ln>
+              <a:noFill/>
+            </a:ln>
+          </p:spPr>
+        </p:sp>
+        <p:sp>
+          <p:nvSpPr>
+            <p:cNvPr id="15" name="Freeform 13">
+              <a:extLst>
+                <a:ext uri="{FF2B5EF4-FFF2-40B4-BE49-F238E27FC236}">
+                  <a16:creationId xmlns:a16="http://schemas.microsoft.com/office/drawing/2014/main" id="{773528ED-4D37-4A77-A8CA-86B6221C5E82}"/>
+                </a:ext>
+                <a:ext uri="{C183D7F6-B498-43B3-948B-1728B52AA6E4}">
+                  <adec:decorative xmlns:adec="http://schemas.microsoft.com/office/drawing/2017/decorative" val="1"/>
+                </a:ext>
+              </a:extLst>
+            </p:cNvPr>
+            <p:cNvSpPr/>
+            <p:nvPr>
+              <p:extLst>
+                <p:ext uri="{386F3935-93C4-4BCD-93E2-E3B085C9AB24}">
+                  <p16:designElem xmlns:p16="http://schemas.microsoft.com/office/powerpoint/2015/main" val="1"/>
+                </p:ext>
+              </p:extLst>
+            </p:nvPr>
+          </p:nvSpPr>
+          <p:spPr bwMode="auto">
+            <a:xfrm>
+              <a:off x="3371850" y="2692400"/>
+              <a:ext cx="3332162" cy="4165600"/>
+            </a:xfrm>
+            <a:custGeom>
+              <a:avLst/>
+              <a:gdLst/>
+              <a:ahLst/>
+              <a:cxnLst/>
+              <a:rect l="0" t="0" r="r" b="b"/>
+              <a:pathLst>
+                <a:path w="2099" h="2624">
+                  <a:moveTo>
+                    <a:pt x="2099" y="2624"/>
+                  </a:moveTo>
+                  <a:lnTo>
+                    <a:pt x="0" y="0"/>
+                  </a:lnTo>
+                  <a:lnTo>
+                    <a:pt x="2021" y="2624"/>
+                  </a:lnTo>
+                  <a:lnTo>
+                    <a:pt x="2099" y="2624"/>
+                  </a:lnTo>
+                  <a:close/>
+                </a:path>
+              </a:pathLst>
+            </a:custGeom>
+            <a:solidFill>
+              <a:schemeClr val="accent1">
+                <a:lumMod val="50000"/>
+              </a:schemeClr>
+            </a:solidFill>
+            <a:ln>
+              <a:noFill/>
+            </a:ln>
+          </p:spPr>
+        </p:sp>
+        <p:sp>
+          <p:nvSpPr>
+            <p:cNvPr id="16" name="Freeform 14">
+              <a:extLst>
+                <a:ext uri="{FF2B5EF4-FFF2-40B4-BE49-F238E27FC236}">
+                  <a16:creationId xmlns:a16="http://schemas.microsoft.com/office/drawing/2014/main" id="{8A58A902-E944-4399-9A93-A91A6A82B166}"/>
+                </a:ext>
+                <a:ext uri="{C183D7F6-B498-43B3-948B-1728B52AA6E4}">
+                  <adec:decorative xmlns:adec="http://schemas.microsoft.com/office/drawing/2017/decorative" val="1"/>
+                </a:ext>
+              </a:extLst>
+            </p:cNvPr>
+            <p:cNvSpPr/>
+            <p:nvPr>
+              <p:extLst>
+                <p:ext uri="{386F3935-93C4-4BCD-93E2-E3B085C9AB24}">
+                  <p16:designElem xmlns:p16="http://schemas.microsoft.com/office/powerpoint/2015/main" val="1"/>
+                </p:ext>
+              </p:extLst>
+            </p:nvPr>
+          </p:nvSpPr>
+          <p:spPr bwMode="auto">
+            <a:xfrm>
+              <a:off x="3367088" y="2687637"/>
+              <a:ext cx="4576762" cy="4170363"/>
+            </a:xfrm>
+            <a:custGeom>
+              <a:avLst/>
+              <a:gdLst/>
+              <a:ahLst/>
+              <a:cxnLst/>
+              <a:rect l="0" t="0" r="r" b="b"/>
+              <a:pathLst>
+                <a:path w="2883" h="2627">
+                  <a:moveTo>
+                    <a:pt x="0" y="0"/>
+                  </a:moveTo>
+                  <a:lnTo>
+                    <a:pt x="3" y="3"/>
+                  </a:lnTo>
+                  <a:lnTo>
+                    <a:pt x="2102" y="2627"/>
+                  </a:lnTo>
+                  <a:lnTo>
+                    <a:pt x="2883" y="2627"/>
+                  </a:lnTo>
+                  <a:lnTo>
+                    <a:pt x="225" y="57"/>
+                  </a:lnTo>
+                  <a:lnTo>
+                    <a:pt x="0" y="0"/>
+                  </a:lnTo>
+                  <a:close/>
+                </a:path>
+              </a:pathLst>
+            </a:custGeom>
+            <a:solidFill>
+              <a:schemeClr val="accent1">
+                <a:lumMod val="75000"/>
+              </a:schemeClr>
+            </a:solidFill>
+            <a:ln>
+              <a:noFill/>
+            </a:ln>
+          </p:spPr>
+        </p:sp>
+        <p:sp>
+          <p:nvSpPr>
+            <p:cNvPr id="17" name="Freeform 15">
+              <a:extLst>
+                <a:ext uri="{FF2B5EF4-FFF2-40B4-BE49-F238E27FC236}">
+                  <a16:creationId xmlns:a16="http://schemas.microsoft.com/office/drawing/2014/main" id="{4EDB1155-2E8E-4FB8-AD42-101FE4383231}"/>
+                </a:ext>
+                <a:ext uri="{C183D7F6-B498-43B3-948B-1728B52AA6E4}">
+                  <adec:decorative xmlns:adec="http://schemas.microsoft.com/office/drawing/2017/decorative" val="1"/>
+                </a:ext>
+              </a:extLst>
+            </p:cNvPr>
+            <p:cNvSpPr/>
+            <p:nvPr>
+              <p:extLst>
+                <p:ext uri="{386F3935-93C4-4BCD-93E2-E3B085C9AB24}">
+                  <p16:designElem xmlns:p16="http://schemas.microsoft.com/office/powerpoint/2015/main" val="1"/>
+                </p:ext>
+              </p:extLst>
+            </p:nvPr>
+          </p:nvSpPr>
+          <p:spPr bwMode="auto">
+            <a:xfrm>
+              <a:off x="2928938" y="2578100"/>
+              <a:ext cx="3584575" cy="4279900"/>
+            </a:xfrm>
+            <a:custGeom>
+              <a:avLst/>
+              <a:gdLst/>
+              <a:ahLst/>
+              <a:cxnLst/>
+              <a:rect l="0" t="0" r="r" b="b"/>
+              <a:pathLst>
+                <a:path w="2258" h="2696">
+                  <a:moveTo>
+                    <a:pt x="2258" y="2696"/>
+                  </a:moveTo>
+                  <a:lnTo>
+                    <a:pt x="264" y="111"/>
+                  </a:lnTo>
+                  <a:lnTo>
+                    <a:pt x="228" y="60"/>
+                  </a:lnTo>
+                  <a:lnTo>
+                    <a:pt x="225" y="57"/>
+                  </a:lnTo>
+                  <a:lnTo>
+                    <a:pt x="0" y="0"/>
+                  </a:lnTo>
+                  <a:lnTo>
+                    <a:pt x="0" y="3"/>
+                  </a:lnTo>
+                  <a:lnTo>
+                    <a:pt x="1697" y="2696"/>
+                  </a:lnTo>
+                  <a:lnTo>
+                    <a:pt x="2258" y="2696"/>
+                  </a:lnTo>
+                  <a:close/>
+                </a:path>
+              </a:pathLst>
+            </a:custGeom>
+            <a:solidFill>
+              <a:srgbClr val="404040"/>
+            </a:solidFill>
+            <a:ln>
+              <a:noFill/>
+            </a:ln>
+          </p:spPr>
+        </p:sp>
+      </p:grpSp>
     </p:spTree>
     <p:extLst>
       <p:ext uri="{BB962C8B-B14F-4D97-AF65-F5344CB8AC3E}">
-        <p14:creationId xmlns:p14="http://schemas.microsoft.com/office/powerpoint/2010/main" val="1356285611"/>
+        <p14:creationId xmlns:p14="http://schemas.microsoft.com/office/powerpoint/2010/main" val="771378175"/>
       </p:ext>
     </p:extLst>
   </p:cSld>
   <p:clrMapOvr>
-    <a:masterClrMapping/>
+    <a:overrideClrMapping bg1="dk1" tx1="lt1" bg2="dk2" tx2="lt2" accent1="accent1" accent2="accent2" accent3="accent3" accent4="accent4" accent5="accent5" accent6="accent6" hlink="hlink" folHlink="folHlink"/>
   </p:clrMapOvr>
 </p:sld>
 </file>
 
-<file path=ppt/slides/slide6.xml><?xml version="1.0" encoding="utf-8"?>
+<file path=ppt/slides/slide5.xml><?xml version="1.0" encoding="utf-8"?>
 <p:sld xmlns:a="http://schemas.openxmlformats.org/drawingml/2006/main" xmlns:r="http://schemas.openxmlformats.org/officeDocument/2006/relationships" xmlns:p="http://schemas.openxmlformats.org/presentationml/2006/main">
   <p:cSld>
+    <p:bg>
+      <p:bgPr>
+        <a:solidFill>
+          <a:schemeClr val="bg2"/>
+        </a:solidFill>
+        <a:effectLst/>
+      </p:bgPr>
+    </p:bg>
     <p:spTree>
       <p:nvGrpSpPr>
         <p:cNvPr id="1" name=""/>
@@ -7420,6 +9878,66 @@
           <a:chExt cx="0" cy="0"/>
         </a:xfrm>
       </p:grpSpPr>
+      <p:sp useBgFill="1">
+        <p:nvSpPr>
+          <p:cNvPr id="9" name="Rectangle 8">
+            <a:extLst>
+              <a:ext uri="{FF2B5EF4-FFF2-40B4-BE49-F238E27FC236}">
+                <a16:creationId xmlns:a16="http://schemas.microsoft.com/office/drawing/2014/main" id="{99CAC3B1-4879-424D-8F15-206277196159}"/>
+              </a:ext>
+              <a:ext uri="{C183D7F6-B498-43B3-948B-1728B52AA6E4}">
+                <adec:decorative xmlns:adec="http://schemas.microsoft.com/office/drawing/2017/decorative" val="1"/>
+              </a:ext>
+            </a:extLst>
+          </p:cNvPr>
+          <p:cNvSpPr>
+            <a:spLocks noGrp="1" noRot="1" noChangeAspect="1" noMove="1" noResize="1" noEditPoints="1" noAdjustHandles="1" noChangeArrowheads="1" noChangeShapeType="1" noTextEdit="1"/>
+          </p:cNvSpPr>
+          <p:nvPr>
+            <p:extLst>
+              <p:ext uri="{386F3935-93C4-4BCD-93E2-E3B085C9AB24}">
+                <p16:designElem xmlns:p16="http://schemas.microsoft.com/office/powerpoint/2015/main" val="1"/>
+              </p:ext>
+            </p:extLst>
+          </p:nvPr>
+        </p:nvSpPr>
+        <p:spPr>
+          <a:xfrm>
+            <a:off x="0" y="0"/>
+            <a:ext cx="12192000" cy="6858000"/>
+          </a:xfrm>
+          <a:prstGeom prst="rect">
+            <a:avLst/>
+          </a:prstGeom>
+          <a:ln>
+            <a:noFill/>
+          </a:ln>
+        </p:spPr>
+        <p:style>
+          <a:lnRef idx="2">
+            <a:schemeClr val="accent1">
+              <a:shade val="50000"/>
+            </a:schemeClr>
+          </a:lnRef>
+          <a:fillRef idx="1">
+            <a:schemeClr val="accent1"/>
+          </a:fillRef>
+          <a:effectRef idx="0">
+            <a:schemeClr val="accent1"/>
+          </a:effectRef>
+          <a:fontRef idx="minor">
+            <a:schemeClr val="lt1"/>
+          </a:fontRef>
+        </p:style>
+        <p:txBody>
+          <a:bodyPr rtlCol="0" anchor="ctr"/>
+          <a:lstStyle/>
+          <a:p>
+            <a:pPr algn="ctr"/>
+            <a:endParaRPr lang="en-US"/>
+          </a:p>
+        </p:txBody>
+      </p:sp>
       <p:sp>
         <p:nvSpPr>
           <p:cNvPr id="2" name="Title 1">
@@ -7438,8 +9956,8 @@
         </p:nvSpPr>
         <p:spPr>
           <a:xfrm>
-            <a:off x="1484311" y="685800"/>
-            <a:ext cx="10018713" cy="1237211"/>
+            <a:off x="1018191" y="685800"/>
+            <a:ext cx="7411825" cy="1752599"/>
           </a:xfrm>
         </p:spPr>
         <p:txBody>
@@ -7448,19 +9966,20 @@
           </a:bodyPr>
           <a:lstStyle/>
           <a:p>
-            <a:r>
-              <a:rPr lang="en-US" sz="7200" dirty="0"/>
-              <a:t>Project Idea</a:t>
+            <a:pPr algn="l"/>
+            <a:r>
+              <a:rPr lang="en-US"/>
+              <a:t>Work Experiences</a:t>
             </a:r>
           </a:p>
         </p:txBody>
       </p:sp>
       <p:sp>
         <p:nvSpPr>
-          <p:cNvPr id="3" name="Content Placeholder 2">
+          <p:cNvPr id="4" name="Footer Placeholder 3">
             <a:extLst>
               <a:ext uri="{FF2B5EF4-FFF2-40B4-BE49-F238E27FC236}">
-                <a16:creationId xmlns:a16="http://schemas.microsoft.com/office/drawing/2014/main" id="{BF9E8292-8C19-421B-AD55-5F8615C6163F}"/>
+                <a16:creationId xmlns:a16="http://schemas.microsoft.com/office/drawing/2014/main" id="{C4E48D0F-DE48-48F5-AF93-1FE9E488B8A1}"/>
               </a:ext>
             </a:extLst>
           </p:cNvPr>
@@ -7468,13 +9987,13 @@
             <a:spLocks noGrp="1"/>
           </p:cNvSpPr>
           <p:nvPr>
-            <p:ph idx="1"/>
+            <p:ph type="ftr" sz="quarter" idx="11"/>
           </p:nvPr>
         </p:nvSpPr>
         <p:spPr>
           <a:xfrm>
-            <a:off x="1484310" y="2033847"/>
-            <a:ext cx="10018713" cy="4056611"/>
+            <a:off x="1018190" y="5883275"/>
+            <a:ext cx="5775900" cy="365125"/>
           </a:xfrm>
         </p:spPr>
         <p:txBody>
@@ -7483,55 +10002,448 @@
           </a:bodyPr>
           <a:lstStyle/>
           <a:p>
-            <a:r>
-              <a:rPr lang="en-US" sz="2800" b="1" dirty="0"/>
-              <a:t>iOS Application</a:t>
-            </a:r>
-          </a:p>
-          <a:p>
-            <a:pPr lvl="1"/>
-            <a:r>
-              <a:rPr lang="en-US" sz="2800" dirty="0"/>
-              <a:t>Using ML and AR to help users in Indoor Decorations</a:t>
-            </a:r>
-          </a:p>
-          <a:p>
-            <a:pPr lvl="1"/>
-            <a:r>
-              <a:rPr lang="en-US" sz="2800" dirty="0"/>
-              <a:t>ML learns rooms and identify objects</a:t>
-            </a:r>
-          </a:p>
-          <a:p>
-            <a:pPr lvl="1"/>
-            <a:r>
-              <a:rPr lang="en-US" sz="2800" dirty="0"/>
-              <a:t>AR allows users interacting with objects without actual touching them</a:t>
-            </a:r>
-          </a:p>
-          <a:p>
-            <a:pPr lvl="1"/>
-            <a:r>
-              <a:rPr lang="en-US" sz="2800" dirty="0"/>
-              <a:t>Apps import new virtual objects into real space.</a:t>
-            </a:r>
-          </a:p>
-        </p:txBody>
-      </p:sp>
-      <p:sp>
-        <p:nvSpPr>
-          <p:cNvPr id="4" name="Footer Placeholder 3">
+            <a:pPr>
+              <a:spcAft>
+                <a:spcPts val="600"/>
+              </a:spcAft>
+            </a:pPr>
+            <a:r>
+              <a:rPr lang="es-ES" err="1"/>
+              <a:t>EJay</a:t>
+            </a:r>
+            <a:r>
+              <a:rPr lang="es-ES"/>
+              <a:t> Guo          ejay.guo@gmail.com</a:t>
+            </a:r>
+            <a:endParaRPr lang="en-US"/>
+          </a:p>
+        </p:txBody>
+      </p:sp>
+      <p:grpSp>
+        <p:nvGrpSpPr>
+          <p:cNvPr id="11" name="Group 10">
             <a:extLst>
               <a:ext uri="{FF2B5EF4-FFF2-40B4-BE49-F238E27FC236}">
-                <a16:creationId xmlns:a16="http://schemas.microsoft.com/office/drawing/2014/main" id="{98C9864A-95D0-495B-8FEF-168534ADB51F}"/>
+                <a16:creationId xmlns:a16="http://schemas.microsoft.com/office/drawing/2014/main" id="{4B8492CB-DFBA-4A82-9778-F21493DA36C1}"/>
+              </a:ext>
+              <a:ext uri="{C183D7F6-B498-43B3-948B-1728B52AA6E4}">
+                <adec:decorative xmlns:adec="http://schemas.microsoft.com/office/drawing/2017/decorative" val="1"/>
               </a:ext>
             </a:extLst>
           </p:cNvPr>
+          <p:cNvGrpSpPr>
+            <a:grpSpLocks noGrp="1" noUngrp="1" noRot="1" noChangeAspect="1" noMove="1" noResize="1"/>
+          </p:cNvGrpSpPr>
+          <p:nvPr>
+            <p:extLst>
+              <p:ext uri="{386F3935-93C4-4BCD-93E2-E3B085C9AB24}">
+                <p16:designElem xmlns:p16="http://schemas.microsoft.com/office/powerpoint/2015/main" val="1"/>
+              </p:ext>
+            </p:extLst>
+          </p:nvPr>
+        </p:nvGrpSpPr>
+        <p:grpSpPr>
+          <a:xfrm flipH="1">
+            <a:off x="6526211" y="0"/>
+            <a:ext cx="5014912" cy="6862763"/>
+            <a:chOff x="2928938" y="-4763"/>
+            <a:chExt cx="5014912" cy="6862763"/>
+          </a:xfrm>
+        </p:grpSpPr>
+        <p:sp>
+          <p:nvSpPr>
+            <p:cNvPr id="12" name="Freeform 6">
+              <a:extLst>
+                <a:ext uri="{FF2B5EF4-FFF2-40B4-BE49-F238E27FC236}">
+                  <a16:creationId xmlns:a16="http://schemas.microsoft.com/office/drawing/2014/main" id="{E34CC1C8-EBDD-4AEA-83E6-B27575B62E2E}"/>
+                </a:ext>
+                <a:ext uri="{C183D7F6-B498-43B3-948B-1728B52AA6E4}">
+                  <adec:decorative xmlns:adec="http://schemas.microsoft.com/office/drawing/2017/decorative" val="1"/>
+                </a:ext>
+              </a:extLst>
+            </p:cNvPr>
+            <p:cNvSpPr/>
+            <p:nvPr>
+              <p:extLst>
+                <p:ext uri="{386F3935-93C4-4BCD-93E2-E3B085C9AB24}">
+                  <p16:designElem xmlns:p16="http://schemas.microsoft.com/office/powerpoint/2015/main" val="1"/>
+                </p:ext>
+              </p:extLst>
+            </p:nvPr>
+          </p:nvSpPr>
+          <p:spPr bwMode="auto">
+            <a:xfrm>
+              <a:off x="3367088" y="-4763"/>
+              <a:ext cx="1063625" cy="2782888"/>
+            </a:xfrm>
+            <a:custGeom>
+              <a:avLst/>
+              <a:gdLst/>
+              <a:ahLst/>
+              <a:cxnLst/>
+              <a:rect l="0" t="0" r="r" b="b"/>
+              <a:pathLst>
+                <a:path w="670" h="1753">
+                  <a:moveTo>
+                    <a:pt x="0" y="1696"/>
+                  </a:moveTo>
+                  <a:lnTo>
+                    <a:pt x="225" y="1753"/>
+                  </a:lnTo>
+                  <a:lnTo>
+                    <a:pt x="670" y="0"/>
+                  </a:lnTo>
+                  <a:lnTo>
+                    <a:pt x="430" y="0"/>
+                  </a:lnTo>
+                  <a:lnTo>
+                    <a:pt x="0" y="1696"/>
+                  </a:lnTo>
+                  <a:close/>
+                </a:path>
+              </a:pathLst>
+            </a:custGeom>
+            <a:solidFill>
+              <a:schemeClr val="accent1"/>
+            </a:solidFill>
+            <a:ln>
+              <a:noFill/>
+            </a:ln>
+          </p:spPr>
+        </p:sp>
+        <p:sp>
+          <p:nvSpPr>
+            <p:cNvPr id="13" name="Freeform 7">
+              <a:extLst>
+                <a:ext uri="{FF2B5EF4-FFF2-40B4-BE49-F238E27FC236}">
+                  <a16:creationId xmlns:a16="http://schemas.microsoft.com/office/drawing/2014/main" id="{D6B38644-B85D-4211-9526-5B4C2A662BF7}"/>
+                </a:ext>
+                <a:ext uri="{C183D7F6-B498-43B3-948B-1728B52AA6E4}">
+                  <adec:decorative xmlns:adec="http://schemas.microsoft.com/office/drawing/2017/decorative" val="1"/>
+                </a:ext>
+              </a:extLst>
+            </p:cNvPr>
+            <p:cNvSpPr/>
+            <p:nvPr>
+              <p:extLst>
+                <p:ext uri="{386F3935-93C4-4BCD-93E2-E3B085C9AB24}">
+                  <p16:designElem xmlns:p16="http://schemas.microsoft.com/office/powerpoint/2015/main" val="1"/>
+                </p:ext>
+              </p:extLst>
+            </p:nvPr>
+          </p:nvSpPr>
+          <p:spPr bwMode="auto">
+            <a:xfrm>
+              <a:off x="2928938" y="-4763"/>
+              <a:ext cx="1035050" cy="2673350"/>
+            </a:xfrm>
+            <a:custGeom>
+              <a:avLst/>
+              <a:gdLst/>
+              <a:ahLst/>
+              <a:cxnLst/>
+              <a:rect l="0" t="0" r="r" b="b"/>
+              <a:pathLst>
+                <a:path w="652" h="1684">
+                  <a:moveTo>
+                    <a:pt x="225" y="1684"/>
+                  </a:moveTo>
+                  <a:lnTo>
+                    <a:pt x="652" y="0"/>
+                  </a:lnTo>
+                  <a:lnTo>
+                    <a:pt x="411" y="0"/>
+                  </a:lnTo>
+                  <a:lnTo>
+                    <a:pt x="0" y="1627"/>
+                  </a:lnTo>
+                  <a:lnTo>
+                    <a:pt x="219" y="1681"/>
+                  </a:lnTo>
+                  <a:lnTo>
+                    <a:pt x="225" y="1684"/>
+                  </a:lnTo>
+                  <a:close/>
+                </a:path>
+              </a:pathLst>
+            </a:custGeom>
+            <a:solidFill>
+              <a:srgbClr val="595959"/>
+            </a:solidFill>
+            <a:ln>
+              <a:noFill/>
+            </a:ln>
+          </p:spPr>
+        </p:sp>
+        <p:sp>
+          <p:nvSpPr>
+            <p:cNvPr id="14" name="Freeform 12">
+              <a:extLst>
+                <a:ext uri="{FF2B5EF4-FFF2-40B4-BE49-F238E27FC236}">
+                  <a16:creationId xmlns:a16="http://schemas.microsoft.com/office/drawing/2014/main" id="{8A8B2820-6B8F-4C19-BFC5-D28EE44E54CB}"/>
+                </a:ext>
+                <a:ext uri="{C183D7F6-B498-43B3-948B-1728B52AA6E4}">
+                  <adec:decorative xmlns:adec="http://schemas.microsoft.com/office/drawing/2017/decorative" val="1"/>
+                </a:ext>
+              </a:extLst>
+            </p:cNvPr>
+            <p:cNvSpPr/>
+            <p:nvPr>
+              <p:extLst>
+                <p:ext uri="{386F3935-93C4-4BCD-93E2-E3B085C9AB24}">
+                  <p16:designElem xmlns:p16="http://schemas.microsoft.com/office/powerpoint/2015/main" val="1"/>
+                </p:ext>
+              </p:extLst>
+            </p:nvPr>
+          </p:nvSpPr>
+          <p:spPr bwMode="auto">
+            <a:xfrm>
+              <a:off x="2928938" y="2582862"/>
+              <a:ext cx="2693987" cy="4275138"/>
+            </a:xfrm>
+            <a:custGeom>
+              <a:avLst/>
+              <a:gdLst/>
+              <a:ahLst/>
+              <a:cxnLst/>
+              <a:rect l="0" t="0" r="r" b="b"/>
+              <a:pathLst>
+                <a:path w="1697" h="2693">
+                  <a:moveTo>
+                    <a:pt x="0" y="0"/>
+                  </a:moveTo>
+                  <a:lnTo>
+                    <a:pt x="1622" y="2693"/>
+                  </a:lnTo>
+                  <a:lnTo>
+                    <a:pt x="1697" y="2693"/>
+                  </a:lnTo>
+                  <a:lnTo>
+                    <a:pt x="0" y="0"/>
+                  </a:lnTo>
+                  <a:close/>
+                </a:path>
+              </a:pathLst>
+            </a:custGeom>
+            <a:solidFill>
+              <a:srgbClr val="262626"/>
+            </a:solidFill>
+            <a:ln>
+              <a:noFill/>
+            </a:ln>
+          </p:spPr>
+        </p:sp>
+        <p:sp>
+          <p:nvSpPr>
+            <p:cNvPr id="15" name="Freeform 13">
+              <a:extLst>
+                <a:ext uri="{FF2B5EF4-FFF2-40B4-BE49-F238E27FC236}">
+                  <a16:creationId xmlns:a16="http://schemas.microsoft.com/office/drawing/2014/main" id="{773528ED-4D37-4A77-A8CA-86B6221C5E82}"/>
+                </a:ext>
+                <a:ext uri="{C183D7F6-B498-43B3-948B-1728B52AA6E4}">
+                  <adec:decorative xmlns:adec="http://schemas.microsoft.com/office/drawing/2017/decorative" val="1"/>
+                </a:ext>
+              </a:extLst>
+            </p:cNvPr>
+            <p:cNvSpPr/>
+            <p:nvPr>
+              <p:extLst>
+                <p:ext uri="{386F3935-93C4-4BCD-93E2-E3B085C9AB24}">
+                  <p16:designElem xmlns:p16="http://schemas.microsoft.com/office/powerpoint/2015/main" val="1"/>
+                </p:ext>
+              </p:extLst>
+            </p:nvPr>
+          </p:nvSpPr>
+          <p:spPr bwMode="auto">
+            <a:xfrm>
+              <a:off x="3371850" y="2692400"/>
+              <a:ext cx="3332162" cy="4165600"/>
+            </a:xfrm>
+            <a:custGeom>
+              <a:avLst/>
+              <a:gdLst/>
+              <a:ahLst/>
+              <a:cxnLst/>
+              <a:rect l="0" t="0" r="r" b="b"/>
+              <a:pathLst>
+                <a:path w="2099" h="2624">
+                  <a:moveTo>
+                    <a:pt x="2099" y="2624"/>
+                  </a:moveTo>
+                  <a:lnTo>
+                    <a:pt x="0" y="0"/>
+                  </a:lnTo>
+                  <a:lnTo>
+                    <a:pt x="2021" y="2624"/>
+                  </a:lnTo>
+                  <a:lnTo>
+                    <a:pt x="2099" y="2624"/>
+                  </a:lnTo>
+                  <a:close/>
+                </a:path>
+              </a:pathLst>
+            </a:custGeom>
+            <a:solidFill>
+              <a:schemeClr val="accent1">
+                <a:lumMod val="50000"/>
+              </a:schemeClr>
+            </a:solidFill>
+            <a:ln>
+              <a:noFill/>
+            </a:ln>
+          </p:spPr>
+        </p:sp>
+        <p:sp>
+          <p:nvSpPr>
+            <p:cNvPr id="16" name="Freeform 14">
+              <a:extLst>
+                <a:ext uri="{FF2B5EF4-FFF2-40B4-BE49-F238E27FC236}">
+                  <a16:creationId xmlns:a16="http://schemas.microsoft.com/office/drawing/2014/main" id="{8A58A902-E944-4399-9A93-A91A6A82B166}"/>
+                </a:ext>
+                <a:ext uri="{C183D7F6-B498-43B3-948B-1728B52AA6E4}">
+                  <adec:decorative xmlns:adec="http://schemas.microsoft.com/office/drawing/2017/decorative" val="1"/>
+                </a:ext>
+              </a:extLst>
+            </p:cNvPr>
+            <p:cNvSpPr/>
+            <p:nvPr>
+              <p:extLst>
+                <p:ext uri="{386F3935-93C4-4BCD-93E2-E3B085C9AB24}">
+                  <p16:designElem xmlns:p16="http://schemas.microsoft.com/office/powerpoint/2015/main" val="1"/>
+                </p:ext>
+              </p:extLst>
+            </p:nvPr>
+          </p:nvSpPr>
+          <p:spPr bwMode="auto">
+            <a:xfrm>
+              <a:off x="3367088" y="2687637"/>
+              <a:ext cx="4576762" cy="4170363"/>
+            </a:xfrm>
+            <a:custGeom>
+              <a:avLst/>
+              <a:gdLst/>
+              <a:ahLst/>
+              <a:cxnLst/>
+              <a:rect l="0" t="0" r="r" b="b"/>
+              <a:pathLst>
+                <a:path w="2883" h="2627">
+                  <a:moveTo>
+                    <a:pt x="0" y="0"/>
+                  </a:moveTo>
+                  <a:lnTo>
+                    <a:pt x="3" y="3"/>
+                  </a:lnTo>
+                  <a:lnTo>
+                    <a:pt x="2102" y="2627"/>
+                  </a:lnTo>
+                  <a:lnTo>
+                    <a:pt x="2883" y="2627"/>
+                  </a:lnTo>
+                  <a:lnTo>
+                    <a:pt x="225" y="57"/>
+                  </a:lnTo>
+                  <a:lnTo>
+                    <a:pt x="0" y="0"/>
+                  </a:lnTo>
+                  <a:close/>
+                </a:path>
+              </a:pathLst>
+            </a:custGeom>
+            <a:solidFill>
+              <a:schemeClr val="accent1">
+                <a:lumMod val="75000"/>
+              </a:schemeClr>
+            </a:solidFill>
+            <a:ln>
+              <a:noFill/>
+            </a:ln>
+          </p:spPr>
+        </p:sp>
+        <p:sp>
+          <p:nvSpPr>
+            <p:cNvPr id="17" name="Freeform 15">
+              <a:extLst>
+                <a:ext uri="{FF2B5EF4-FFF2-40B4-BE49-F238E27FC236}">
+                  <a16:creationId xmlns:a16="http://schemas.microsoft.com/office/drawing/2014/main" id="{4EDB1155-2E8E-4FB8-AD42-101FE4383231}"/>
+                </a:ext>
+                <a:ext uri="{C183D7F6-B498-43B3-948B-1728B52AA6E4}">
+                  <adec:decorative xmlns:adec="http://schemas.microsoft.com/office/drawing/2017/decorative" val="1"/>
+                </a:ext>
+              </a:extLst>
+            </p:cNvPr>
+            <p:cNvSpPr/>
+            <p:nvPr>
+              <p:extLst>
+                <p:ext uri="{386F3935-93C4-4BCD-93E2-E3B085C9AB24}">
+                  <p16:designElem xmlns:p16="http://schemas.microsoft.com/office/powerpoint/2015/main" val="1"/>
+                </p:ext>
+              </p:extLst>
+            </p:nvPr>
+          </p:nvSpPr>
+          <p:spPr bwMode="auto">
+            <a:xfrm>
+              <a:off x="2928938" y="2578100"/>
+              <a:ext cx="3584575" cy="4279900"/>
+            </a:xfrm>
+            <a:custGeom>
+              <a:avLst/>
+              <a:gdLst/>
+              <a:ahLst/>
+              <a:cxnLst/>
+              <a:rect l="0" t="0" r="r" b="b"/>
+              <a:pathLst>
+                <a:path w="2258" h="2696">
+                  <a:moveTo>
+                    <a:pt x="2258" y="2696"/>
+                  </a:moveTo>
+                  <a:lnTo>
+                    <a:pt x="264" y="111"/>
+                  </a:lnTo>
+                  <a:lnTo>
+                    <a:pt x="228" y="60"/>
+                  </a:lnTo>
+                  <a:lnTo>
+                    <a:pt x="225" y="57"/>
+                  </a:lnTo>
+                  <a:lnTo>
+                    <a:pt x="0" y="0"/>
+                  </a:lnTo>
+                  <a:lnTo>
+                    <a:pt x="0" y="3"/>
+                  </a:lnTo>
+                  <a:lnTo>
+                    <a:pt x="1697" y="2696"/>
+                  </a:lnTo>
+                  <a:lnTo>
+                    <a:pt x="2258" y="2696"/>
+                  </a:lnTo>
+                  <a:close/>
+                </a:path>
+              </a:pathLst>
+            </a:custGeom>
+            <a:solidFill>
+              <a:srgbClr val="404040"/>
+            </a:solidFill>
+            <a:ln>
+              <a:noFill/>
+            </a:ln>
+          </p:spPr>
+        </p:sp>
+      </p:grpSp>
+      <p:sp>
+        <p:nvSpPr>
+          <p:cNvPr id="6" name="Content Placeholder 5">
+            <a:extLst>
+              <a:ext uri="{FF2B5EF4-FFF2-40B4-BE49-F238E27FC236}">
+                <a16:creationId xmlns:a16="http://schemas.microsoft.com/office/drawing/2014/main" id="{2F6D9AC6-960A-4F94-A940-79EAA3A6B271}"/>
+              </a:ext>
+            </a:extLst>
+          </p:cNvPr>
           <p:cNvSpPr>
             <a:spLocks noGrp="1"/>
           </p:cNvSpPr>
           <p:nvPr>
-            <p:ph type="ftr" sz="quarter" idx="11"/>
+            <p:ph idx="1"/>
           </p:nvPr>
         </p:nvSpPr>
         <p:spPr/>
@@ -7539,35 +10451,106 @@
           <a:bodyPr/>
           <a:lstStyle/>
           <a:p>
-            <a:pPr algn="r"/>
-            <a:r>
-              <a:rPr lang="es-ES" sz="2000" dirty="0" err="1"/>
-              <a:t>EJay</a:t>
-            </a:r>
-            <a:r>
-              <a:rPr lang="es-ES" sz="2000" dirty="0"/>
-              <a:t> Guo          ejay.guo@gmail.com</a:t>
-            </a:r>
-            <a:endParaRPr lang="en-US" sz="2000" dirty="0"/>
-          </a:p>
-        </p:txBody>
-      </p:sp>
+            <a:endParaRPr lang="en-US"/>
+          </a:p>
+        </p:txBody>
+      </p:sp>
+      <p:pic>
+        <p:nvPicPr>
+          <p:cNvPr id="18" name="Picture 17">
+            <a:extLst>
+              <a:ext uri="{FF2B5EF4-FFF2-40B4-BE49-F238E27FC236}">
+                <a16:creationId xmlns:a16="http://schemas.microsoft.com/office/drawing/2014/main" id="{084CB304-2ECD-4048-A7F9-78992CE4377B}"/>
+              </a:ext>
+            </a:extLst>
+          </p:cNvPr>
+          <p:cNvPicPr>
+            <a:picLocks noChangeAspect="1"/>
+          </p:cNvPicPr>
+          <p:nvPr/>
+        </p:nvPicPr>
+        <p:blipFill>
+          <a:blip r:embed="rId2">
+            <a:extLst>
+              <a:ext uri="{28A0092B-C50C-407E-A947-70E740481C1C}">
+                <a14:useLocalDpi xmlns:a14="http://schemas.microsoft.com/office/drawing/2010/main" val="0"/>
+              </a:ext>
+            </a:extLst>
+          </a:blip>
+          <a:stretch>
+            <a:fillRect/>
+          </a:stretch>
+        </p:blipFill>
+        <p:spPr>
+          <a:xfrm>
+            <a:off x="5305282" y="2007493"/>
+            <a:ext cx="4194686" cy="1871780"/>
+          </a:xfrm>
+          <a:prstGeom prst="rect">
+            <a:avLst/>
+          </a:prstGeom>
+        </p:spPr>
+      </p:pic>
+      <p:pic>
+        <p:nvPicPr>
+          <p:cNvPr id="19" name="Content Placeholder 4">
+            <a:extLst>
+              <a:ext uri="{FF2B5EF4-FFF2-40B4-BE49-F238E27FC236}">
+                <a16:creationId xmlns:a16="http://schemas.microsoft.com/office/drawing/2014/main" id="{04EB4734-274C-4E4B-8461-0FD8653A001D}"/>
+              </a:ext>
+            </a:extLst>
+          </p:cNvPr>
+          <p:cNvPicPr>
+            <a:picLocks noChangeAspect="1"/>
+          </p:cNvPicPr>
+          <p:nvPr/>
+        </p:nvPicPr>
+        <p:blipFill>
+          <a:blip r:embed="rId3">
+            <a:extLst>
+              <a:ext uri="{28A0092B-C50C-407E-A947-70E740481C1C}">
+                <a14:useLocalDpi xmlns:a14="http://schemas.microsoft.com/office/drawing/2010/main" val="0"/>
+              </a:ext>
+            </a:extLst>
+          </a:blip>
+          <a:stretch>
+            <a:fillRect/>
+          </a:stretch>
+        </p:blipFill>
+        <p:spPr>
+          <a:xfrm>
+            <a:off x="998976" y="2012256"/>
+            <a:ext cx="5055145" cy="3795712"/>
+          </a:xfrm>
+          <a:prstGeom prst="rect">
+            <a:avLst/>
+          </a:prstGeom>
+        </p:spPr>
+      </p:pic>
     </p:spTree>
     <p:extLst>
       <p:ext uri="{BB962C8B-B14F-4D97-AF65-F5344CB8AC3E}">
-        <p14:creationId xmlns:p14="http://schemas.microsoft.com/office/powerpoint/2010/main" val="3301975560"/>
+        <p14:creationId xmlns:p14="http://schemas.microsoft.com/office/powerpoint/2010/main" val="1103177093"/>
       </p:ext>
     </p:extLst>
   </p:cSld>
   <p:clrMapOvr>
-    <a:masterClrMapping/>
+    <a:overrideClrMapping bg1="dk1" tx1="lt1" bg2="dk2" tx2="lt2" accent1="accent1" accent2="accent2" accent3="accent3" accent4="accent4" accent5="accent5" accent6="accent6" hlink="hlink" folHlink="folHlink"/>
   </p:clrMapOvr>
 </p:sld>
 </file>
 
-<file path=ppt/slides/slide7.xml><?xml version="1.0" encoding="utf-8"?>
+<file path=ppt/slides/slide6.xml><?xml version="1.0" encoding="utf-8"?>
 <p:sld xmlns:a="http://schemas.openxmlformats.org/drawingml/2006/main" xmlns:r="http://schemas.openxmlformats.org/officeDocument/2006/relationships" xmlns:p="http://schemas.openxmlformats.org/presentationml/2006/main">
   <p:cSld>
+    <p:bg>
+      <p:bgPr>
+        <a:solidFill>
+          <a:schemeClr val="bg2"/>
+        </a:solidFill>
+        <a:effectLst/>
+      </p:bgPr>
+    </p:bg>
     <p:spTree>
       <p:nvGrpSpPr>
         <p:cNvPr id="1" name=""/>
@@ -7582,6 +10565,66 @@
           <a:chExt cx="0" cy="0"/>
         </a:xfrm>
       </p:grpSpPr>
+      <p:sp useBgFill="1">
+        <p:nvSpPr>
+          <p:cNvPr id="9" name="Rectangle 8">
+            <a:extLst>
+              <a:ext uri="{FF2B5EF4-FFF2-40B4-BE49-F238E27FC236}">
+                <a16:creationId xmlns:a16="http://schemas.microsoft.com/office/drawing/2014/main" id="{99CAC3B1-4879-424D-8F15-206277196159}"/>
+              </a:ext>
+              <a:ext uri="{C183D7F6-B498-43B3-948B-1728B52AA6E4}">
+                <adec:decorative xmlns:adec="http://schemas.microsoft.com/office/drawing/2017/decorative" val="1"/>
+              </a:ext>
+            </a:extLst>
+          </p:cNvPr>
+          <p:cNvSpPr>
+            <a:spLocks noGrp="1" noRot="1" noChangeAspect="1" noMove="1" noResize="1" noEditPoints="1" noAdjustHandles="1" noChangeArrowheads="1" noChangeShapeType="1" noTextEdit="1"/>
+          </p:cNvSpPr>
+          <p:nvPr>
+            <p:extLst>
+              <p:ext uri="{386F3935-93C4-4BCD-93E2-E3B085C9AB24}">
+                <p16:designElem xmlns:p16="http://schemas.microsoft.com/office/powerpoint/2015/main" val="1"/>
+              </p:ext>
+            </p:extLst>
+          </p:nvPr>
+        </p:nvSpPr>
+        <p:spPr>
+          <a:xfrm>
+            <a:off x="0" y="0"/>
+            <a:ext cx="12192000" cy="6858000"/>
+          </a:xfrm>
+          <a:prstGeom prst="rect">
+            <a:avLst/>
+          </a:prstGeom>
+          <a:ln>
+            <a:noFill/>
+          </a:ln>
+        </p:spPr>
+        <p:style>
+          <a:lnRef idx="2">
+            <a:schemeClr val="accent1">
+              <a:shade val="50000"/>
+            </a:schemeClr>
+          </a:lnRef>
+          <a:fillRef idx="1">
+            <a:schemeClr val="accent1"/>
+          </a:fillRef>
+          <a:effectRef idx="0">
+            <a:schemeClr val="accent1"/>
+          </a:effectRef>
+          <a:fontRef idx="minor">
+            <a:schemeClr val="lt1"/>
+          </a:fontRef>
+        </p:style>
+        <p:txBody>
+          <a:bodyPr rtlCol="0" anchor="ctr"/>
+          <a:lstStyle/>
+          <a:p>
+            <a:pPr algn="ctr"/>
+            <a:endParaRPr lang="en-US"/>
+          </a:p>
+        </p:txBody>
+      </p:sp>
       <p:sp>
         <p:nvSpPr>
           <p:cNvPr id="2" name="Title 1">
@@ -7600,8 +10643,8 @@
         </p:nvSpPr>
         <p:spPr>
           <a:xfrm>
-            <a:off x="1484311" y="685800"/>
-            <a:ext cx="10018713" cy="1237211"/>
+            <a:off x="1018191" y="685800"/>
+            <a:ext cx="7411825" cy="1752599"/>
           </a:xfrm>
         </p:spPr>
         <p:txBody>
@@ -7610,9 +10653,10 @@
           </a:bodyPr>
           <a:lstStyle/>
           <a:p>
-            <a:r>
-              <a:rPr lang="en-US" sz="7200" dirty="0"/>
-              <a:t>Team Info </a:t>
+            <a:pPr algn="l"/>
+            <a:r>
+              <a:rPr lang="en-US"/>
+              <a:t>Work Experiences</a:t>
             </a:r>
           </a:p>
         </p:txBody>
@@ -7635,8 +10679,80 @@
         </p:nvSpPr>
         <p:spPr>
           <a:xfrm>
-            <a:off x="1484310" y="1798320"/>
-            <a:ext cx="10018713" cy="4450080"/>
+            <a:off x="1018190" y="1960419"/>
+            <a:ext cx="7243603" cy="3425774"/>
+          </a:xfrm>
+        </p:spPr>
+        <p:txBody>
+          <a:bodyPr anchor="t">
+            <a:normAutofit/>
+          </a:bodyPr>
+          <a:lstStyle/>
+          <a:p>
+            <a:r>
+              <a:rPr lang="en-US" dirty="0"/>
+              <a:t>Gameplay and Engine Programmer</a:t>
+            </a:r>
+          </a:p>
+          <a:p>
+            <a:pPr marL="0" indent="0">
+              <a:buNone/>
+            </a:pPr>
+            <a:r>
+              <a:rPr lang="en-US" dirty="0"/>
+              <a:t>		[1] Graphics, Physics, Event Dispatcher, </a:t>
+            </a:r>
+            <a:r>
+              <a:rPr lang="en-US" dirty="0" err="1"/>
+              <a:t>etc</a:t>
+            </a:r>
+            <a:endParaRPr lang="en-US" dirty="0"/>
+          </a:p>
+          <a:p>
+            <a:pPr marL="0" indent="0">
+              <a:buNone/>
+            </a:pPr>
+            <a:r>
+              <a:rPr lang="en-US" dirty="0"/>
+              <a:t>		[2] Gameplay, AI, UI, </a:t>
+            </a:r>
+            <a:r>
+              <a:rPr lang="en-US" dirty="0" err="1"/>
+              <a:t>etc</a:t>
+            </a:r>
+            <a:endParaRPr lang="en-US" dirty="0"/>
+          </a:p>
+          <a:p>
+            <a:pPr marL="0" indent="0">
+              <a:buNone/>
+            </a:pPr>
+            <a:r>
+              <a:rPr lang="en-US" dirty="0"/>
+              <a:t>		[3] Mobile Development</a:t>
+            </a:r>
+          </a:p>
+        </p:txBody>
+      </p:sp>
+      <p:sp>
+        <p:nvSpPr>
+          <p:cNvPr id="4" name="Footer Placeholder 3">
+            <a:extLst>
+              <a:ext uri="{FF2B5EF4-FFF2-40B4-BE49-F238E27FC236}">
+                <a16:creationId xmlns:a16="http://schemas.microsoft.com/office/drawing/2014/main" id="{0F3DFA93-9DF0-4B57-A99A-F370DD713E9A}"/>
+              </a:ext>
+            </a:extLst>
+          </p:cNvPr>
+          <p:cNvSpPr>
+            <a:spLocks noGrp="1"/>
+          </p:cNvSpPr>
+          <p:nvPr>
+            <p:ph type="ftr" sz="quarter" idx="11"/>
+          </p:nvPr>
+        </p:nvSpPr>
+        <p:spPr>
+          <a:xfrm>
+            <a:off x="1018190" y="5883275"/>
+            <a:ext cx="5775900" cy="365125"/>
           </a:xfrm>
         </p:spPr>
         <p:txBody>
@@ -7645,131 +10761,458 @@
           </a:bodyPr>
           <a:lstStyle/>
           <a:p>
-            <a:r>
-              <a:rPr lang="en-US" sz="2000" dirty="0"/>
-              <a:t>We are Recruiting</a:t>
-            </a:r>
-          </a:p>
-          <a:p>
-            <a:pPr lvl="1"/>
-            <a:r>
-              <a:rPr lang="en-US" b="1" dirty="0"/>
-              <a:t>iOS Developer </a:t>
-            </a:r>
-          </a:p>
-          <a:p>
-            <a:pPr marL="0" indent="0">
-              <a:buNone/>
+            <a:pPr>
+              <a:spcAft>
+                <a:spcPts val="600"/>
+              </a:spcAft>
             </a:pPr>
             <a:r>
-              <a:rPr lang="en-US" sz="2000" b="1" dirty="0"/>
-              <a:t>		</a:t>
-            </a:r>
-            <a:r>
-              <a:rPr lang="en-US" sz="2000" dirty="0"/>
-              <a:t>[1] Familiar with Swift, Objective-C or C++ and Cocoa API</a:t>
-            </a:r>
-          </a:p>
-          <a:p>
-            <a:pPr marL="0" indent="0">
-              <a:buNone/>
-            </a:pPr>
-            <a:r>
-              <a:rPr lang="en-US" sz="2000" dirty="0"/>
-              <a:t>		[2] Experienced in deploying and debugging Apps on iOS Devices</a:t>
-            </a:r>
-            <a:endParaRPr lang="en-US" sz="2000" b="1" dirty="0"/>
-          </a:p>
-          <a:p>
-            <a:pPr lvl="1"/>
-            <a:r>
-              <a:rPr lang="en-US" b="1" dirty="0"/>
-              <a:t>Writer &amp; QA</a:t>
-            </a:r>
-          </a:p>
-          <a:p>
-            <a:pPr marL="457200" lvl="1" indent="0">
-              <a:buNone/>
-            </a:pPr>
-            <a:r>
-              <a:rPr lang="en-US" b="1" dirty="0"/>
-              <a:t>	</a:t>
-            </a:r>
-            <a:r>
-              <a:rPr lang="en-US" dirty="0"/>
-              <a:t>[1] Grade A Required in WRTG 3014 Scientific Writing</a:t>
-            </a:r>
-          </a:p>
-          <a:p>
-            <a:pPr marL="457200" lvl="1" indent="0">
-              <a:buNone/>
-            </a:pPr>
-            <a:r>
-              <a:rPr lang="en-US" dirty="0"/>
-              <a:t>	[2] Quick Learner being Familiar with ML</a:t>
-            </a:r>
-          </a:p>
-          <a:p>
-            <a:pPr marL="457200" lvl="1" indent="0">
-              <a:buNone/>
-            </a:pPr>
-            <a:r>
-              <a:rPr lang="en-US" dirty="0"/>
-              <a:t>	[3] Good Debugging and Problem Analyzing Capabilities</a:t>
-            </a:r>
-          </a:p>
-        </p:txBody>
-      </p:sp>
-      <p:sp>
-        <p:nvSpPr>
-          <p:cNvPr id="4" name="Footer Placeholder 3">
+              <a:rPr lang="es-ES" err="1"/>
+              <a:t>EJay</a:t>
+            </a:r>
+            <a:r>
+              <a:rPr lang="es-ES"/>
+              <a:t> Guo          ejay.guo@gmail.com</a:t>
+            </a:r>
+            <a:endParaRPr lang="en-US"/>
+          </a:p>
+        </p:txBody>
+      </p:sp>
+      <p:grpSp>
+        <p:nvGrpSpPr>
+          <p:cNvPr id="11" name="Group 10">
             <a:extLst>
               <a:ext uri="{FF2B5EF4-FFF2-40B4-BE49-F238E27FC236}">
-                <a16:creationId xmlns:a16="http://schemas.microsoft.com/office/drawing/2014/main" id="{4E0DC5AB-458C-499A-BF4B-8A0BA8BC8A17}"/>
+                <a16:creationId xmlns:a16="http://schemas.microsoft.com/office/drawing/2014/main" id="{4B8492CB-DFBA-4A82-9778-F21493DA36C1}"/>
+              </a:ext>
+              <a:ext uri="{C183D7F6-B498-43B3-948B-1728B52AA6E4}">
+                <adec:decorative xmlns:adec="http://schemas.microsoft.com/office/drawing/2017/decorative" val="1"/>
               </a:ext>
             </a:extLst>
           </p:cNvPr>
-          <p:cNvSpPr>
-            <a:spLocks noGrp="1"/>
-          </p:cNvSpPr>
-          <p:nvPr>
-            <p:ph type="ftr" sz="quarter" idx="11"/>
-          </p:nvPr>
-        </p:nvSpPr>
-        <p:spPr/>
-        <p:txBody>
-          <a:bodyPr/>
-          <a:lstStyle/>
-          <a:p>
-            <a:pPr algn="r"/>
-            <a:r>
-              <a:rPr lang="es-ES" sz="2000" dirty="0" err="1"/>
-              <a:t>EJay</a:t>
-            </a:r>
-            <a:r>
-              <a:rPr lang="es-ES" sz="2000" dirty="0"/>
-              <a:t> Guo          ejay.guo@gmail.com</a:t>
-            </a:r>
-            <a:endParaRPr lang="en-US" sz="2000" dirty="0"/>
-          </a:p>
-        </p:txBody>
-      </p:sp>
+          <p:cNvGrpSpPr>
+            <a:grpSpLocks noGrp="1" noUngrp="1" noRot="1" noChangeAspect="1" noMove="1" noResize="1"/>
+          </p:cNvGrpSpPr>
+          <p:nvPr>
+            <p:extLst>
+              <p:ext uri="{386F3935-93C4-4BCD-93E2-E3B085C9AB24}">
+                <p16:designElem xmlns:p16="http://schemas.microsoft.com/office/powerpoint/2015/main" val="1"/>
+              </p:ext>
+            </p:extLst>
+          </p:nvPr>
+        </p:nvGrpSpPr>
+        <p:grpSpPr>
+          <a:xfrm flipH="1">
+            <a:off x="6526211" y="0"/>
+            <a:ext cx="5014912" cy="6862763"/>
+            <a:chOff x="2928938" y="-4763"/>
+            <a:chExt cx="5014912" cy="6862763"/>
+          </a:xfrm>
+        </p:grpSpPr>
+        <p:sp>
+          <p:nvSpPr>
+            <p:cNvPr id="12" name="Freeform 6">
+              <a:extLst>
+                <a:ext uri="{FF2B5EF4-FFF2-40B4-BE49-F238E27FC236}">
+                  <a16:creationId xmlns:a16="http://schemas.microsoft.com/office/drawing/2014/main" id="{E34CC1C8-EBDD-4AEA-83E6-B27575B62E2E}"/>
+                </a:ext>
+                <a:ext uri="{C183D7F6-B498-43B3-948B-1728B52AA6E4}">
+                  <adec:decorative xmlns:adec="http://schemas.microsoft.com/office/drawing/2017/decorative" val="1"/>
+                </a:ext>
+              </a:extLst>
+            </p:cNvPr>
+            <p:cNvSpPr/>
+            <p:nvPr>
+              <p:extLst>
+                <p:ext uri="{386F3935-93C4-4BCD-93E2-E3B085C9AB24}">
+                  <p16:designElem xmlns:p16="http://schemas.microsoft.com/office/powerpoint/2015/main" val="1"/>
+                </p:ext>
+              </p:extLst>
+            </p:nvPr>
+          </p:nvSpPr>
+          <p:spPr bwMode="auto">
+            <a:xfrm>
+              <a:off x="3367088" y="-4763"/>
+              <a:ext cx="1063625" cy="2782888"/>
+            </a:xfrm>
+            <a:custGeom>
+              <a:avLst/>
+              <a:gdLst/>
+              <a:ahLst/>
+              <a:cxnLst/>
+              <a:rect l="0" t="0" r="r" b="b"/>
+              <a:pathLst>
+                <a:path w="670" h="1753">
+                  <a:moveTo>
+                    <a:pt x="0" y="1696"/>
+                  </a:moveTo>
+                  <a:lnTo>
+                    <a:pt x="225" y="1753"/>
+                  </a:lnTo>
+                  <a:lnTo>
+                    <a:pt x="670" y="0"/>
+                  </a:lnTo>
+                  <a:lnTo>
+                    <a:pt x="430" y="0"/>
+                  </a:lnTo>
+                  <a:lnTo>
+                    <a:pt x="0" y="1696"/>
+                  </a:lnTo>
+                  <a:close/>
+                </a:path>
+              </a:pathLst>
+            </a:custGeom>
+            <a:solidFill>
+              <a:schemeClr val="accent1"/>
+            </a:solidFill>
+            <a:ln>
+              <a:noFill/>
+            </a:ln>
+          </p:spPr>
+        </p:sp>
+        <p:sp>
+          <p:nvSpPr>
+            <p:cNvPr id="13" name="Freeform 7">
+              <a:extLst>
+                <a:ext uri="{FF2B5EF4-FFF2-40B4-BE49-F238E27FC236}">
+                  <a16:creationId xmlns:a16="http://schemas.microsoft.com/office/drawing/2014/main" id="{D6B38644-B85D-4211-9526-5B4C2A662BF7}"/>
+                </a:ext>
+                <a:ext uri="{C183D7F6-B498-43B3-948B-1728B52AA6E4}">
+                  <adec:decorative xmlns:adec="http://schemas.microsoft.com/office/drawing/2017/decorative" val="1"/>
+                </a:ext>
+              </a:extLst>
+            </p:cNvPr>
+            <p:cNvSpPr/>
+            <p:nvPr>
+              <p:extLst>
+                <p:ext uri="{386F3935-93C4-4BCD-93E2-E3B085C9AB24}">
+                  <p16:designElem xmlns:p16="http://schemas.microsoft.com/office/powerpoint/2015/main" val="1"/>
+                </p:ext>
+              </p:extLst>
+            </p:nvPr>
+          </p:nvSpPr>
+          <p:spPr bwMode="auto">
+            <a:xfrm>
+              <a:off x="2928938" y="-4763"/>
+              <a:ext cx="1035050" cy="2673350"/>
+            </a:xfrm>
+            <a:custGeom>
+              <a:avLst/>
+              <a:gdLst/>
+              <a:ahLst/>
+              <a:cxnLst/>
+              <a:rect l="0" t="0" r="r" b="b"/>
+              <a:pathLst>
+                <a:path w="652" h="1684">
+                  <a:moveTo>
+                    <a:pt x="225" y="1684"/>
+                  </a:moveTo>
+                  <a:lnTo>
+                    <a:pt x="652" y="0"/>
+                  </a:lnTo>
+                  <a:lnTo>
+                    <a:pt x="411" y="0"/>
+                  </a:lnTo>
+                  <a:lnTo>
+                    <a:pt x="0" y="1627"/>
+                  </a:lnTo>
+                  <a:lnTo>
+                    <a:pt x="219" y="1681"/>
+                  </a:lnTo>
+                  <a:lnTo>
+                    <a:pt x="225" y="1684"/>
+                  </a:lnTo>
+                  <a:close/>
+                </a:path>
+              </a:pathLst>
+            </a:custGeom>
+            <a:solidFill>
+              <a:srgbClr val="595959"/>
+            </a:solidFill>
+            <a:ln>
+              <a:noFill/>
+            </a:ln>
+          </p:spPr>
+        </p:sp>
+        <p:sp>
+          <p:nvSpPr>
+            <p:cNvPr id="14" name="Freeform 12">
+              <a:extLst>
+                <a:ext uri="{FF2B5EF4-FFF2-40B4-BE49-F238E27FC236}">
+                  <a16:creationId xmlns:a16="http://schemas.microsoft.com/office/drawing/2014/main" id="{8A8B2820-6B8F-4C19-BFC5-D28EE44E54CB}"/>
+                </a:ext>
+                <a:ext uri="{C183D7F6-B498-43B3-948B-1728B52AA6E4}">
+                  <adec:decorative xmlns:adec="http://schemas.microsoft.com/office/drawing/2017/decorative" val="1"/>
+                </a:ext>
+              </a:extLst>
+            </p:cNvPr>
+            <p:cNvSpPr/>
+            <p:nvPr>
+              <p:extLst>
+                <p:ext uri="{386F3935-93C4-4BCD-93E2-E3B085C9AB24}">
+                  <p16:designElem xmlns:p16="http://schemas.microsoft.com/office/powerpoint/2015/main" val="1"/>
+                </p:ext>
+              </p:extLst>
+            </p:nvPr>
+          </p:nvSpPr>
+          <p:spPr bwMode="auto">
+            <a:xfrm>
+              <a:off x="2928938" y="2582862"/>
+              <a:ext cx="2693987" cy="4275138"/>
+            </a:xfrm>
+            <a:custGeom>
+              <a:avLst/>
+              <a:gdLst/>
+              <a:ahLst/>
+              <a:cxnLst/>
+              <a:rect l="0" t="0" r="r" b="b"/>
+              <a:pathLst>
+                <a:path w="1697" h="2693">
+                  <a:moveTo>
+                    <a:pt x="0" y="0"/>
+                  </a:moveTo>
+                  <a:lnTo>
+                    <a:pt x="1622" y="2693"/>
+                  </a:lnTo>
+                  <a:lnTo>
+                    <a:pt x="1697" y="2693"/>
+                  </a:lnTo>
+                  <a:lnTo>
+                    <a:pt x="0" y="0"/>
+                  </a:lnTo>
+                  <a:close/>
+                </a:path>
+              </a:pathLst>
+            </a:custGeom>
+            <a:solidFill>
+              <a:srgbClr val="262626"/>
+            </a:solidFill>
+            <a:ln>
+              <a:noFill/>
+            </a:ln>
+          </p:spPr>
+        </p:sp>
+        <p:sp>
+          <p:nvSpPr>
+            <p:cNvPr id="15" name="Freeform 13">
+              <a:extLst>
+                <a:ext uri="{FF2B5EF4-FFF2-40B4-BE49-F238E27FC236}">
+                  <a16:creationId xmlns:a16="http://schemas.microsoft.com/office/drawing/2014/main" id="{773528ED-4D37-4A77-A8CA-86B6221C5E82}"/>
+                </a:ext>
+                <a:ext uri="{C183D7F6-B498-43B3-948B-1728B52AA6E4}">
+                  <adec:decorative xmlns:adec="http://schemas.microsoft.com/office/drawing/2017/decorative" val="1"/>
+                </a:ext>
+              </a:extLst>
+            </p:cNvPr>
+            <p:cNvSpPr/>
+            <p:nvPr>
+              <p:extLst>
+                <p:ext uri="{386F3935-93C4-4BCD-93E2-E3B085C9AB24}">
+                  <p16:designElem xmlns:p16="http://schemas.microsoft.com/office/powerpoint/2015/main" val="1"/>
+                </p:ext>
+              </p:extLst>
+            </p:nvPr>
+          </p:nvSpPr>
+          <p:spPr bwMode="auto">
+            <a:xfrm>
+              <a:off x="3371850" y="2692400"/>
+              <a:ext cx="3332162" cy="4165600"/>
+            </a:xfrm>
+            <a:custGeom>
+              <a:avLst/>
+              <a:gdLst/>
+              <a:ahLst/>
+              <a:cxnLst/>
+              <a:rect l="0" t="0" r="r" b="b"/>
+              <a:pathLst>
+                <a:path w="2099" h="2624">
+                  <a:moveTo>
+                    <a:pt x="2099" y="2624"/>
+                  </a:moveTo>
+                  <a:lnTo>
+                    <a:pt x="0" y="0"/>
+                  </a:lnTo>
+                  <a:lnTo>
+                    <a:pt x="2021" y="2624"/>
+                  </a:lnTo>
+                  <a:lnTo>
+                    <a:pt x="2099" y="2624"/>
+                  </a:lnTo>
+                  <a:close/>
+                </a:path>
+              </a:pathLst>
+            </a:custGeom>
+            <a:solidFill>
+              <a:schemeClr val="accent1">
+                <a:lumMod val="50000"/>
+              </a:schemeClr>
+            </a:solidFill>
+            <a:ln>
+              <a:noFill/>
+            </a:ln>
+          </p:spPr>
+        </p:sp>
+        <p:sp>
+          <p:nvSpPr>
+            <p:cNvPr id="16" name="Freeform 14">
+              <a:extLst>
+                <a:ext uri="{FF2B5EF4-FFF2-40B4-BE49-F238E27FC236}">
+                  <a16:creationId xmlns:a16="http://schemas.microsoft.com/office/drawing/2014/main" id="{8A58A902-E944-4399-9A93-A91A6A82B166}"/>
+                </a:ext>
+                <a:ext uri="{C183D7F6-B498-43B3-948B-1728B52AA6E4}">
+                  <adec:decorative xmlns:adec="http://schemas.microsoft.com/office/drawing/2017/decorative" val="1"/>
+                </a:ext>
+              </a:extLst>
+            </p:cNvPr>
+            <p:cNvSpPr/>
+            <p:nvPr>
+              <p:extLst>
+                <p:ext uri="{386F3935-93C4-4BCD-93E2-E3B085C9AB24}">
+                  <p16:designElem xmlns:p16="http://schemas.microsoft.com/office/powerpoint/2015/main" val="1"/>
+                </p:ext>
+              </p:extLst>
+            </p:nvPr>
+          </p:nvSpPr>
+          <p:spPr bwMode="auto">
+            <a:xfrm>
+              <a:off x="3367088" y="2687637"/>
+              <a:ext cx="4576762" cy="4170363"/>
+            </a:xfrm>
+            <a:custGeom>
+              <a:avLst/>
+              <a:gdLst/>
+              <a:ahLst/>
+              <a:cxnLst/>
+              <a:rect l="0" t="0" r="r" b="b"/>
+              <a:pathLst>
+                <a:path w="2883" h="2627">
+                  <a:moveTo>
+                    <a:pt x="0" y="0"/>
+                  </a:moveTo>
+                  <a:lnTo>
+                    <a:pt x="3" y="3"/>
+                  </a:lnTo>
+                  <a:lnTo>
+                    <a:pt x="2102" y="2627"/>
+                  </a:lnTo>
+                  <a:lnTo>
+                    <a:pt x="2883" y="2627"/>
+                  </a:lnTo>
+                  <a:lnTo>
+                    <a:pt x="225" y="57"/>
+                  </a:lnTo>
+                  <a:lnTo>
+                    <a:pt x="0" y="0"/>
+                  </a:lnTo>
+                  <a:close/>
+                </a:path>
+              </a:pathLst>
+            </a:custGeom>
+            <a:solidFill>
+              <a:schemeClr val="accent1">
+                <a:lumMod val="75000"/>
+              </a:schemeClr>
+            </a:solidFill>
+            <a:ln>
+              <a:noFill/>
+            </a:ln>
+          </p:spPr>
+        </p:sp>
+        <p:sp>
+          <p:nvSpPr>
+            <p:cNvPr id="17" name="Freeform 15">
+              <a:extLst>
+                <a:ext uri="{FF2B5EF4-FFF2-40B4-BE49-F238E27FC236}">
+                  <a16:creationId xmlns:a16="http://schemas.microsoft.com/office/drawing/2014/main" id="{4EDB1155-2E8E-4FB8-AD42-101FE4383231}"/>
+                </a:ext>
+                <a:ext uri="{C183D7F6-B498-43B3-948B-1728B52AA6E4}">
+                  <adec:decorative xmlns:adec="http://schemas.microsoft.com/office/drawing/2017/decorative" val="1"/>
+                </a:ext>
+              </a:extLst>
+            </p:cNvPr>
+            <p:cNvSpPr/>
+            <p:nvPr>
+              <p:extLst>
+                <p:ext uri="{386F3935-93C4-4BCD-93E2-E3B085C9AB24}">
+                  <p16:designElem xmlns:p16="http://schemas.microsoft.com/office/powerpoint/2015/main" val="1"/>
+                </p:ext>
+              </p:extLst>
+            </p:nvPr>
+          </p:nvSpPr>
+          <p:spPr bwMode="auto">
+            <a:xfrm>
+              <a:off x="2928938" y="2578100"/>
+              <a:ext cx="3584575" cy="4279900"/>
+            </a:xfrm>
+            <a:custGeom>
+              <a:avLst/>
+              <a:gdLst/>
+              <a:ahLst/>
+              <a:cxnLst/>
+              <a:rect l="0" t="0" r="r" b="b"/>
+              <a:pathLst>
+                <a:path w="2258" h="2696">
+                  <a:moveTo>
+                    <a:pt x="2258" y="2696"/>
+                  </a:moveTo>
+                  <a:lnTo>
+                    <a:pt x="264" y="111"/>
+                  </a:lnTo>
+                  <a:lnTo>
+                    <a:pt x="228" y="60"/>
+                  </a:lnTo>
+                  <a:lnTo>
+                    <a:pt x="225" y="57"/>
+                  </a:lnTo>
+                  <a:lnTo>
+                    <a:pt x="0" y="0"/>
+                  </a:lnTo>
+                  <a:lnTo>
+                    <a:pt x="0" y="3"/>
+                  </a:lnTo>
+                  <a:lnTo>
+                    <a:pt x="1697" y="2696"/>
+                  </a:lnTo>
+                  <a:lnTo>
+                    <a:pt x="2258" y="2696"/>
+                  </a:lnTo>
+                  <a:close/>
+                </a:path>
+              </a:pathLst>
+            </a:custGeom>
+            <a:solidFill>
+              <a:srgbClr val="404040"/>
+            </a:solidFill>
+            <a:ln>
+              <a:noFill/>
+            </a:ln>
+          </p:spPr>
+        </p:sp>
+      </p:grpSp>
     </p:spTree>
     <p:extLst>
       <p:ext uri="{BB962C8B-B14F-4D97-AF65-F5344CB8AC3E}">
-        <p14:creationId xmlns:p14="http://schemas.microsoft.com/office/powerpoint/2010/main" val="2486054624"/>
+        <p14:creationId xmlns:p14="http://schemas.microsoft.com/office/powerpoint/2010/main" val="1356285611"/>
       </p:ext>
     </p:extLst>
   </p:cSld>
   <p:clrMapOvr>
-    <a:masterClrMapping/>
+    <a:overrideClrMapping bg1="dk1" tx1="lt1" bg2="dk2" tx2="lt2" accent1="accent1" accent2="accent2" accent3="accent3" accent4="accent4" accent5="accent5" accent6="accent6" hlink="hlink" folHlink="folHlink"/>
   </p:clrMapOvr>
 </p:sld>
 </file>
 
-<file path=ppt/slides/slide8.xml><?xml version="1.0" encoding="utf-8"?>
+<file path=ppt/slides/slide7.xml><?xml version="1.0" encoding="utf-8"?>
 <p:sld xmlns:a="http://schemas.openxmlformats.org/drawingml/2006/main" xmlns:r="http://schemas.openxmlformats.org/officeDocument/2006/relationships" xmlns:p="http://schemas.openxmlformats.org/presentationml/2006/main">
   <p:cSld>
+    <p:bg>
+      <p:bgPr>
+        <a:solidFill>
+          <a:schemeClr val="bg2"/>
+        </a:solidFill>
+        <a:effectLst/>
+      </p:bgPr>
+    </p:bg>
     <p:spTree>
       <p:nvGrpSpPr>
         <p:cNvPr id="1" name=""/>
@@ -7784,6 +11227,66 @@
           <a:chExt cx="0" cy="0"/>
         </a:xfrm>
       </p:grpSpPr>
+      <p:sp useBgFill="1">
+        <p:nvSpPr>
+          <p:cNvPr id="9" name="Rectangle 8">
+            <a:extLst>
+              <a:ext uri="{FF2B5EF4-FFF2-40B4-BE49-F238E27FC236}">
+                <a16:creationId xmlns:a16="http://schemas.microsoft.com/office/drawing/2014/main" id="{99CAC3B1-4879-424D-8F15-206277196159}"/>
+              </a:ext>
+              <a:ext uri="{C183D7F6-B498-43B3-948B-1728B52AA6E4}">
+                <adec:decorative xmlns:adec="http://schemas.microsoft.com/office/drawing/2017/decorative" val="1"/>
+              </a:ext>
+            </a:extLst>
+          </p:cNvPr>
+          <p:cNvSpPr>
+            <a:spLocks noGrp="1" noRot="1" noChangeAspect="1" noMove="1" noResize="1" noEditPoints="1" noAdjustHandles="1" noChangeArrowheads="1" noChangeShapeType="1" noTextEdit="1"/>
+          </p:cNvSpPr>
+          <p:nvPr>
+            <p:extLst>
+              <p:ext uri="{386F3935-93C4-4BCD-93E2-E3B085C9AB24}">
+                <p16:designElem xmlns:p16="http://schemas.microsoft.com/office/powerpoint/2015/main" val="1"/>
+              </p:ext>
+            </p:extLst>
+          </p:nvPr>
+        </p:nvSpPr>
+        <p:spPr>
+          <a:xfrm>
+            <a:off x="0" y="0"/>
+            <a:ext cx="12192000" cy="6858000"/>
+          </a:xfrm>
+          <a:prstGeom prst="rect">
+            <a:avLst/>
+          </a:prstGeom>
+          <a:ln>
+            <a:noFill/>
+          </a:ln>
+        </p:spPr>
+        <p:style>
+          <a:lnRef idx="2">
+            <a:schemeClr val="accent1">
+              <a:shade val="50000"/>
+            </a:schemeClr>
+          </a:lnRef>
+          <a:fillRef idx="1">
+            <a:schemeClr val="accent1"/>
+          </a:fillRef>
+          <a:effectRef idx="0">
+            <a:schemeClr val="accent1"/>
+          </a:effectRef>
+          <a:fontRef idx="minor">
+            <a:schemeClr val="lt1"/>
+          </a:fontRef>
+        </p:style>
+        <p:txBody>
+          <a:bodyPr rtlCol="0" anchor="ctr"/>
+          <a:lstStyle/>
+          <a:p>
+            <a:pPr algn="ctr"/>
+            <a:endParaRPr lang="en-US"/>
+          </a:p>
+        </p:txBody>
+      </p:sp>
       <p:sp>
         <p:nvSpPr>
           <p:cNvPr id="2" name="Title 1">
@@ -7802,8 +11305,8 @@
         </p:nvSpPr>
         <p:spPr>
           <a:xfrm>
-            <a:off x="1484311" y="685800"/>
-            <a:ext cx="10018713" cy="1237211"/>
+            <a:off x="1018191" y="685800"/>
+            <a:ext cx="7411825" cy="1752599"/>
           </a:xfrm>
         </p:spPr>
         <p:txBody>
@@ -7812,9 +11315,10 @@
           </a:bodyPr>
           <a:lstStyle/>
           <a:p>
-            <a:r>
-              <a:rPr lang="en-US" sz="7200" dirty="0"/>
-              <a:t>Team Info </a:t>
+            <a:pPr algn="l"/>
+            <a:r>
+              <a:rPr lang="en-US"/>
+              <a:t>Project Idea</a:t>
             </a:r>
           </a:p>
         </p:txBody>
@@ -7837,8 +11341,71 @@
         </p:nvSpPr>
         <p:spPr>
           <a:xfrm>
-            <a:off x="1484310" y="1995055"/>
-            <a:ext cx="10018713" cy="3796145"/>
+            <a:off x="1018190" y="2064327"/>
+            <a:ext cx="8174301" cy="3321865"/>
+          </a:xfrm>
+        </p:spPr>
+        <p:txBody>
+          <a:bodyPr anchor="t">
+            <a:normAutofit/>
+          </a:bodyPr>
+          <a:lstStyle/>
+          <a:p>
+            <a:r>
+              <a:rPr lang="en-US" sz="2000" b="1" dirty="0"/>
+              <a:t>iOS Application</a:t>
+            </a:r>
+          </a:p>
+          <a:p>
+            <a:pPr lvl="1"/>
+            <a:r>
+              <a:rPr lang="en-US" dirty="0"/>
+              <a:t>Using ML and AR to assist users in decorating rooms</a:t>
+            </a:r>
+          </a:p>
+          <a:p>
+            <a:pPr lvl="1"/>
+            <a:r>
+              <a:rPr lang="en-US" dirty="0"/>
+              <a:t>ML learns environments and identify objects</a:t>
+            </a:r>
+          </a:p>
+          <a:p>
+            <a:pPr lvl="1"/>
+            <a:r>
+              <a:rPr lang="en-US" dirty="0"/>
+              <a:t>AR allows users interacting with objects without actual touching them</a:t>
+            </a:r>
+          </a:p>
+          <a:p>
+            <a:pPr lvl="1"/>
+            <a:r>
+              <a:rPr lang="en-US" dirty="0"/>
+              <a:t>Apps import new virtual objects into real space.</a:t>
+            </a:r>
+          </a:p>
+        </p:txBody>
+      </p:sp>
+      <p:sp>
+        <p:nvSpPr>
+          <p:cNvPr id="4" name="Footer Placeholder 3">
+            <a:extLst>
+              <a:ext uri="{FF2B5EF4-FFF2-40B4-BE49-F238E27FC236}">
+                <a16:creationId xmlns:a16="http://schemas.microsoft.com/office/drawing/2014/main" id="{98C9864A-95D0-495B-8FEF-168534ADB51F}"/>
+              </a:ext>
+            </a:extLst>
+          </p:cNvPr>
+          <p:cNvSpPr>
+            <a:spLocks noGrp="1"/>
+          </p:cNvSpPr>
+          <p:nvPr>
+            <p:ph type="ftr" sz="quarter" idx="11"/>
+          </p:nvPr>
+        </p:nvSpPr>
+        <p:spPr>
+          <a:xfrm>
+            <a:off x="1018190" y="5883275"/>
+            <a:ext cx="5775900" cy="365125"/>
           </a:xfrm>
         </p:spPr>
         <p:txBody>
@@ -7847,111 +11414,458 @@
           </a:bodyPr>
           <a:lstStyle/>
           <a:p>
-            <a:r>
-              <a:rPr lang="en-US" sz="2800" dirty="0"/>
-              <a:t>We can Offer</a:t>
-            </a:r>
-          </a:p>
-          <a:p>
-            <a:pPr marL="0" indent="0">
-              <a:buNone/>
+            <a:pPr>
+              <a:spcAft>
+                <a:spcPts val="600"/>
+              </a:spcAft>
             </a:pPr>
             <a:r>
-              <a:rPr lang="en-US" sz="2800" dirty="0"/>
-              <a:t>	[1] Flexible Schedule for Busy but </a:t>
-            </a:r>
-            <a:r>
-              <a:rPr lang="en-US" sz="2800" dirty="0">
-                <a:solidFill>
-                  <a:srgbClr val="FF0000"/>
-                </a:solidFill>
-              </a:rPr>
-              <a:t>Reliable</a:t>
-            </a:r>
-            <a:r>
-              <a:rPr lang="en-US" sz="2800" dirty="0"/>
-              <a:t> Experts</a:t>
-            </a:r>
-          </a:p>
-          <a:p>
-            <a:pPr marL="0" indent="0">
-              <a:buNone/>
-            </a:pPr>
-            <a:r>
-              <a:rPr lang="en-US" sz="2800" dirty="0"/>
-              <a:t>	[2] Off Campus Meeting at Trolley Square</a:t>
-            </a:r>
-          </a:p>
-          <a:p>
-            <a:pPr marL="0" indent="0">
-              <a:buNone/>
-            </a:pPr>
-            <a:r>
-              <a:rPr lang="en-US" sz="2800" dirty="0"/>
-              <a:t>	[3] Free Coffee and Free Pizza</a:t>
-            </a:r>
-          </a:p>
-          <a:p>
-            <a:pPr marL="0" indent="0">
-              <a:buNone/>
-            </a:pPr>
-            <a:r>
-              <a:rPr lang="en-US" sz="2800" dirty="0"/>
-              <a:t>	[4] Extra helps for all courses, which team members have taken</a:t>
-            </a:r>
-          </a:p>
-        </p:txBody>
-      </p:sp>
-      <p:sp>
-        <p:nvSpPr>
-          <p:cNvPr id="4" name="Footer Placeholder 3">
+              <a:rPr lang="es-ES" err="1"/>
+              <a:t>EJay</a:t>
+            </a:r>
+            <a:r>
+              <a:rPr lang="es-ES"/>
+              <a:t> Guo          ejay.guo@gmail.com</a:t>
+            </a:r>
+            <a:endParaRPr lang="en-US"/>
+          </a:p>
+        </p:txBody>
+      </p:sp>
+      <p:grpSp>
+        <p:nvGrpSpPr>
+          <p:cNvPr id="11" name="Group 10">
             <a:extLst>
               <a:ext uri="{FF2B5EF4-FFF2-40B4-BE49-F238E27FC236}">
-                <a16:creationId xmlns:a16="http://schemas.microsoft.com/office/drawing/2014/main" id="{2B1E323D-C992-4BE5-A4B2-67CF0699F11C}"/>
+                <a16:creationId xmlns:a16="http://schemas.microsoft.com/office/drawing/2014/main" id="{4B8492CB-DFBA-4A82-9778-F21493DA36C1}"/>
+              </a:ext>
+              <a:ext uri="{C183D7F6-B498-43B3-948B-1728B52AA6E4}">
+                <adec:decorative xmlns:adec="http://schemas.microsoft.com/office/drawing/2017/decorative" val="1"/>
               </a:ext>
             </a:extLst>
           </p:cNvPr>
-          <p:cNvSpPr>
-            <a:spLocks noGrp="1"/>
-          </p:cNvSpPr>
-          <p:nvPr>
-            <p:ph type="ftr" sz="quarter" idx="11"/>
-          </p:nvPr>
-        </p:nvSpPr>
-        <p:spPr/>
-        <p:txBody>
-          <a:bodyPr/>
-          <a:lstStyle/>
-          <a:p>
-            <a:pPr algn="r"/>
-            <a:r>
-              <a:rPr lang="es-ES" sz="2000" dirty="0" err="1"/>
-              <a:t>EJay</a:t>
-            </a:r>
-            <a:r>
-              <a:rPr lang="es-ES" sz="2000" dirty="0"/>
-              <a:t> Guo          ejay.guo@gmail.com</a:t>
-            </a:r>
-            <a:endParaRPr lang="en-US" sz="2000" dirty="0"/>
-          </a:p>
-        </p:txBody>
-      </p:sp>
+          <p:cNvGrpSpPr>
+            <a:grpSpLocks noGrp="1" noUngrp="1" noRot="1" noChangeAspect="1" noMove="1" noResize="1"/>
+          </p:cNvGrpSpPr>
+          <p:nvPr>
+            <p:extLst>
+              <p:ext uri="{386F3935-93C4-4BCD-93E2-E3B085C9AB24}">
+                <p16:designElem xmlns:p16="http://schemas.microsoft.com/office/powerpoint/2015/main" val="1"/>
+              </p:ext>
+            </p:extLst>
+          </p:nvPr>
+        </p:nvGrpSpPr>
+        <p:grpSpPr>
+          <a:xfrm flipH="1">
+            <a:off x="6526211" y="0"/>
+            <a:ext cx="5014912" cy="6862763"/>
+            <a:chOff x="2928938" y="-4763"/>
+            <a:chExt cx="5014912" cy="6862763"/>
+          </a:xfrm>
+        </p:grpSpPr>
+        <p:sp>
+          <p:nvSpPr>
+            <p:cNvPr id="12" name="Freeform 6">
+              <a:extLst>
+                <a:ext uri="{FF2B5EF4-FFF2-40B4-BE49-F238E27FC236}">
+                  <a16:creationId xmlns:a16="http://schemas.microsoft.com/office/drawing/2014/main" id="{E34CC1C8-EBDD-4AEA-83E6-B27575B62E2E}"/>
+                </a:ext>
+                <a:ext uri="{C183D7F6-B498-43B3-948B-1728B52AA6E4}">
+                  <adec:decorative xmlns:adec="http://schemas.microsoft.com/office/drawing/2017/decorative" val="1"/>
+                </a:ext>
+              </a:extLst>
+            </p:cNvPr>
+            <p:cNvSpPr/>
+            <p:nvPr>
+              <p:extLst>
+                <p:ext uri="{386F3935-93C4-4BCD-93E2-E3B085C9AB24}">
+                  <p16:designElem xmlns:p16="http://schemas.microsoft.com/office/powerpoint/2015/main" val="1"/>
+                </p:ext>
+              </p:extLst>
+            </p:nvPr>
+          </p:nvSpPr>
+          <p:spPr bwMode="auto">
+            <a:xfrm>
+              <a:off x="3367088" y="-4763"/>
+              <a:ext cx="1063625" cy="2782888"/>
+            </a:xfrm>
+            <a:custGeom>
+              <a:avLst/>
+              <a:gdLst/>
+              <a:ahLst/>
+              <a:cxnLst/>
+              <a:rect l="0" t="0" r="r" b="b"/>
+              <a:pathLst>
+                <a:path w="670" h="1753">
+                  <a:moveTo>
+                    <a:pt x="0" y="1696"/>
+                  </a:moveTo>
+                  <a:lnTo>
+                    <a:pt x="225" y="1753"/>
+                  </a:lnTo>
+                  <a:lnTo>
+                    <a:pt x="670" y="0"/>
+                  </a:lnTo>
+                  <a:lnTo>
+                    <a:pt x="430" y="0"/>
+                  </a:lnTo>
+                  <a:lnTo>
+                    <a:pt x="0" y="1696"/>
+                  </a:lnTo>
+                  <a:close/>
+                </a:path>
+              </a:pathLst>
+            </a:custGeom>
+            <a:solidFill>
+              <a:schemeClr val="accent1"/>
+            </a:solidFill>
+            <a:ln>
+              <a:noFill/>
+            </a:ln>
+          </p:spPr>
+        </p:sp>
+        <p:sp>
+          <p:nvSpPr>
+            <p:cNvPr id="13" name="Freeform 7">
+              <a:extLst>
+                <a:ext uri="{FF2B5EF4-FFF2-40B4-BE49-F238E27FC236}">
+                  <a16:creationId xmlns:a16="http://schemas.microsoft.com/office/drawing/2014/main" id="{D6B38644-B85D-4211-9526-5B4C2A662BF7}"/>
+                </a:ext>
+                <a:ext uri="{C183D7F6-B498-43B3-948B-1728B52AA6E4}">
+                  <adec:decorative xmlns:adec="http://schemas.microsoft.com/office/drawing/2017/decorative" val="1"/>
+                </a:ext>
+              </a:extLst>
+            </p:cNvPr>
+            <p:cNvSpPr/>
+            <p:nvPr>
+              <p:extLst>
+                <p:ext uri="{386F3935-93C4-4BCD-93E2-E3B085C9AB24}">
+                  <p16:designElem xmlns:p16="http://schemas.microsoft.com/office/powerpoint/2015/main" val="1"/>
+                </p:ext>
+              </p:extLst>
+            </p:nvPr>
+          </p:nvSpPr>
+          <p:spPr bwMode="auto">
+            <a:xfrm>
+              <a:off x="2928938" y="-4763"/>
+              <a:ext cx="1035050" cy="2673350"/>
+            </a:xfrm>
+            <a:custGeom>
+              <a:avLst/>
+              <a:gdLst/>
+              <a:ahLst/>
+              <a:cxnLst/>
+              <a:rect l="0" t="0" r="r" b="b"/>
+              <a:pathLst>
+                <a:path w="652" h="1684">
+                  <a:moveTo>
+                    <a:pt x="225" y="1684"/>
+                  </a:moveTo>
+                  <a:lnTo>
+                    <a:pt x="652" y="0"/>
+                  </a:lnTo>
+                  <a:lnTo>
+                    <a:pt x="411" y="0"/>
+                  </a:lnTo>
+                  <a:lnTo>
+                    <a:pt x="0" y="1627"/>
+                  </a:lnTo>
+                  <a:lnTo>
+                    <a:pt x="219" y="1681"/>
+                  </a:lnTo>
+                  <a:lnTo>
+                    <a:pt x="225" y="1684"/>
+                  </a:lnTo>
+                  <a:close/>
+                </a:path>
+              </a:pathLst>
+            </a:custGeom>
+            <a:solidFill>
+              <a:srgbClr val="595959"/>
+            </a:solidFill>
+            <a:ln>
+              <a:noFill/>
+            </a:ln>
+          </p:spPr>
+        </p:sp>
+        <p:sp>
+          <p:nvSpPr>
+            <p:cNvPr id="14" name="Freeform 12">
+              <a:extLst>
+                <a:ext uri="{FF2B5EF4-FFF2-40B4-BE49-F238E27FC236}">
+                  <a16:creationId xmlns:a16="http://schemas.microsoft.com/office/drawing/2014/main" id="{8A8B2820-6B8F-4C19-BFC5-D28EE44E54CB}"/>
+                </a:ext>
+                <a:ext uri="{C183D7F6-B498-43B3-948B-1728B52AA6E4}">
+                  <adec:decorative xmlns:adec="http://schemas.microsoft.com/office/drawing/2017/decorative" val="1"/>
+                </a:ext>
+              </a:extLst>
+            </p:cNvPr>
+            <p:cNvSpPr/>
+            <p:nvPr>
+              <p:extLst>
+                <p:ext uri="{386F3935-93C4-4BCD-93E2-E3B085C9AB24}">
+                  <p16:designElem xmlns:p16="http://schemas.microsoft.com/office/powerpoint/2015/main" val="1"/>
+                </p:ext>
+              </p:extLst>
+            </p:nvPr>
+          </p:nvSpPr>
+          <p:spPr bwMode="auto">
+            <a:xfrm>
+              <a:off x="2928938" y="2582862"/>
+              <a:ext cx="2693987" cy="4275138"/>
+            </a:xfrm>
+            <a:custGeom>
+              <a:avLst/>
+              <a:gdLst/>
+              <a:ahLst/>
+              <a:cxnLst/>
+              <a:rect l="0" t="0" r="r" b="b"/>
+              <a:pathLst>
+                <a:path w="1697" h="2693">
+                  <a:moveTo>
+                    <a:pt x="0" y="0"/>
+                  </a:moveTo>
+                  <a:lnTo>
+                    <a:pt x="1622" y="2693"/>
+                  </a:lnTo>
+                  <a:lnTo>
+                    <a:pt x="1697" y="2693"/>
+                  </a:lnTo>
+                  <a:lnTo>
+                    <a:pt x="0" y="0"/>
+                  </a:lnTo>
+                  <a:close/>
+                </a:path>
+              </a:pathLst>
+            </a:custGeom>
+            <a:solidFill>
+              <a:srgbClr val="262626"/>
+            </a:solidFill>
+            <a:ln>
+              <a:noFill/>
+            </a:ln>
+          </p:spPr>
+        </p:sp>
+        <p:sp>
+          <p:nvSpPr>
+            <p:cNvPr id="15" name="Freeform 13">
+              <a:extLst>
+                <a:ext uri="{FF2B5EF4-FFF2-40B4-BE49-F238E27FC236}">
+                  <a16:creationId xmlns:a16="http://schemas.microsoft.com/office/drawing/2014/main" id="{773528ED-4D37-4A77-A8CA-86B6221C5E82}"/>
+                </a:ext>
+                <a:ext uri="{C183D7F6-B498-43B3-948B-1728B52AA6E4}">
+                  <adec:decorative xmlns:adec="http://schemas.microsoft.com/office/drawing/2017/decorative" val="1"/>
+                </a:ext>
+              </a:extLst>
+            </p:cNvPr>
+            <p:cNvSpPr/>
+            <p:nvPr>
+              <p:extLst>
+                <p:ext uri="{386F3935-93C4-4BCD-93E2-E3B085C9AB24}">
+                  <p16:designElem xmlns:p16="http://schemas.microsoft.com/office/powerpoint/2015/main" val="1"/>
+                </p:ext>
+              </p:extLst>
+            </p:nvPr>
+          </p:nvSpPr>
+          <p:spPr bwMode="auto">
+            <a:xfrm>
+              <a:off x="3371850" y="2692400"/>
+              <a:ext cx="3332162" cy="4165600"/>
+            </a:xfrm>
+            <a:custGeom>
+              <a:avLst/>
+              <a:gdLst/>
+              <a:ahLst/>
+              <a:cxnLst/>
+              <a:rect l="0" t="0" r="r" b="b"/>
+              <a:pathLst>
+                <a:path w="2099" h="2624">
+                  <a:moveTo>
+                    <a:pt x="2099" y="2624"/>
+                  </a:moveTo>
+                  <a:lnTo>
+                    <a:pt x="0" y="0"/>
+                  </a:lnTo>
+                  <a:lnTo>
+                    <a:pt x="2021" y="2624"/>
+                  </a:lnTo>
+                  <a:lnTo>
+                    <a:pt x="2099" y="2624"/>
+                  </a:lnTo>
+                  <a:close/>
+                </a:path>
+              </a:pathLst>
+            </a:custGeom>
+            <a:solidFill>
+              <a:schemeClr val="accent1">
+                <a:lumMod val="50000"/>
+              </a:schemeClr>
+            </a:solidFill>
+            <a:ln>
+              <a:noFill/>
+            </a:ln>
+          </p:spPr>
+        </p:sp>
+        <p:sp>
+          <p:nvSpPr>
+            <p:cNvPr id="16" name="Freeform 14">
+              <a:extLst>
+                <a:ext uri="{FF2B5EF4-FFF2-40B4-BE49-F238E27FC236}">
+                  <a16:creationId xmlns:a16="http://schemas.microsoft.com/office/drawing/2014/main" id="{8A58A902-E944-4399-9A93-A91A6A82B166}"/>
+                </a:ext>
+                <a:ext uri="{C183D7F6-B498-43B3-948B-1728B52AA6E4}">
+                  <adec:decorative xmlns:adec="http://schemas.microsoft.com/office/drawing/2017/decorative" val="1"/>
+                </a:ext>
+              </a:extLst>
+            </p:cNvPr>
+            <p:cNvSpPr/>
+            <p:nvPr>
+              <p:extLst>
+                <p:ext uri="{386F3935-93C4-4BCD-93E2-E3B085C9AB24}">
+                  <p16:designElem xmlns:p16="http://schemas.microsoft.com/office/powerpoint/2015/main" val="1"/>
+                </p:ext>
+              </p:extLst>
+            </p:nvPr>
+          </p:nvSpPr>
+          <p:spPr bwMode="auto">
+            <a:xfrm>
+              <a:off x="3367088" y="2687637"/>
+              <a:ext cx="4576762" cy="4170363"/>
+            </a:xfrm>
+            <a:custGeom>
+              <a:avLst/>
+              <a:gdLst/>
+              <a:ahLst/>
+              <a:cxnLst/>
+              <a:rect l="0" t="0" r="r" b="b"/>
+              <a:pathLst>
+                <a:path w="2883" h="2627">
+                  <a:moveTo>
+                    <a:pt x="0" y="0"/>
+                  </a:moveTo>
+                  <a:lnTo>
+                    <a:pt x="3" y="3"/>
+                  </a:lnTo>
+                  <a:lnTo>
+                    <a:pt x="2102" y="2627"/>
+                  </a:lnTo>
+                  <a:lnTo>
+                    <a:pt x="2883" y="2627"/>
+                  </a:lnTo>
+                  <a:lnTo>
+                    <a:pt x="225" y="57"/>
+                  </a:lnTo>
+                  <a:lnTo>
+                    <a:pt x="0" y="0"/>
+                  </a:lnTo>
+                  <a:close/>
+                </a:path>
+              </a:pathLst>
+            </a:custGeom>
+            <a:solidFill>
+              <a:schemeClr val="accent1">
+                <a:lumMod val="75000"/>
+              </a:schemeClr>
+            </a:solidFill>
+            <a:ln>
+              <a:noFill/>
+            </a:ln>
+          </p:spPr>
+        </p:sp>
+        <p:sp>
+          <p:nvSpPr>
+            <p:cNvPr id="17" name="Freeform 15">
+              <a:extLst>
+                <a:ext uri="{FF2B5EF4-FFF2-40B4-BE49-F238E27FC236}">
+                  <a16:creationId xmlns:a16="http://schemas.microsoft.com/office/drawing/2014/main" id="{4EDB1155-2E8E-4FB8-AD42-101FE4383231}"/>
+                </a:ext>
+                <a:ext uri="{C183D7F6-B498-43B3-948B-1728B52AA6E4}">
+                  <adec:decorative xmlns:adec="http://schemas.microsoft.com/office/drawing/2017/decorative" val="1"/>
+                </a:ext>
+              </a:extLst>
+            </p:cNvPr>
+            <p:cNvSpPr/>
+            <p:nvPr>
+              <p:extLst>
+                <p:ext uri="{386F3935-93C4-4BCD-93E2-E3B085C9AB24}">
+                  <p16:designElem xmlns:p16="http://schemas.microsoft.com/office/powerpoint/2015/main" val="1"/>
+                </p:ext>
+              </p:extLst>
+            </p:nvPr>
+          </p:nvSpPr>
+          <p:spPr bwMode="auto">
+            <a:xfrm>
+              <a:off x="2928938" y="2578100"/>
+              <a:ext cx="3584575" cy="4279900"/>
+            </a:xfrm>
+            <a:custGeom>
+              <a:avLst/>
+              <a:gdLst/>
+              <a:ahLst/>
+              <a:cxnLst/>
+              <a:rect l="0" t="0" r="r" b="b"/>
+              <a:pathLst>
+                <a:path w="2258" h="2696">
+                  <a:moveTo>
+                    <a:pt x="2258" y="2696"/>
+                  </a:moveTo>
+                  <a:lnTo>
+                    <a:pt x="264" y="111"/>
+                  </a:lnTo>
+                  <a:lnTo>
+                    <a:pt x="228" y="60"/>
+                  </a:lnTo>
+                  <a:lnTo>
+                    <a:pt x="225" y="57"/>
+                  </a:lnTo>
+                  <a:lnTo>
+                    <a:pt x="0" y="0"/>
+                  </a:lnTo>
+                  <a:lnTo>
+                    <a:pt x="0" y="3"/>
+                  </a:lnTo>
+                  <a:lnTo>
+                    <a:pt x="1697" y="2696"/>
+                  </a:lnTo>
+                  <a:lnTo>
+                    <a:pt x="2258" y="2696"/>
+                  </a:lnTo>
+                  <a:close/>
+                </a:path>
+              </a:pathLst>
+            </a:custGeom>
+            <a:solidFill>
+              <a:srgbClr val="404040"/>
+            </a:solidFill>
+            <a:ln>
+              <a:noFill/>
+            </a:ln>
+          </p:spPr>
+        </p:sp>
+      </p:grpSp>
     </p:spTree>
     <p:extLst>
       <p:ext uri="{BB962C8B-B14F-4D97-AF65-F5344CB8AC3E}">
-        <p14:creationId xmlns:p14="http://schemas.microsoft.com/office/powerpoint/2010/main" val="2485047518"/>
+        <p14:creationId xmlns:p14="http://schemas.microsoft.com/office/powerpoint/2010/main" val="3301975560"/>
       </p:ext>
     </p:extLst>
   </p:cSld>
   <p:clrMapOvr>
-    <a:masterClrMapping/>
+    <a:overrideClrMapping bg1="dk1" tx1="lt1" bg2="dk2" tx2="lt2" accent1="accent1" accent2="accent2" accent3="accent3" accent4="accent4" accent5="accent5" accent6="accent6" hlink="hlink" folHlink="folHlink"/>
   </p:clrMapOvr>
 </p:sld>
 </file>
 
-<file path=ppt/slides/slide9.xml><?xml version="1.0" encoding="utf-8"?>
+<file path=ppt/slides/slide8.xml><?xml version="1.0" encoding="utf-8"?>
 <p:sld xmlns:a="http://schemas.openxmlformats.org/drawingml/2006/main" xmlns:r="http://schemas.openxmlformats.org/officeDocument/2006/relationships" xmlns:p="http://schemas.openxmlformats.org/presentationml/2006/main">
   <p:cSld>
+    <p:bg>
+      <p:bgPr>
+        <a:solidFill>
+          <a:schemeClr val="bg2"/>
+        </a:solidFill>
+        <a:effectLst/>
+      </p:bgPr>
+    </p:bg>
     <p:spTree>
       <p:nvGrpSpPr>
         <p:cNvPr id="1" name=""/>
@@ -7966,12 +11880,72 @@
           <a:chExt cx="0" cy="0"/>
         </a:xfrm>
       </p:grpSpPr>
+      <p:sp useBgFill="1">
+        <p:nvSpPr>
+          <p:cNvPr id="9" name="Rectangle 8">
+            <a:extLst>
+              <a:ext uri="{FF2B5EF4-FFF2-40B4-BE49-F238E27FC236}">
+                <a16:creationId xmlns:a16="http://schemas.microsoft.com/office/drawing/2014/main" id="{99CAC3B1-4879-424D-8F15-206277196159}"/>
+              </a:ext>
+              <a:ext uri="{C183D7F6-B498-43B3-948B-1728B52AA6E4}">
+                <adec:decorative xmlns:adec="http://schemas.microsoft.com/office/drawing/2017/decorative" val="1"/>
+              </a:ext>
+            </a:extLst>
+          </p:cNvPr>
+          <p:cNvSpPr>
+            <a:spLocks noGrp="1" noRot="1" noChangeAspect="1" noMove="1" noResize="1" noEditPoints="1" noAdjustHandles="1" noChangeArrowheads="1" noChangeShapeType="1" noTextEdit="1"/>
+          </p:cNvSpPr>
+          <p:nvPr>
+            <p:extLst>
+              <p:ext uri="{386F3935-93C4-4BCD-93E2-E3B085C9AB24}">
+                <p16:designElem xmlns:p16="http://schemas.microsoft.com/office/powerpoint/2015/main" val="1"/>
+              </p:ext>
+            </p:extLst>
+          </p:nvPr>
+        </p:nvSpPr>
+        <p:spPr>
+          <a:xfrm>
+            <a:off x="0" y="0"/>
+            <a:ext cx="12192000" cy="6858000"/>
+          </a:xfrm>
+          <a:prstGeom prst="rect">
+            <a:avLst/>
+          </a:prstGeom>
+          <a:ln>
+            <a:noFill/>
+          </a:ln>
+        </p:spPr>
+        <p:style>
+          <a:lnRef idx="2">
+            <a:schemeClr val="accent1">
+              <a:shade val="50000"/>
+            </a:schemeClr>
+          </a:lnRef>
+          <a:fillRef idx="1">
+            <a:schemeClr val="accent1"/>
+          </a:fillRef>
+          <a:effectRef idx="0">
+            <a:schemeClr val="accent1"/>
+          </a:effectRef>
+          <a:fontRef idx="minor">
+            <a:schemeClr val="lt1"/>
+          </a:fontRef>
+        </p:style>
+        <p:txBody>
+          <a:bodyPr rtlCol="0" anchor="ctr"/>
+          <a:lstStyle/>
+          <a:p>
+            <a:pPr algn="ctr"/>
+            <a:endParaRPr lang="en-US"/>
+          </a:p>
+        </p:txBody>
+      </p:sp>
       <p:sp>
         <p:nvSpPr>
           <p:cNvPr id="2" name="Title 1">
             <a:extLst>
               <a:ext uri="{FF2B5EF4-FFF2-40B4-BE49-F238E27FC236}">
-                <a16:creationId xmlns:a16="http://schemas.microsoft.com/office/drawing/2014/main" id="{86063046-0AC8-4601-99BA-7B530994A14F}"/>
+                <a16:creationId xmlns:a16="http://schemas.microsoft.com/office/drawing/2014/main" id="{606624FE-6298-4185-AEB1-6D37EEFB3453}"/>
               </a:ext>
             </a:extLst>
           </p:cNvPr>
@@ -7979,13 +11953,13 @@
             <a:spLocks noGrp="1"/>
           </p:cNvSpPr>
           <p:nvPr>
-            <p:ph type="ctrTitle"/>
+            <p:ph type="title"/>
           </p:nvPr>
         </p:nvSpPr>
         <p:spPr>
           <a:xfrm>
-            <a:off x="2928400" y="920097"/>
-            <a:ext cx="8574622" cy="2616199"/>
+            <a:off x="1018191" y="685800"/>
+            <a:ext cx="7411825" cy="1752599"/>
           </a:xfrm>
         </p:spPr>
         <p:txBody>
@@ -7994,19 +11968,20 @@
           </a:bodyPr>
           <a:lstStyle/>
           <a:p>
-            <a:r>
-              <a:rPr lang="en-US" sz="9600" dirty="0"/>
-              <a:t>Thank you</a:t>
+            <a:pPr algn="l"/>
+            <a:r>
+              <a:rPr lang="en-US"/>
+              <a:t>Team Info </a:t>
             </a:r>
           </a:p>
         </p:txBody>
       </p:sp>
       <p:sp>
         <p:nvSpPr>
-          <p:cNvPr id="3" name="Subtitle 2">
+          <p:cNvPr id="3" name="Content Placeholder 2">
             <a:extLst>
               <a:ext uri="{FF2B5EF4-FFF2-40B4-BE49-F238E27FC236}">
-                <a16:creationId xmlns:a16="http://schemas.microsoft.com/office/drawing/2014/main" id="{6D8E64F1-EFD3-4AB4-875F-0AFE190F3DDB}"/>
+                <a16:creationId xmlns:a16="http://schemas.microsoft.com/office/drawing/2014/main" id="{BF9E8292-8C19-421B-AD55-5F8615C6163F}"/>
               </a:ext>
             </a:extLst>
           </p:cNvPr>
@@ -8014,13 +11989,144 @@
             <a:spLocks noGrp="1"/>
           </p:cNvSpPr>
           <p:nvPr>
-            <p:ph type="subTitle" idx="1"/>
+            <p:ph idx="1"/>
           </p:nvPr>
         </p:nvSpPr>
         <p:spPr>
           <a:xfrm>
-            <a:off x="4515377" y="3800302"/>
-            <a:ext cx="6987645" cy="1388534"/>
+            <a:off x="1018190" y="1967345"/>
+            <a:ext cx="8243574" cy="3418847"/>
+          </a:xfrm>
+        </p:spPr>
+        <p:txBody>
+          <a:bodyPr anchor="t">
+            <a:normAutofit/>
+          </a:bodyPr>
+          <a:lstStyle/>
+          <a:p>
+            <a:pPr>
+              <a:lnSpc>
+                <a:spcPct val="90000"/>
+              </a:lnSpc>
+            </a:pPr>
+            <a:r>
+              <a:rPr lang="en-US" sz="2000" dirty="0"/>
+              <a:t>We are Recruiting</a:t>
+            </a:r>
+          </a:p>
+          <a:p>
+            <a:pPr lvl="1">
+              <a:lnSpc>
+                <a:spcPct val="90000"/>
+              </a:lnSpc>
+            </a:pPr>
+            <a:r>
+              <a:rPr lang="en-US" b="1" dirty="0"/>
+              <a:t>iOS Developer </a:t>
+            </a:r>
+          </a:p>
+          <a:p>
+            <a:pPr marL="0" indent="0">
+              <a:lnSpc>
+                <a:spcPct val="90000"/>
+              </a:lnSpc>
+              <a:buNone/>
+            </a:pPr>
+            <a:r>
+              <a:rPr lang="en-US" sz="2000" b="1" dirty="0"/>
+              <a:t>		</a:t>
+            </a:r>
+            <a:r>
+              <a:rPr lang="en-US" sz="2000" dirty="0"/>
+              <a:t>[1] Familiar with Swift, Objective-C or C++ and Cocoa API</a:t>
+            </a:r>
+          </a:p>
+          <a:p>
+            <a:pPr marL="0" indent="0">
+              <a:lnSpc>
+                <a:spcPct val="90000"/>
+              </a:lnSpc>
+              <a:buNone/>
+            </a:pPr>
+            <a:r>
+              <a:rPr lang="en-US" sz="2000" dirty="0"/>
+              <a:t>		[2] Experienced in deploying and debugging Apps on iOS Devices</a:t>
+            </a:r>
+            <a:endParaRPr lang="en-US" sz="2000" b="1" dirty="0"/>
+          </a:p>
+          <a:p>
+            <a:pPr lvl="1">
+              <a:lnSpc>
+                <a:spcPct val="90000"/>
+              </a:lnSpc>
+            </a:pPr>
+            <a:r>
+              <a:rPr lang="en-US" b="1" dirty="0"/>
+              <a:t>Writer &amp; QA</a:t>
+            </a:r>
+          </a:p>
+          <a:p>
+            <a:pPr marL="457200" lvl="1" indent="0">
+              <a:lnSpc>
+                <a:spcPct val="90000"/>
+              </a:lnSpc>
+              <a:buNone/>
+            </a:pPr>
+            <a:r>
+              <a:rPr lang="en-US" b="1" dirty="0"/>
+              <a:t>	</a:t>
+            </a:r>
+            <a:r>
+              <a:rPr lang="en-US" dirty="0"/>
+              <a:t>[1] Grade A Required in WRTG 3014 Scientific Writing</a:t>
+            </a:r>
+          </a:p>
+          <a:p>
+            <a:pPr marL="457200" lvl="1" indent="0">
+              <a:lnSpc>
+                <a:spcPct val="90000"/>
+              </a:lnSpc>
+              <a:buNone/>
+            </a:pPr>
+            <a:r>
+              <a:rPr lang="en-US" dirty="0"/>
+              <a:t>	[2] Quick Learner being Familiar with ML</a:t>
+            </a:r>
+          </a:p>
+          <a:p>
+            <a:pPr marL="457200" lvl="1" indent="0">
+              <a:lnSpc>
+                <a:spcPct val="90000"/>
+              </a:lnSpc>
+              <a:buNone/>
+            </a:pPr>
+            <a:r>
+              <a:rPr lang="en-US" dirty="0"/>
+              <a:t>	[3] Good Debugging and Problem Analyzing Capabilities</a:t>
+            </a:r>
+          </a:p>
+        </p:txBody>
+      </p:sp>
+      <p:sp>
+        <p:nvSpPr>
+          <p:cNvPr id="4" name="Footer Placeholder 3">
+            <a:extLst>
+              <a:ext uri="{FF2B5EF4-FFF2-40B4-BE49-F238E27FC236}">
+                <a16:creationId xmlns:a16="http://schemas.microsoft.com/office/drawing/2014/main" id="{4E0DC5AB-458C-499A-BF4B-8A0BA8BC8A17}"/>
+              </a:ext>
+            </a:extLst>
+          </p:cNvPr>
+          <p:cNvSpPr>
+            <a:spLocks noGrp="1"/>
+          </p:cNvSpPr>
+          <p:nvPr>
+            <p:ph type="ftr" sz="quarter" idx="11"/>
+          </p:nvPr>
+        </p:nvSpPr>
+        <p:spPr>
+          <a:xfrm>
+            <a:off x="1018190" y="5883275"/>
+            <a:ext cx="5775900" cy="365125"/>
           </a:xfrm>
         </p:spPr>
         <p:txBody>
@@ -8029,59 +12135,1104 @@
           </a:bodyPr>
           <a:lstStyle/>
           <a:p>
-            <a:r>
-              <a:rPr lang="en-US" sz="4800" dirty="0"/>
-              <a:t>Yijie Guo</a:t>
-            </a:r>
-          </a:p>
-          <a:p>
-            <a:endParaRPr lang="en-US" sz="4800" dirty="0"/>
-          </a:p>
-        </p:txBody>
-      </p:sp>
-      <p:sp>
-        <p:nvSpPr>
-          <p:cNvPr id="4" name="Footer Placeholder 3">
+            <a:pPr>
+              <a:spcAft>
+                <a:spcPts val="600"/>
+              </a:spcAft>
+            </a:pPr>
+            <a:r>
+              <a:rPr lang="es-ES" err="1"/>
+              <a:t>EJay</a:t>
+            </a:r>
+            <a:r>
+              <a:rPr lang="es-ES"/>
+              <a:t> Guo          ejay.guo@gmail.com</a:t>
+            </a:r>
+            <a:endParaRPr lang="en-US"/>
+          </a:p>
+        </p:txBody>
+      </p:sp>
+      <p:grpSp>
+        <p:nvGrpSpPr>
+          <p:cNvPr id="11" name="Group 10">
             <a:extLst>
               <a:ext uri="{FF2B5EF4-FFF2-40B4-BE49-F238E27FC236}">
-                <a16:creationId xmlns:a16="http://schemas.microsoft.com/office/drawing/2014/main" id="{7F582B72-41D3-4DDD-9EA6-F0D7BB763D7C}"/>
+                <a16:creationId xmlns:a16="http://schemas.microsoft.com/office/drawing/2014/main" id="{4B8492CB-DFBA-4A82-9778-F21493DA36C1}"/>
+              </a:ext>
+              <a:ext uri="{C183D7F6-B498-43B3-948B-1728B52AA6E4}">
+                <adec:decorative xmlns:adec="http://schemas.microsoft.com/office/drawing/2017/decorative" val="1"/>
               </a:ext>
             </a:extLst>
           </p:cNvPr>
-          <p:cNvSpPr>
-            <a:spLocks noGrp="1"/>
-          </p:cNvSpPr>
-          <p:nvPr>
-            <p:ph type="ftr" sz="quarter" idx="11"/>
-          </p:nvPr>
-        </p:nvSpPr>
-        <p:spPr/>
-        <p:txBody>
-          <a:bodyPr/>
-          <a:lstStyle/>
-          <a:p>
-            <a:pPr algn="r"/>
-            <a:r>
-              <a:rPr lang="es-ES" sz="2000" dirty="0" err="1"/>
-              <a:t>EJay</a:t>
-            </a:r>
-            <a:r>
-              <a:rPr lang="es-ES" sz="2000" dirty="0"/>
-              <a:t> Guo          ejay.guo@gmail.com</a:t>
-            </a:r>
-            <a:endParaRPr lang="en-US" sz="2000" dirty="0"/>
-          </a:p>
-        </p:txBody>
-      </p:sp>
+          <p:cNvGrpSpPr>
+            <a:grpSpLocks noGrp="1" noUngrp="1" noRot="1" noChangeAspect="1" noMove="1" noResize="1"/>
+          </p:cNvGrpSpPr>
+          <p:nvPr>
+            <p:extLst>
+              <p:ext uri="{386F3935-93C4-4BCD-93E2-E3B085C9AB24}">
+                <p16:designElem xmlns:p16="http://schemas.microsoft.com/office/powerpoint/2015/main" val="1"/>
+              </p:ext>
+            </p:extLst>
+          </p:nvPr>
+        </p:nvGrpSpPr>
+        <p:grpSpPr>
+          <a:xfrm flipH="1">
+            <a:off x="6526211" y="0"/>
+            <a:ext cx="5014912" cy="6862763"/>
+            <a:chOff x="2928938" y="-4763"/>
+            <a:chExt cx="5014912" cy="6862763"/>
+          </a:xfrm>
+        </p:grpSpPr>
+        <p:sp>
+          <p:nvSpPr>
+            <p:cNvPr id="12" name="Freeform 6">
+              <a:extLst>
+                <a:ext uri="{FF2B5EF4-FFF2-40B4-BE49-F238E27FC236}">
+                  <a16:creationId xmlns:a16="http://schemas.microsoft.com/office/drawing/2014/main" id="{E34CC1C8-EBDD-4AEA-83E6-B27575B62E2E}"/>
+                </a:ext>
+                <a:ext uri="{C183D7F6-B498-43B3-948B-1728B52AA6E4}">
+                  <adec:decorative xmlns:adec="http://schemas.microsoft.com/office/drawing/2017/decorative" val="1"/>
+                </a:ext>
+              </a:extLst>
+            </p:cNvPr>
+            <p:cNvSpPr/>
+            <p:nvPr>
+              <p:extLst>
+                <p:ext uri="{386F3935-93C4-4BCD-93E2-E3B085C9AB24}">
+                  <p16:designElem xmlns:p16="http://schemas.microsoft.com/office/powerpoint/2015/main" val="1"/>
+                </p:ext>
+              </p:extLst>
+            </p:nvPr>
+          </p:nvSpPr>
+          <p:spPr bwMode="auto">
+            <a:xfrm>
+              <a:off x="3367088" y="-4763"/>
+              <a:ext cx="1063625" cy="2782888"/>
+            </a:xfrm>
+            <a:custGeom>
+              <a:avLst/>
+              <a:gdLst/>
+              <a:ahLst/>
+              <a:cxnLst/>
+              <a:rect l="0" t="0" r="r" b="b"/>
+              <a:pathLst>
+                <a:path w="670" h="1753">
+                  <a:moveTo>
+                    <a:pt x="0" y="1696"/>
+                  </a:moveTo>
+                  <a:lnTo>
+                    <a:pt x="225" y="1753"/>
+                  </a:lnTo>
+                  <a:lnTo>
+                    <a:pt x="670" y="0"/>
+                  </a:lnTo>
+                  <a:lnTo>
+                    <a:pt x="430" y="0"/>
+                  </a:lnTo>
+                  <a:lnTo>
+                    <a:pt x="0" y="1696"/>
+                  </a:lnTo>
+                  <a:close/>
+                </a:path>
+              </a:pathLst>
+            </a:custGeom>
+            <a:solidFill>
+              <a:schemeClr val="accent1"/>
+            </a:solidFill>
+            <a:ln>
+              <a:noFill/>
+            </a:ln>
+          </p:spPr>
+        </p:sp>
+        <p:sp>
+          <p:nvSpPr>
+            <p:cNvPr id="13" name="Freeform 7">
+              <a:extLst>
+                <a:ext uri="{FF2B5EF4-FFF2-40B4-BE49-F238E27FC236}">
+                  <a16:creationId xmlns:a16="http://schemas.microsoft.com/office/drawing/2014/main" id="{D6B38644-B85D-4211-9526-5B4C2A662BF7}"/>
+                </a:ext>
+                <a:ext uri="{C183D7F6-B498-43B3-948B-1728B52AA6E4}">
+                  <adec:decorative xmlns:adec="http://schemas.microsoft.com/office/drawing/2017/decorative" val="1"/>
+                </a:ext>
+              </a:extLst>
+            </p:cNvPr>
+            <p:cNvSpPr/>
+            <p:nvPr>
+              <p:extLst>
+                <p:ext uri="{386F3935-93C4-4BCD-93E2-E3B085C9AB24}">
+                  <p16:designElem xmlns:p16="http://schemas.microsoft.com/office/powerpoint/2015/main" val="1"/>
+                </p:ext>
+              </p:extLst>
+            </p:nvPr>
+          </p:nvSpPr>
+          <p:spPr bwMode="auto">
+            <a:xfrm>
+              <a:off x="2928938" y="-4763"/>
+              <a:ext cx="1035050" cy="2673350"/>
+            </a:xfrm>
+            <a:custGeom>
+              <a:avLst/>
+              <a:gdLst/>
+              <a:ahLst/>
+              <a:cxnLst/>
+              <a:rect l="0" t="0" r="r" b="b"/>
+              <a:pathLst>
+                <a:path w="652" h="1684">
+                  <a:moveTo>
+                    <a:pt x="225" y="1684"/>
+                  </a:moveTo>
+                  <a:lnTo>
+                    <a:pt x="652" y="0"/>
+                  </a:lnTo>
+                  <a:lnTo>
+                    <a:pt x="411" y="0"/>
+                  </a:lnTo>
+                  <a:lnTo>
+                    <a:pt x="0" y="1627"/>
+                  </a:lnTo>
+                  <a:lnTo>
+                    <a:pt x="219" y="1681"/>
+                  </a:lnTo>
+                  <a:lnTo>
+                    <a:pt x="225" y="1684"/>
+                  </a:lnTo>
+                  <a:close/>
+                </a:path>
+              </a:pathLst>
+            </a:custGeom>
+            <a:solidFill>
+              <a:srgbClr val="595959"/>
+            </a:solidFill>
+            <a:ln>
+              <a:noFill/>
+            </a:ln>
+          </p:spPr>
+        </p:sp>
+        <p:sp>
+          <p:nvSpPr>
+            <p:cNvPr id="14" name="Freeform 12">
+              <a:extLst>
+                <a:ext uri="{FF2B5EF4-FFF2-40B4-BE49-F238E27FC236}">
+                  <a16:creationId xmlns:a16="http://schemas.microsoft.com/office/drawing/2014/main" id="{8A8B2820-6B8F-4C19-BFC5-D28EE44E54CB}"/>
+                </a:ext>
+                <a:ext uri="{C183D7F6-B498-43B3-948B-1728B52AA6E4}">
+                  <adec:decorative xmlns:adec="http://schemas.microsoft.com/office/drawing/2017/decorative" val="1"/>
+                </a:ext>
+              </a:extLst>
+            </p:cNvPr>
+            <p:cNvSpPr/>
+            <p:nvPr>
+              <p:extLst>
+                <p:ext uri="{386F3935-93C4-4BCD-93E2-E3B085C9AB24}">
+                  <p16:designElem xmlns:p16="http://schemas.microsoft.com/office/powerpoint/2015/main" val="1"/>
+                </p:ext>
+              </p:extLst>
+            </p:nvPr>
+          </p:nvSpPr>
+          <p:spPr bwMode="auto">
+            <a:xfrm>
+              <a:off x="2928938" y="2582862"/>
+              <a:ext cx="2693987" cy="4275138"/>
+            </a:xfrm>
+            <a:custGeom>
+              <a:avLst/>
+              <a:gdLst/>
+              <a:ahLst/>
+              <a:cxnLst/>
+              <a:rect l="0" t="0" r="r" b="b"/>
+              <a:pathLst>
+                <a:path w="1697" h="2693">
+                  <a:moveTo>
+                    <a:pt x="0" y="0"/>
+                  </a:moveTo>
+                  <a:lnTo>
+                    <a:pt x="1622" y="2693"/>
+                  </a:lnTo>
+                  <a:lnTo>
+                    <a:pt x="1697" y="2693"/>
+                  </a:lnTo>
+                  <a:lnTo>
+                    <a:pt x="0" y="0"/>
+                  </a:lnTo>
+                  <a:close/>
+                </a:path>
+              </a:pathLst>
+            </a:custGeom>
+            <a:solidFill>
+              <a:srgbClr val="262626"/>
+            </a:solidFill>
+            <a:ln>
+              <a:noFill/>
+            </a:ln>
+          </p:spPr>
+        </p:sp>
+        <p:sp>
+          <p:nvSpPr>
+            <p:cNvPr id="15" name="Freeform 13">
+              <a:extLst>
+                <a:ext uri="{FF2B5EF4-FFF2-40B4-BE49-F238E27FC236}">
+                  <a16:creationId xmlns:a16="http://schemas.microsoft.com/office/drawing/2014/main" id="{773528ED-4D37-4A77-A8CA-86B6221C5E82}"/>
+                </a:ext>
+                <a:ext uri="{C183D7F6-B498-43B3-948B-1728B52AA6E4}">
+                  <adec:decorative xmlns:adec="http://schemas.microsoft.com/office/drawing/2017/decorative" val="1"/>
+                </a:ext>
+              </a:extLst>
+            </p:cNvPr>
+            <p:cNvSpPr/>
+            <p:nvPr>
+              <p:extLst>
+                <p:ext uri="{386F3935-93C4-4BCD-93E2-E3B085C9AB24}">
+                  <p16:designElem xmlns:p16="http://schemas.microsoft.com/office/powerpoint/2015/main" val="1"/>
+                </p:ext>
+              </p:extLst>
+            </p:nvPr>
+          </p:nvSpPr>
+          <p:spPr bwMode="auto">
+            <a:xfrm>
+              <a:off x="3371850" y="2692400"/>
+              <a:ext cx="3332162" cy="4165600"/>
+            </a:xfrm>
+            <a:custGeom>
+              <a:avLst/>
+              <a:gdLst/>
+              <a:ahLst/>
+              <a:cxnLst/>
+              <a:rect l="0" t="0" r="r" b="b"/>
+              <a:pathLst>
+                <a:path w="2099" h="2624">
+                  <a:moveTo>
+                    <a:pt x="2099" y="2624"/>
+                  </a:moveTo>
+                  <a:lnTo>
+                    <a:pt x="0" y="0"/>
+                  </a:lnTo>
+                  <a:lnTo>
+                    <a:pt x="2021" y="2624"/>
+                  </a:lnTo>
+                  <a:lnTo>
+                    <a:pt x="2099" y="2624"/>
+                  </a:lnTo>
+                  <a:close/>
+                </a:path>
+              </a:pathLst>
+            </a:custGeom>
+            <a:solidFill>
+              <a:schemeClr val="accent1">
+                <a:lumMod val="50000"/>
+              </a:schemeClr>
+            </a:solidFill>
+            <a:ln>
+              <a:noFill/>
+            </a:ln>
+          </p:spPr>
+        </p:sp>
+        <p:sp>
+          <p:nvSpPr>
+            <p:cNvPr id="16" name="Freeform 14">
+              <a:extLst>
+                <a:ext uri="{FF2B5EF4-FFF2-40B4-BE49-F238E27FC236}">
+                  <a16:creationId xmlns:a16="http://schemas.microsoft.com/office/drawing/2014/main" id="{8A58A902-E944-4399-9A93-A91A6A82B166}"/>
+                </a:ext>
+                <a:ext uri="{C183D7F6-B498-43B3-948B-1728B52AA6E4}">
+                  <adec:decorative xmlns:adec="http://schemas.microsoft.com/office/drawing/2017/decorative" val="1"/>
+                </a:ext>
+              </a:extLst>
+            </p:cNvPr>
+            <p:cNvSpPr/>
+            <p:nvPr>
+              <p:extLst>
+                <p:ext uri="{386F3935-93C4-4BCD-93E2-E3B085C9AB24}">
+                  <p16:designElem xmlns:p16="http://schemas.microsoft.com/office/powerpoint/2015/main" val="1"/>
+                </p:ext>
+              </p:extLst>
+            </p:nvPr>
+          </p:nvSpPr>
+          <p:spPr bwMode="auto">
+            <a:xfrm>
+              <a:off x="3367088" y="2687637"/>
+              <a:ext cx="4576762" cy="4170363"/>
+            </a:xfrm>
+            <a:custGeom>
+              <a:avLst/>
+              <a:gdLst/>
+              <a:ahLst/>
+              <a:cxnLst/>
+              <a:rect l="0" t="0" r="r" b="b"/>
+              <a:pathLst>
+                <a:path w="2883" h="2627">
+                  <a:moveTo>
+                    <a:pt x="0" y="0"/>
+                  </a:moveTo>
+                  <a:lnTo>
+                    <a:pt x="3" y="3"/>
+                  </a:lnTo>
+                  <a:lnTo>
+                    <a:pt x="2102" y="2627"/>
+                  </a:lnTo>
+                  <a:lnTo>
+                    <a:pt x="2883" y="2627"/>
+                  </a:lnTo>
+                  <a:lnTo>
+                    <a:pt x="225" y="57"/>
+                  </a:lnTo>
+                  <a:lnTo>
+                    <a:pt x="0" y="0"/>
+                  </a:lnTo>
+                  <a:close/>
+                </a:path>
+              </a:pathLst>
+            </a:custGeom>
+            <a:solidFill>
+              <a:schemeClr val="accent1">
+                <a:lumMod val="75000"/>
+              </a:schemeClr>
+            </a:solidFill>
+            <a:ln>
+              <a:noFill/>
+            </a:ln>
+          </p:spPr>
+        </p:sp>
+        <p:sp>
+          <p:nvSpPr>
+            <p:cNvPr id="17" name="Freeform 15">
+              <a:extLst>
+                <a:ext uri="{FF2B5EF4-FFF2-40B4-BE49-F238E27FC236}">
+                  <a16:creationId xmlns:a16="http://schemas.microsoft.com/office/drawing/2014/main" id="{4EDB1155-2E8E-4FB8-AD42-101FE4383231}"/>
+                </a:ext>
+                <a:ext uri="{C183D7F6-B498-43B3-948B-1728B52AA6E4}">
+                  <adec:decorative xmlns:adec="http://schemas.microsoft.com/office/drawing/2017/decorative" val="1"/>
+                </a:ext>
+              </a:extLst>
+            </p:cNvPr>
+            <p:cNvSpPr/>
+            <p:nvPr>
+              <p:extLst>
+                <p:ext uri="{386F3935-93C4-4BCD-93E2-E3B085C9AB24}">
+                  <p16:designElem xmlns:p16="http://schemas.microsoft.com/office/powerpoint/2015/main" val="1"/>
+                </p:ext>
+              </p:extLst>
+            </p:nvPr>
+          </p:nvSpPr>
+          <p:spPr bwMode="auto">
+            <a:xfrm>
+              <a:off x="2928938" y="2578100"/>
+              <a:ext cx="3584575" cy="4279900"/>
+            </a:xfrm>
+            <a:custGeom>
+              <a:avLst/>
+              <a:gdLst/>
+              <a:ahLst/>
+              <a:cxnLst/>
+              <a:rect l="0" t="0" r="r" b="b"/>
+              <a:pathLst>
+                <a:path w="2258" h="2696">
+                  <a:moveTo>
+                    <a:pt x="2258" y="2696"/>
+                  </a:moveTo>
+                  <a:lnTo>
+                    <a:pt x="264" y="111"/>
+                  </a:lnTo>
+                  <a:lnTo>
+                    <a:pt x="228" y="60"/>
+                  </a:lnTo>
+                  <a:lnTo>
+                    <a:pt x="225" y="57"/>
+                  </a:lnTo>
+                  <a:lnTo>
+                    <a:pt x="0" y="0"/>
+                  </a:lnTo>
+                  <a:lnTo>
+                    <a:pt x="0" y="3"/>
+                  </a:lnTo>
+                  <a:lnTo>
+                    <a:pt x="1697" y="2696"/>
+                  </a:lnTo>
+                  <a:lnTo>
+                    <a:pt x="2258" y="2696"/>
+                  </a:lnTo>
+                  <a:close/>
+                </a:path>
+              </a:pathLst>
+            </a:custGeom>
+            <a:solidFill>
+              <a:srgbClr val="404040"/>
+            </a:solidFill>
+            <a:ln>
+              <a:noFill/>
+            </a:ln>
+          </p:spPr>
+        </p:sp>
+      </p:grpSp>
     </p:spTree>
     <p:extLst>
       <p:ext uri="{BB962C8B-B14F-4D97-AF65-F5344CB8AC3E}">
-        <p14:creationId xmlns:p14="http://schemas.microsoft.com/office/powerpoint/2010/main" val="2740818297"/>
+        <p14:creationId xmlns:p14="http://schemas.microsoft.com/office/powerpoint/2010/main" val="2486054624"/>
       </p:ext>
     </p:extLst>
   </p:cSld>
   <p:clrMapOvr>
-    <a:masterClrMapping/>
+    <a:overrideClrMapping bg1="dk1" tx1="lt1" bg2="dk2" tx2="lt2" accent1="accent1" accent2="accent2" accent3="accent3" accent4="accent4" accent5="accent5" accent6="accent6" hlink="hlink" folHlink="folHlink"/>
+  </p:clrMapOvr>
+</p:sld>
+</file>
+
+<file path=ppt/slides/slide9.xml><?xml version="1.0" encoding="utf-8"?>
+<p:sld xmlns:a="http://schemas.openxmlformats.org/drawingml/2006/main" xmlns:r="http://schemas.openxmlformats.org/officeDocument/2006/relationships" xmlns:p="http://schemas.openxmlformats.org/presentationml/2006/main">
+  <p:cSld>
+    <p:bg>
+      <p:bgPr>
+        <a:solidFill>
+          <a:schemeClr val="bg2"/>
+        </a:solidFill>
+        <a:effectLst/>
+      </p:bgPr>
+    </p:bg>
+    <p:spTree>
+      <p:nvGrpSpPr>
+        <p:cNvPr id="1" name=""/>
+        <p:cNvGrpSpPr/>
+        <p:nvPr/>
+      </p:nvGrpSpPr>
+      <p:grpSpPr>
+        <a:xfrm>
+          <a:off x="0" y="0"/>
+          <a:ext cx="0" cy="0"/>
+          <a:chOff x="0" y="0"/>
+          <a:chExt cx="0" cy="0"/>
+        </a:xfrm>
+      </p:grpSpPr>
+      <p:sp useBgFill="1">
+        <p:nvSpPr>
+          <p:cNvPr id="9" name="Rectangle 8">
+            <a:extLst>
+              <a:ext uri="{FF2B5EF4-FFF2-40B4-BE49-F238E27FC236}">
+                <a16:creationId xmlns:a16="http://schemas.microsoft.com/office/drawing/2014/main" id="{99CAC3B1-4879-424D-8F15-206277196159}"/>
+              </a:ext>
+              <a:ext uri="{C183D7F6-B498-43B3-948B-1728B52AA6E4}">
+                <adec:decorative xmlns:adec="http://schemas.microsoft.com/office/drawing/2017/decorative" val="1"/>
+              </a:ext>
+            </a:extLst>
+          </p:cNvPr>
+          <p:cNvSpPr>
+            <a:spLocks noGrp="1" noRot="1" noChangeAspect="1" noMove="1" noResize="1" noEditPoints="1" noAdjustHandles="1" noChangeArrowheads="1" noChangeShapeType="1" noTextEdit="1"/>
+          </p:cNvSpPr>
+          <p:nvPr>
+            <p:extLst>
+              <p:ext uri="{386F3935-93C4-4BCD-93E2-E3B085C9AB24}">
+                <p16:designElem xmlns:p16="http://schemas.microsoft.com/office/powerpoint/2015/main" val="1"/>
+              </p:ext>
+            </p:extLst>
+          </p:nvPr>
+        </p:nvSpPr>
+        <p:spPr>
+          <a:xfrm>
+            <a:off x="0" y="0"/>
+            <a:ext cx="12192000" cy="6858000"/>
+          </a:xfrm>
+          <a:prstGeom prst="rect">
+            <a:avLst/>
+          </a:prstGeom>
+          <a:ln>
+            <a:noFill/>
+          </a:ln>
+        </p:spPr>
+        <p:style>
+          <a:lnRef idx="2">
+            <a:schemeClr val="accent1">
+              <a:shade val="50000"/>
+            </a:schemeClr>
+          </a:lnRef>
+          <a:fillRef idx="1">
+            <a:schemeClr val="accent1"/>
+          </a:fillRef>
+          <a:effectRef idx="0">
+            <a:schemeClr val="accent1"/>
+          </a:effectRef>
+          <a:fontRef idx="minor">
+            <a:schemeClr val="lt1"/>
+          </a:fontRef>
+        </p:style>
+        <p:txBody>
+          <a:bodyPr rtlCol="0" anchor="ctr"/>
+          <a:lstStyle/>
+          <a:p>
+            <a:pPr algn="ctr"/>
+            <a:endParaRPr lang="en-US"/>
+          </a:p>
+        </p:txBody>
+      </p:sp>
+      <p:sp>
+        <p:nvSpPr>
+          <p:cNvPr id="2" name="Title 1">
+            <a:extLst>
+              <a:ext uri="{FF2B5EF4-FFF2-40B4-BE49-F238E27FC236}">
+                <a16:creationId xmlns:a16="http://schemas.microsoft.com/office/drawing/2014/main" id="{606624FE-6298-4185-AEB1-6D37EEFB3453}"/>
+              </a:ext>
+            </a:extLst>
+          </p:cNvPr>
+          <p:cNvSpPr>
+            <a:spLocks noGrp="1"/>
+          </p:cNvSpPr>
+          <p:nvPr>
+            <p:ph type="title"/>
+          </p:nvPr>
+        </p:nvSpPr>
+        <p:spPr>
+          <a:xfrm>
+            <a:off x="1018191" y="685800"/>
+            <a:ext cx="7411825" cy="1752599"/>
+          </a:xfrm>
+        </p:spPr>
+        <p:txBody>
+          <a:bodyPr>
+            <a:normAutofit/>
+          </a:bodyPr>
+          <a:lstStyle/>
+          <a:p>
+            <a:pPr algn="l"/>
+            <a:r>
+              <a:rPr lang="en-US"/>
+              <a:t>Team Info </a:t>
+            </a:r>
+          </a:p>
+        </p:txBody>
+      </p:sp>
+      <p:sp>
+        <p:nvSpPr>
+          <p:cNvPr id="3" name="Content Placeholder 2">
+            <a:extLst>
+              <a:ext uri="{FF2B5EF4-FFF2-40B4-BE49-F238E27FC236}">
+                <a16:creationId xmlns:a16="http://schemas.microsoft.com/office/drawing/2014/main" id="{BF9E8292-8C19-421B-AD55-5F8615C6163F}"/>
+              </a:ext>
+            </a:extLst>
+          </p:cNvPr>
+          <p:cNvSpPr>
+            <a:spLocks noGrp="1"/>
+          </p:cNvSpPr>
+          <p:nvPr>
+            <p:ph idx="1"/>
+          </p:nvPr>
+        </p:nvSpPr>
+        <p:spPr>
+          <a:xfrm>
+            <a:off x="1018190" y="2008909"/>
+            <a:ext cx="8236646" cy="3377283"/>
+          </a:xfrm>
+        </p:spPr>
+        <p:txBody>
+          <a:bodyPr anchor="t">
+            <a:normAutofit/>
+          </a:bodyPr>
+          <a:lstStyle/>
+          <a:p>
+            <a:r>
+              <a:rPr lang="en-US" sz="2000" dirty="0"/>
+              <a:t>We can Offer</a:t>
+            </a:r>
+          </a:p>
+          <a:p>
+            <a:pPr marL="0" indent="0">
+              <a:buNone/>
+            </a:pPr>
+            <a:r>
+              <a:rPr lang="en-US" sz="2000" dirty="0"/>
+              <a:t>	[1] Flexible Schedule for Busy but Reliable Experts</a:t>
+            </a:r>
+          </a:p>
+          <a:p>
+            <a:pPr marL="0" indent="0">
+              <a:buNone/>
+            </a:pPr>
+            <a:r>
+              <a:rPr lang="en-US" sz="2000" dirty="0"/>
+              <a:t>	[2] Off Campus Meeting at Trolley Square</a:t>
+            </a:r>
+          </a:p>
+          <a:p>
+            <a:pPr marL="0" indent="0">
+              <a:buNone/>
+            </a:pPr>
+            <a:r>
+              <a:rPr lang="en-US" sz="2000" dirty="0"/>
+              <a:t>	[3] Free Coffee and Free Pizza</a:t>
+            </a:r>
+          </a:p>
+          <a:p>
+            <a:pPr marL="0" indent="0">
+              <a:buNone/>
+            </a:pPr>
+            <a:r>
+              <a:rPr lang="en-US" sz="2000" dirty="0"/>
+              <a:t>	[4] Extra helps for all courses, which team members have taken</a:t>
+            </a:r>
+          </a:p>
+        </p:txBody>
+      </p:sp>
+      <p:sp>
+        <p:nvSpPr>
+          <p:cNvPr id="4" name="Footer Placeholder 3">
+            <a:extLst>
+              <a:ext uri="{FF2B5EF4-FFF2-40B4-BE49-F238E27FC236}">
+                <a16:creationId xmlns:a16="http://schemas.microsoft.com/office/drawing/2014/main" id="{2B1E323D-C992-4BE5-A4B2-67CF0699F11C}"/>
+              </a:ext>
+            </a:extLst>
+          </p:cNvPr>
+          <p:cNvSpPr>
+            <a:spLocks noGrp="1"/>
+          </p:cNvSpPr>
+          <p:nvPr>
+            <p:ph type="ftr" sz="quarter" idx="11"/>
+          </p:nvPr>
+        </p:nvSpPr>
+        <p:spPr>
+          <a:xfrm>
+            <a:off x="1018190" y="5883275"/>
+            <a:ext cx="5775900" cy="365125"/>
+          </a:xfrm>
+        </p:spPr>
+        <p:txBody>
+          <a:bodyPr>
+            <a:normAutofit/>
+          </a:bodyPr>
+          <a:lstStyle/>
+          <a:p>
+            <a:pPr>
+              <a:spcAft>
+                <a:spcPts val="600"/>
+              </a:spcAft>
+            </a:pPr>
+            <a:r>
+              <a:rPr lang="es-ES" err="1"/>
+              <a:t>EJay</a:t>
+            </a:r>
+            <a:r>
+              <a:rPr lang="es-ES"/>
+              <a:t> Guo          ejay.guo@gmail.com</a:t>
+            </a:r>
+            <a:endParaRPr lang="en-US"/>
+          </a:p>
+        </p:txBody>
+      </p:sp>
+      <p:grpSp>
+        <p:nvGrpSpPr>
+          <p:cNvPr id="11" name="Group 10">
+            <a:extLst>
+              <a:ext uri="{FF2B5EF4-FFF2-40B4-BE49-F238E27FC236}">
+                <a16:creationId xmlns:a16="http://schemas.microsoft.com/office/drawing/2014/main" id="{4B8492CB-DFBA-4A82-9778-F21493DA36C1}"/>
+              </a:ext>
+              <a:ext uri="{C183D7F6-B498-43B3-948B-1728B52AA6E4}">
+                <adec:decorative xmlns:adec="http://schemas.microsoft.com/office/drawing/2017/decorative" val="1"/>
+              </a:ext>
+            </a:extLst>
+          </p:cNvPr>
+          <p:cNvGrpSpPr>
+            <a:grpSpLocks noGrp="1" noUngrp="1" noRot="1" noChangeAspect="1" noMove="1" noResize="1"/>
+          </p:cNvGrpSpPr>
+          <p:nvPr>
+            <p:extLst>
+              <p:ext uri="{386F3935-93C4-4BCD-93E2-E3B085C9AB24}">
+                <p16:designElem xmlns:p16="http://schemas.microsoft.com/office/powerpoint/2015/main" val="1"/>
+              </p:ext>
+            </p:extLst>
+          </p:nvPr>
+        </p:nvGrpSpPr>
+        <p:grpSpPr>
+          <a:xfrm flipH="1">
+            <a:off x="6526211" y="0"/>
+            <a:ext cx="5014912" cy="6862763"/>
+            <a:chOff x="2928938" y="-4763"/>
+            <a:chExt cx="5014912" cy="6862763"/>
+          </a:xfrm>
+        </p:grpSpPr>
+        <p:sp>
+          <p:nvSpPr>
+            <p:cNvPr id="12" name="Freeform 6">
+              <a:extLst>
+                <a:ext uri="{FF2B5EF4-FFF2-40B4-BE49-F238E27FC236}">
+                  <a16:creationId xmlns:a16="http://schemas.microsoft.com/office/drawing/2014/main" id="{E34CC1C8-EBDD-4AEA-83E6-B27575B62E2E}"/>
+                </a:ext>
+                <a:ext uri="{C183D7F6-B498-43B3-948B-1728B52AA6E4}">
+                  <adec:decorative xmlns:adec="http://schemas.microsoft.com/office/drawing/2017/decorative" val="1"/>
+                </a:ext>
+              </a:extLst>
+            </p:cNvPr>
+            <p:cNvSpPr/>
+            <p:nvPr>
+              <p:extLst>
+                <p:ext uri="{386F3935-93C4-4BCD-93E2-E3B085C9AB24}">
+                  <p16:designElem xmlns:p16="http://schemas.microsoft.com/office/powerpoint/2015/main" val="1"/>
+                </p:ext>
+              </p:extLst>
+            </p:nvPr>
+          </p:nvSpPr>
+          <p:spPr bwMode="auto">
+            <a:xfrm>
+              <a:off x="3367088" y="-4763"/>
+              <a:ext cx="1063625" cy="2782888"/>
+            </a:xfrm>
+            <a:custGeom>
+              <a:avLst/>
+              <a:gdLst/>
+              <a:ahLst/>
+              <a:cxnLst/>
+              <a:rect l="0" t="0" r="r" b="b"/>
+              <a:pathLst>
+                <a:path w="670" h="1753">
+                  <a:moveTo>
+                    <a:pt x="0" y="1696"/>
+                  </a:moveTo>
+                  <a:lnTo>
+                    <a:pt x="225" y="1753"/>
+                  </a:lnTo>
+                  <a:lnTo>
+                    <a:pt x="670" y="0"/>
+                  </a:lnTo>
+                  <a:lnTo>
+                    <a:pt x="430" y="0"/>
+                  </a:lnTo>
+                  <a:lnTo>
+                    <a:pt x="0" y="1696"/>
+                  </a:lnTo>
+                  <a:close/>
+                </a:path>
+              </a:pathLst>
+            </a:custGeom>
+            <a:solidFill>
+              <a:schemeClr val="accent1"/>
+            </a:solidFill>
+            <a:ln>
+              <a:noFill/>
+            </a:ln>
+          </p:spPr>
+        </p:sp>
+        <p:sp>
+          <p:nvSpPr>
+            <p:cNvPr id="13" name="Freeform 7">
+              <a:extLst>
+                <a:ext uri="{FF2B5EF4-FFF2-40B4-BE49-F238E27FC236}">
+                  <a16:creationId xmlns:a16="http://schemas.microsoft.com/office/drawing/2014/main" id="{D6B38644-B85D-4211-9526-5B4C2A662BF7}"/>
+                </a:ext>
+                <a:ext uri="{C183D7F6-B498-43B3-948B-1728B52AA6E4}">
+                  <adec:decorative xmlns:adec="http://schemas.microsoft.com/office/drawing/2017/decorative" val="1"/>
+                </a:ext>
+              </a:extLst>
+            </p:cNvPr>
+            <p:cNvSpPr/>
+            <p:nvPr>
+              <p:extLst>
+                <p:ext uri="{386F3935-93C4-4BCD-93E2-E3B085C9AB24}">
+                  <p16:designElem xmlns:p16="http://schemas.microsoft.com/office/powerpoint/2015/main" val="1"/>
+                </p:ext>
+              </p:extLst>
+            </p:nvPr>
+          </p:nvSpPr>
+          <p:spPr bwMode="auto">
+            <a:xfrm>
+              <a:off x="2928938" y="-4763"/>
+              <a:ext cx="1035050" cy="2673350"/>
+            </a:xfrm>
+            <a:custGeom>
+              <a:avLst/>
+              <a:gdLst/>
+              <a:ahLst/>
+              <a:cxnLst/>
+              <a:rect l="0" t="0" r="r" b="b"/>
+              <a:pathLst>
+                <a:path w="652" h="1684">
+                  <a:moveTo>
+                    <a:pt x="225" y="1684"/>
+                  </a:moveTo>
+                  <a:lnTo>
+                    <a:pt x="652" y="0"/>
+                  </a:lnTo>
+                  <a:lnTo>
+                    <a:pt x="411" y="0"/>
+                  </a:lnTo>
+                  <a:lnTo>
+                    <a:pt x="0" y="1627"/>
+                  </a:lnTo>
+                  <a:lnTo>
+                    <a:pt x="219" y="1681"/>
+                  </a:lnTo>
+                  <a:lnTo>
+                    <a:pt x="225" y="1684"/>
+                  </a:lnTo>
+                  <a:close/>
+                </a:path>
+              </a:pathLst>
+            </a:custGeom>
+            <a:solidFill>
+              <a:srgbClr val="595959"/>
+            </a:solidFill>
+            <a:ln>
+              <a:noFill/>
+            </a:ln>
+          </p:spPr>
+        </p:sp>
+        <p:sp>
+          <p:nvSpPr>
+            <p:cNvPr id="14" name="Freeform 12">
+              <a:extLst>
+                <a:ext uri="{FF2B5EF4-FFF2-40B4-BE49-F238E27FC236}">
+                  <a16:creationId xmlns:a16="http://schemas.microsoft.com/office/drawing/2014/main" id="{8A8B2820-6B8F-4C19-BFC5-D28EE44E54CB}"/>
+                </a:ext>
+                <a:ext uri="{C183D7F6-B498-43B3-948B-1728B52AA6E4}">
+                  <adec:decorative xmlns:adec="http://schemas.microsoft.com/office/drawing/2017/decorative" val="1"/>
+                </a:ext>
+              </a:extLst>
+            </p:cNvPr>
+            <p:cNvSpPr/>
+            <p:nvPr>
+              <p:extLst>
+                <p:ext uri="{386F3935-93C4-4BCD-93E2-E3B085C9AB24}">
+                  <p16:designElem xmlns:p16="http://schemas.microsoft.com/office/powerpoint/2015/main" val="1"/>
+                </p:ext>
+              </p:extLst>
+            </p:nvPr>
+          </p:nvSpPr>
+          <p:spPr bwMode="auto">
+            <a:xfrm>
+              <a:off x="2928938" y="2582862"/>
+              <a:ext cx="2693987" cy="4275138"/>
+            </a:xfrm>
+            <a:custGeom>
+              <a:avLst/>
+              <a:gdLst/>
+              <a:ahLst/>
+              <a:cxnLst/>
+              <a:rect l="0" t="0" r="r" b="b"/>
+              <a:pathLst>
+                <a:path w="1697" h="2693">
+                  <a:moveTo>
+                    <a:pt x="0" y="0"/>
+                  </a:moveTo>
+                  <a:lnTo>
+                    <a:pt x="1622" y="2693"/>
+                  </a:lnTo>
+                  <a:lnTo>
+                    <a:pt x="1697" y="2693"/>
+                  </a:lnTo>
+                  <a:lnTo>
+                    <a:pt x="0" y="0"/>
+                  </a:lnTo>
+                  <a:close/>
+                </a:path>
+              </a:pathLst>
+            </a:custGeom>
+            <a:solidFill>
+              <a:srgbClr val="262626"/>
+            </a:solidFill>
+            <a:ln>
+              <a:noFill/>
+            </a:ln>
+          </p:spPr>
+        </p:sp>
+        <p:sp>
+          <p:nvSpPr>
+            <p:cNvPr id="15" name="Freeform 13">
+              <a:extLst>
+                <a:ext uri="{FF2B5EF4-FFF2-40B4-BE49-F238E27FC236}">
+                  <a16:creationId xmlns:a16="http://schemas.microsoft.com/office/drawing/2014/main" id="{773528ED-4D37-4A77-A8CA-86B6221C5E82}"/>
+                </a:ext>
+                <a:ext uri="{C183D7F6-B498-43B3-948B-1728B52AA6E4}">
+                  <adec:decorative xmlns:adec="http://schemas.microsoft.com/office/drawing/2017/decorative" val="1"/>
+                </a:ext>
+              </a:extLst>
+            </p:cNvPr>
+            <p:cNvSpPr/>
+            <p:nvPr>
+              <p:extLst>
+                <p:ext uri="{386F3935-93C4-4BCD-93E2-E3B085C9AB24}">
+                  <p16:designElem xmlns:p16="http://schemas.microsoft.com/office/powerpoint/2015/main" val="1"/>
+                </p:ext>
+              </p:extLst>
+            </p:nvPr>
+          </p:nvSpPr>
+          <p:spPr bwMode="auto">
+            <a:xfrm>
+              <a:off x="3371850" y="2692400"/>
+              <a:ext cx="3332162" cy="4165600"/>
+            </a:xfrm>
+            <a:custGeom>
+              <a:avLst/>
+              <a:gdLst/>
+              <a:ahLst/>
+              <a:cxnLst/>
+              <a:rect l="0" t="0" r="r" b="b"/>
+              <a:pathLst>
+                <a:path w="2099" h="2624">
+                  <a:moveTo>
+                    <a:pt x="2099" y="2624"/>
+                  </a:moveTo>
+                  <a:lnTo>
+                    <a:pt x="0" y="0"/>
+                  </a:lnTo>
+                  <a:lnTo>
+                    <a:pt x="2021" y="2624"/>
+                  </a:lnTo>
+                  <a:lnTo>
+                    <a:pt x="2099" y="2624"/>
+                  </a:lnTo>
+                  <a:close/>
+                </a:path>
+              </a:pathLst>
+            </a:custGeom>
+            <a:solidFill>
+              <a:schemeClr val="accent1">
+                <a:lumMod val="50000"/>
+              </a:schemeClr>
+            </a:solidFill>
+            <a:ln>
+              <a:noFill/>
+            </a:ln>
+          </p:spPr>
+        </p:sp>
+        <p:sp>
+          <p:nvSpPr>
+            <p:cNvPr id="16" name="Freeform 14">
+              <a:extLst>
+                <a:ext uri="{FF2B5EF4-FFF2-40B4-BE49-F238E27FC236}">
+                  <a16:creationId xmlns:a16="http://schemas.microsoft.com/office/drawing/2014/main" id="{8A58A902-E944-4399-9A93-A91A6A82B166}"/>
+                </a:ext>
+                <a:ext uri="{C183D7F6-B498-43B3-948B-1728B52AA6E4}">
+                  <adec:decorative xmlns:adec="http://schemas.microsoft.com/office/drawing/2017/decorative" val="1"/>
+                </a:ext>
+              </a:extLst>
+            </p:cNvPr>
+            <p:cNvSpPr/>
+            <p:nvPr>
+              <p:extLst>
+                <p:ext uri="{386F3935-93C4-4BCD-93E2-E3B085C9AB24}">
+                  <p16:designElem xmlns:p16="http://schemas.microsoft.com/office/powerpoint/2015/main" val="1"/>
+                </p:ext>
+              </p:extLst>
+            </p:nvPr>
+          </p:nvSpPr>
+          <p:spPr bwMode="auto">
+            <a:xfrm>
+              <a:off x="3367088" y="2687637"/>
+              <a:ext cx="4576762" cy="4170363"/>
+            </a:xfrm>
+            <a:custGeom>
+              <a:avLst/>
+              <a:gdLst/>
+              <a:ahLst/>
+              <a:cxnLst/>
+              <a:rect l="0" t="0" r="r" b="b"/>
+              <a:pathLst>
+                <a:path w="2883" h="2627">
+                  <a:moveTo>
+                    <a:pt x="0" y="0"/>
+                  </a:moveTo>
+                  <a:lnTo>
+                    <a:pt x="3" y="3"/>
+                  </a:lnTo>
+                  <a:lnTo>
+                    <a:pt x="2102" y="2627"/>
+                  </a:lnTo>
+                  <a:lnTo>
+                    <a:pt x="2883" y="2627"/>
+                  </a:lnTo>
+                  <a:lnTo>
+                    <a:pt x="225" y="57"/>
+                  </a:lnTo>
+                  <a:lnTo>
+                    <a:pt x="0" y="0"/>
+                  </a:lnTo>
+                  <a:close/>
+                </a:path>
+              </a:pathLst>
+            </a:custGeom>
+            <a:solidFill>
+              <a:schemeClr val="accent1">
+                <a:lumMod val="75000"/>
+              </a:schemeClr>
+            </a:solidFill>
+            <a:ln>
+              <a:noFill/>
+            </a:ln>
+          </p:spPr>
+        </p:sp>
+        <p:sp>
+          <p:nvSpPr>
+            <p:cNvPr id="17" name="Freeform 15">
+              <a:extLst>
+                <a:ext uri="{FF2B5EF4-FFF2-40B4-BE49-F238E27FC236}">
+                  <a16:creationId xmlns:a16="http://schemas.microsoft.com/office/drawing/2014/main" id="{4EDB1155-2E8E-4FB8-AD42-101FE4383231}"/>
+                </a:ext>
+                <a:ext uri="{C183D7F6-B498-43B3-948B-1728B52AA6E4}">
+                  <adec:decorative xmlns:adec="http://schemas.microsoft.com/office/drawing/2017/decorative" val="1"/>
+                </a:ext>
+              </a:extLst>
+            </p:cNvPr>
+            <p:cNvSpPr/>
+            <p:nvPr>
+              <p:extLst>
+                <p:ext uri="{386F3935-93C4-4BCD-93E2-E3B085C9AB24}">
+                  <p16:designElem xmlns:p16="http://schemas.microsoft.com/office/powerpoint/2015/main" val="1"/>
+                </p:ext>
+              </p:extLst>
+            </p:nvPr>
+          </p:nvSpPr>
+          <p:spPr bwMode="auto">
+            <a:xfrm>
+              <a:off x="2928938" y="2578100"/>
+              <a:ext cx="3584575" cy="4279900"/>
+            </a:xfrm>
+            <a:custGeom>
+              <a:avLst/>
+              <a:gdLst/>
+              <a:ahLst/>
+              <a:cxnLst/>
+              <a:rect l="0" t="0" r="r" b="b"/>
+              <a:pathLst>
+                <a:path w="2258" h="2696">
+                  <a:moveTo>
+                    <a:pt x="2258" y="2696"/>
+                  </a:moveTo>
+                  <a:lnTo>
+                    <a:pt x="264" y="111"/>
+                  </a:lnTo>
+                  <a:lnTo>
+                    <a:pt x="228" y="60"/>
+                  </a:lnTo>
+                  <a:lnTo>
+                    <a:pt x="225" y="57"/>
+                  </a:lnTo>
+                  <a:lnTo>
+                    <a:pt x="0" y="0"/>
+                  </a:lnTo>
+                  <a:lnTo>
+                    <a:pt x="0" y="3"/>
+                  </a:lnTo>
+                  <a:lnTo>
+                    <a:pt x="1697" y="2696"/>
+                  </a:lnTo>
+                  <a:lnTo>
+                    <a:pt x="2258" y="2696"/>
+                  </a:lnTo>
+                  <a:close/>
+                </a:path>
+              </a:pathLst>
+            </a:custGeom>
+            <a:solidFill>
+              <a:srgbClr val="404040"/>
+            </a:solidFill>
+            <a:ln>
+              <a:noFill/>
+            </a:ln>
+          </p:spPr>
+        </p:sp>
+      </p:grpSp>
+    </p:spTree>
+    <p:extLst>
+      <p:ext uri="{BB962C8B-B14F-4D97-AF65-F5344CB8AC3E}">
+        <p14:creationId xmlns:p14="http://schemas.microsoft.com/office/powerpoint/2010/main" val="2485047518"/>
+      </p:ext>
+    </p:extLst>
+  </p:cSld>
+  <p:clrMapOvr>
+    <a:overrideClrMapping bg1="dk1" tx1="lt1" bg2="dk2" tx2="lt2" accent1="accent1" accent2="accent2" accent3="accent3" accent4="accent4" accent5="accent5" accent6="accent6" hlink="hlink" folHlink="folHlink"/>
   </p:clrMapOvr>
 </p:sld>
 </file>
